--- a/总体设计.pptx
+++ b/总体设计.pptx
@@ -10,18 +10,17 @@
     <p:sldId id="257" r:id="rId5"/>
     <p:sldId id="263" r:id="rId6"/>
     <p:sldId id="282" r:id="rId7"/>
-    <p:sldId id="292" r:id="rId8"/>
-    <p:sldId id="266" r:id="rId9"/>
-    <p:sldId id="268" r:id="rId10"/>
-    <p:sldId id="275" r:id="rId11"/>
-    <p:sldId id="293" r:id="rId12"/>
-    <p:sldId id="264" r:id="rId13"/>
-    <p:sldId id="265" r:id="rId14"/>
+    <p:sldId id="266" r:id="rId8"/>
+    <p:sldId id="268" r:id="rId9"/>
+    <p:sldId id="275" r:id="rId10"/>
+    <p:sldId id="293" r:id="rId11"/>
+    <p:sldId id="264" r:id="rId12"/>
+    <p:sldId id="265" r:id="rId13"/>
   </p:sldIdLst>
   <p:sldSz cx="9144000" cy="6858000" type="screen4x3"/>
   <p:notesSz cx="6858000" cy="9144000"/>
   <p:custDataLst>
-    <p:tags r:id="rId19"/>
+    <p:tags r:id="rId18"/>
   </p:custDataLst>
   <p:defaultTextStyle>
     <a:defPPr>
@@ -10959,477 +10958,6 @@
     </p:spTree>
     <p:custDataLst>
       <p:tags r:id="rId8"/>
-    </p:custDataLst>
-  </p:cSld>
-  <p:clrMapOvr>
-    <a:masterClrMapping/>
-  </p:clrMapOvr>
-  <p:transition/>
-</p:sld>
-</file>
-
-<file path=ppt/slides/slide10.xml><?xml version="1.0" encoding="utf-8"?>
-<p:sld xmlns:a="http://schemas.openxmlformats.org/drawingml/2006/main" xmlns:r="http://schemas.openxmlformats.org/officeDocument/2006/relationships" xmlns:p="http://schemas.openxmlformats.org/presentationml/2006/main">
-  <p:cSld>
-    <p:spTree>
-      <p:nvGrpSpPr>
-        <p:cNvPr id="1" name=""/>
-        <p:cNvGrpSpPr/>
-        <p:nvPr/>
-      </p:nvGrpSpPr>
-      <p:grpSpPr/>
-      <p:grpSp>
-        <p:nvGrpSpPr>
-          <p:cNvPr id="131073" name="组合 25"/>
-          <p:cNvGrpSpPr/>
-          <p:nvPr/>
-        </p:nvGrpSpPr>
-        <p:grpSpPr>
-          <a:xfrm>
-            <a:off x="684213" y="825500"/>
-            <a:ext cx="7775575" cy="5207000"/>
-            <a:chOff x="975533" y="0"/>
-            <a:chExt cx="10240934" cy="6858000"/>
-          </a:xfrm>
-        </p:grpSpPr>
-        <p:sp>
-          <p:nvSpPr>
-            <p:cNvPr id="23" name="任意多边形: 形状 22"/>
-            <p:cNvSpPr/>
-            <p:nvPr>
-              <p:custDataLst>
-                <p:tags r:id="rId1"/>
-              </p:custDataLst>
-            </p:nvPr>
-          </p:nvSpPr>
-          <p:spPr>
-            <a:xfrm>
-              <a:off x="2412733" y="0"/>
-              <a:ext cx="7366534" cy="6858000"/>
-            </a:xfrm>
-            <a:custGeom>
-              <a:avLst/>
-              <a:gdLst>
-                <a:gd name="connsiteX0" fmla="*/ 2338804 w 7366534"/>
-                <a:gd name="connsiteY0" fmla="*/ 0 h 6858000"/>
-                <a:gd name="connsiteX1" fmla="*/ 5027730 w 7366534"/>
-                <a:gd name="connsiteY1" fmla="*/ 0 h 6858000"/>
-                <a:gd name="connsiteX2" fmla="*/ 5116961 w 7366534"/>
-                <a:gd name="connsiteY2" fmla="*/ 35183 h 6858000"/>
-                <a:gd name="connsiteX3" fmla="*/ 7366534 w 7366534"/>
-                <a:gd name="connsiteY3" fmla="*/ 3429000 h 6858000"/>
-                <a:gd name="connsiteX4" fmla="*/ 5116961 w 7366534"/>
-                <a:gd name="connsiteY4" fmla="*/ 6822818 h 6858000"/>
-                <a:gd name="connsiteX5" fmla="*/ 5027731 w 7366534"/>
-                <a:gd name="connsiteY5" fmla="*/ 6858000 h 6858000"/>
-                <a:gd name="connsiteX6" fmla="*/ 2338804 w 7366534"/>
-                <a:gd name="connsiteY6" fmla="*/ 6858000 h 6858000"/>
-                <a:gd name="connsiteX7" fmla="*/ 2249574 w 7366534"/>
-                <a:gd name="connsiteY7" fmla="*/ 6822818 h 6858000"/>
-                <a:gd name="connsiteX8" fmla="*/ 0 w 7366534"/>
-                <a:gd name="connsiteY8" fmla="*/ 3429000 h 6858000"/>
-                <a:gd name="connsiteX9" fmla="*/ 2249574 w 7366534"/>
-                <a:gd name="connsiteY9" fmla="*/ 35183 h 6858000"/>
-              </a:gdLst>
-              <a:ahLst/>
-              <a:cxnLst>
-                <a:cxn ang="0">
-                  <a:pos x="connsiteX0" y="connsiteY0"/>
-                </a:cxn>
-                <a:cxn ang="0">
-                  <a:pos x="connsiteX1" y="connsiteY1"/>
-                </a:cxn>
-                <a:cxn ang="0">
-                  <a:pos x="connsiteX2" y="connsiteY2"/>
-                </a:cxn>
-                <a:cxn ang="0">
-                  <a:pos x="connsiteX3" y="connsiteY3"/>
-                </a:cxn>
-                <a:cxn ang="0">
-                  <a:pos x="connsiteX4" y="connsiteY4"/>
-                </a:cxn>
-                <a:cxn ang="0">
-                  <a:pos x="connsiteX5" y="connsiteY5"/>
-                </a:cxn>
-                <a:cxn ang="0">
-                  <a:pos x="connsiteX6" y="connsiteY6"/>
-                </a:cxn>
-                <a:cxn ang="0">
-                  <a:pos x="connsiteX7" y="connsiteY7"/>
-                </a:cxn>
-                <a:cxn ang="0">
-                  <a:pos x="connsiteX8" y="connsiteY8"/>
-                </a:cxn>
-                <a:cxn ang="0">
-                  <a:pos x="connsiteX9" y="connsiteY9"/>
-                </a:cxn>
-              </a:cxnLst>
-              <a:rect l="l" t="t" r="r" b="b"/>
-              <a:pathLst>
-                <a:path w="7366534" h="6858000">
-                  <a:moveTo>
-                    <a:pt x="2338804" y="0"/>
-                  </a:moveTo>
-                  <a:lnTo>
-                    <a:pt x="5027730" y="0"/>
-                  </a:lnTo>
-                  <a:lnTo>
-                    <a:pt x="5116961" y="35183"/>
-                  </a:lnTo>
-                  <a:cubicBezTo>
-                    <a:pt x="6438941" y="594333"/>
-                    <a:pt x="7366534" y="1903341"/>
-                    <a:pt x="7366534" y="3429000"/>
-                  </a:cubicBezTo>
-                  <a:cubicBezTo>
-                    <a:pt x="7366534" y="4954659"/>
-                    <a:pt x="6438941" y="6263667"/>
-                    <a:pt x="5116961" y="6822818"/>
-                  </a:cubicBezTo>
-                  <a:lnTo>
-                    <a:pt x="5027731" y="6858000"/>
-                  </a:lnTo>
-                  <a:lnTo>
-                    <a:pt x="2338804" y="6858000"/>
-                  </a:lnTo>
-                  <a:lnTo>
-                    <a:pt x="2249574" y="6822818"/>
-                  </a:lnTo>
-                  <a:cubicBezTo>
-                    <a:pt x="927594" y="6263667"/>
-                    <a:pt x="0" y="4954659"/>
-                    <a:pt x="0" y="3429000"/>
-                  </a:cubicBezTo>
-                  <a:cubicBezTo>
-                    <a:pt x="0" y="1903341"/>
-                    <a:pt x="927594" y="594333"/>
-                    <a:pt x="2249574" y="35183"/>
-                  </a:cubicBezTo>
-                  <a:close/>
-                </a:path>
-              </a:pathLst>
-            </a:custGeom>
-            <a:noFill/>
-            <a:ln>
-              <a:solidFill>
-                <a:sysClr val="window" lastClr="FFFFFF">
-                  <a:lumMod val="95000"/>
-                </a:sysClr>
-              </a:solidFill>
-            </a:ln>
-          </p:spPr>
-          <p:style>
-            <a:lnRef idx="2">
-              <a:srgbClr val="4472C4">
-                <a:shade val="50000"/>
-              </a:srgbClr>
-            </a:lnRef>
-            <a:fillRef idx="1">
-              <a:srgbClr val="4472C4"/>
-            </a:fillRef>
-            <a:effectRef idx="0">
-              <a:srgbClr val="4472C4"/>
-            </a:effectRef>
-            <a:fontRef idx="minor">
-              <a:sysClr val="window" lastClr="FFFFFF"/>
-            </a:fontRef>
-          </p:style>
-          <p:txBody>
-            <a:bodyPr rtlCol="0" anchor="ctr">
-              <a:normAutofit/>
-            </a:bodyPr>
-            <a:p>
-              <a:pPr algn="just" fontAlgn="base">
-                <a:lnSpc>
-                  <a:spcPct val="120000"/>
-                </a:lnSpc>
-              </a:pPr>
-              <a:endParaRPr lang="zh-CN" altLang="en-US" sz="1350" strike="noStrike" noProof="1" dirty="0">
-                <a:latin typeface="微软雅黑" panose="020B0503020204020204" charset="-122"/>
-                <a:ea typeface="微软雅黑" panose="020B0503020204020204" charset="-122"/>
-              </a:endParaRPr>
-            </a:p>
-          </p:txBody>
-        </p:sp>
-        <p:sp>
-          <p:nvSpPr>
-            <p:cNvPr id="25" name="任意多边形: 形状 24"/>
-            <p:cNvSpPr/>
-            <p:nvPr>
-              <p:custDataLst>
-                <p:tags r:id="rId2"/>
-              </p:custDataLst>
-            </p:nvPr>
-          </p:nvSpPr>
-          <p:spPr>
-            <a:xfrm>
-              <a:off x="975533" y="0"/>
-              <a:ext cx="10240934" cy="6858000"/>
-            </a:xfrm>
-            <a:custGeom>
-              <a:avLst/>
-              <a:gdLst>
-                <a:gd name="connsiteX0" fmla="*/ 1318176 w 10240934"/>
-                <a:gd name="connsiteY0" fmla="*/ 0 h 6858000"/>
-                <a:gd name="connsiteX1" fmla="*/ 8922758 w 10240934"/>
-                <a:gd name="connsiteY1" fmla="*/ 0 h 6858000"/>
-                <a:gd name="connsiteX2" fmla="*/ 9071668 w 10240934"/>
-                <a:gd name="connsiteY2" fmla="*/ 171908 h 6858000"/>
-                <a:gd name="connsiteX3" fmla="*/ 10240934 w 10240934"/>
-                <a:gd name="connsiteY3" fmla="*/ 3429000 h 6858000"/>
-                <a:gd name="connsiteX4" fmla="*/ 9071668 w 10240934"/>
-                <a:gd name="connsiteY4" fmla="*/ 6686093 h 6858000"/>
-                <a:gd name="connsiteX5" fmla="*/ 8922758 w 10240934"/>
-                <a:gd name="connsiteY5" fmla="*/ 6858000 h 6858000"/>
-                <a:gd name="connsiteX6" fmla="*/ 1318176 w 10240934"/>
-                <a:gd name="connsiteY6" fmla="*/ 6858000 h 6858000"/>
-                <a:gd name="connsiteX7" fmla="*/ 1169266 w 10240934"/>
-                <a:gd name="connsiteY7" fmla="*/ 6686093 h 6858000"/>
-                <a:gd name="connsiteX8" fmla="*/ 0 w 10240934"/>
-                <a:gd name="connsiteY8" fmla="*/ 3429000 h 6858000"/>
-                <a:gd name="connsiteX9" fmla="*/ 1169266 w 10240934"/>
-                <a:gd name="connsiteY9" fmla="*/ 171908 h 6858000"/>
-              </a:gdLst>
-              <a:ahLst/>
-              <a:cxnLst>
-                <a:cxn ang="0">
-                  <a:pos x="connsiteX0" y="connsiteY0"/>
-                </a:cxn>
-                <a:cxn ang="0">
-                  <a:pos x="connsiteX1" y="connsiteY1"/>
-                </a:cxn>
-                <a:cxn ang="0">
-                  <a:pos x="connsiteX2" y="connsiteY2"/>
-                </a:cxn>
-                <a:cxn ang="0">
-                  <a:pos x="connsiteX3" y="connsiteY3"/>
-                </a:cxn>
-                <a:cxn ang="0">
-                  <a:pos x="connsiteX4" y="connsiteY4"/>
-                </a:cxn>
-                <a:cxn ang="0">
-                  <a:pos x="connsiteX5" y="connsiteY5"/>
-                </a:cxn>
-                <a:cxn ang="0">
-                  <a:pos x="connsiteX6" y="connsiteY6"/>
-                </a:cxn>
-                <a:cxn ang="0">
-                  <a:pos x="connsiteX7" y="connsiteY7"/>
-                </a:cxn>
-                <a:cxn ang="0">
-                  <a:pos x="connsiteX8" y="connsiteY8"/>
-                </a:cxn>
-                <a:cxn ang="0">
-                  <a:pos x="connsiteX9" y="connsiteY9"/>
-                </a:cxn>
-              </a:cxnLst>
-              <a:rect l="l" t="t" r="r" b="b"/>
-              <a:pathLst>
-                <a:path w="10240934" h="6858000">
-                  <a:moveTo>
-                    <a:pt x="1318176" y="0"/>
-                  </a:moveTo>
-                  <a:lnTo>
-                    <a:pt x="8922758" y="0"/>
-                  </a:lnTo>
-                  <a:lnTo>
-                    <a:pt x="9071668" y="171908"/>
-                  </a:lnTo>
-                  <a:cubicBezTo>
-                    <a:pt x="9802133" y="1057026"/>
-                    <a:pt x="10240934" y="2191769"/>
-                    <a:pt x="10240934" y="3429000"/>
-                  </a:cubicBezTo>
-                  <a:cubicBezTo>
-                    <a:pt x="10240934" y="4666231"/>
-                    <a:pt x="9802133" y="5800974"/>
-                    <a:pt x="9071668" y="6686093"/>
-                  </a:cubicBezTo>
-                  <a:lnTo>
-                    <a:pt x="8922758" y="6858000"/>
-                  </a:lnTo>
-                  <a:lnTo>
-                    <a:pt x="1318176" y="6858000"/>
-                  </a:lnTo>
-                  <a:lnTo>
-                    <a:pt x="1169266" y="6686093"/>
-                  </a:lnTo>
-                  <a:cubicBezTo>
-                    <a:pt x="438801" y="5800974"/>
-                    <a:pt x="0" y="4666231"/>
-                    <a:pt x="0" y="3429000"/>
-                  </a:cubicBezTo>
-                  <a:cubicBezTo>
-                    <a:pt x="0" y="2191769"/>
-                    <a:pt x="438801" y="1057026"/>
-                    <a:pt x="1169266" y="171908"/>
-                  </a:cubicBezTo>
-                  <a:close/>
-                </a:path>
-              </a:pathLst>
-            </a:custGeom>
-            <a:noFill/>
-            <a:ln>
-              <a:solidFill>
-                <a:sysClr val="window" lastClr="FFFFFF">
-                  <a:lumMod val="95000"/>
-                </a:sysClr>
-              </a:solidFill>
-            </a:ln>
-          </p:spPr>
-          <p:style>
-            <a:lnRef idx="2">
-              <a:srgbClr val="4472C4">
-                <a:shade val="50000"/>
-              </a:srgbClr>
-            </a:lnRef>
-            <a:fillRef idx="1">
-              <a:srgbClr val="4472C4"/>
-            </a:fillRef>
-            <a:effectRef idx="0">
-              <a:srgbClr val="4472C4"/>
-            </a:effectRef>
-            <a:fontRef idx="minor">
-              <a:sysClr val="window" lastClr="FFFFFF"/>
-            </a:fontRef>
-          </p:style>
-          <p:txBody>
-            <a:bodyPr rtlCol="0" anchor="ctr">
-              <a:normAutofit/>
-            </a:bodyPr>
-            <a:p>
-              <a:pPr algn="just" fontAlgn="base">
-                <a:lnSpc>
-                  <a:spcPct val="120000"/>
-                </a:lnSpc>
-              </a:pPr>
-              <a:endParaRPr lang="zh-CN" altLang="en-US" sz="1350" strike="noStrike" noProof="1" dirty="0">
-                <a:latin typeface="微软雅黑" panose="020B0503020204020204" charset="-122"/>
-                <a:ea typeface="微软雅黑" panose="020B0503020204020204" charset="-122"/>
-              </a:endParaRPr>
-            </a:p>
-          </p:txBody>
-        </p:sp>
-      </p:grpSp>
-      <p:sp>
-        <p:nvSpPr>
-          <p:cNvPr id="5" name="椭圆 4"/>
-          <p:cNvSpPr/>
-          <p:nvPr>
-            <p:custDataLst>
-              <p:tags r:id="rId3"/>
-            </p:custDataLst>
-          </p:nvPr>
-        </p:nvSpPr>
-        <p:spPr>
-          <a:xfrm>
-            <a:off x="2809875" y="1666875"/>
-            <a:ext cx="3524250" cy="3524250"/>
-          </a:xfrm>
-          <a:prstGeom prst="ellipse">
-            <a:avLst/>
-          </a:prstGeom>
-          <a:noFill/>
-          <a:ln>
-            <a:solidFill>
-              <a:sysClr val="window" lastClr="FFFFFF">
-                <a:lumMod val="95000"/>
-              </a:sysClr>
-            </a:solidFill>
-          </a:ln>
-        </p:spPr>
-        <p:style>
-          <a:lnRef idx="2">
-            <a:srgbClr val="4472C4">
-              <a:shade val="50000"/>
-            </a:srgbClr>
-          </a:lnRef>
-          <a:fillRef idx="1">
-            <a:srgbClr val="4472C4"/>
-          </a:fillRef>
-          <a:effectRef idx="0">
-            <a:srgbClr val="4472C4"/>
-          </a:effectRef>
-          <a:fontRef idx="minor">
-            <a:sysClr val="window" lastClr="FFFFFF"/>
-          </a:fontRef>
-        </p:style>
-        <p:txBody>
-          <a:bodyPr rtlCol="0" anchor="ctr">
-            <a:normAutofit/>
-          </a:bodyPr>
-          <a:p>
-            <a:pPr algn="ctr" fontAlgn="base">
-              <a:lnSpc>
-                <a:spcPct val="120000"/>
-              </a:lnSpc>
-            </a:pPr>
-            <a:endParaRPr lang="zh-CN" altLang="en-US" sz="1350" strike="noStrike" noProof="1">
-              <a:latin typeface="微软雅黑" panose="020B0503020204020204" charset="-122"/>
-              <a:ea typeface="微软雅黑" panose="020B0503020204020204" charset="-122"/>
-            </a:endParaRPr>
-          </a:p>
-        </p:txBody>
-      </p:sp>
-      <p:sp>
-        <p:nvSpPr>
-          <p:cNvPr id="2" name="文本框 1"/>
-          <p:cNvSpPr txBox="1"/>
-          <p:nvPr/>
-        </p:nvSpPr>
-        <p:spPr>
-          <a:xfrm>
-            <a:off x="3779838" y="2997200"/>
-            <a:ext cx="2476500" cy="830263"/>
-          </a:xfrm>
-          <a:prstGeom prst="rect">
-            <a:avLst/>
-          </a:prstGeom>
-          <a:noFill/>
-        </p:spPr>
-        <p:txBody>
-          <a:bodyPr wrap="square" rtlCol="0" anchor="t">
-            <a:spAutoFit/>
-          </a:bodyPr>
-          <a:p>
-            <a:pPr>
-              <a:spcAft>
-                <a:spcPts val="800"/>
-              </a:spcAft>
-            </a:pPr>
-            <a:r>
-              <a:rPr lang="zh-CN" altLang="en-US" sz="4800" spc="300" noProof="1" dirty="0">
-                <a:solidFill>
-                  <a:schemeClr val="tx1">
-                    <a:lumMod val="85000"/>
-                    <a:lumOff val="15000"/>
-                  </a:schemeClr>
-                </a:solidFill>
-                <a:latin typeface="Arial" panose="020B0604020202020204" pitchFamily="34" charset="0"/>
-                <a:ea typeface="微软雅黑" panose="020B0503020204020204" charset="-122"/>
-                <a:cs typeface="微软雅黑" panose="020B0503020204020204" charset="-122"/>
-                <a:sym typeface="Arial" panose="020B0604020202020204" pitchFamily="34" charset="0"/>
-              </a:rPr>
-              <a:t>谢谢</a:t>
-            </a:r>
-            <a:endParaRPr lang="zh-CN" altLang="en-US" sz="4800" spc="300" noProof="1" dirty="0">
-              <a:solidFill>
-                <a:schemeClr val="tx1">
-                  <a:lumMod val="85000"/>
-                  <a:lumOff val="15000"/>
-                </a:schemeClr>
-              </a:solidFill>
-              <a:latin typeface="Arial" panose="020B0604020202020204" pitchFamily="34" charset="0"/>
-              <a:ea typeface="微软雅黑" panose="020B0503020204020204" charset="-122"/>
-              <a:cs typeface="微软雅黑" panose="020B0503020204020204" charset="-122"/>
-              <a:sym typeface="Arial" panose="020B0604020202020204" pitchFamily="34" charset="0"/>
-            </a:endParaRPr>
-          </a:p>
-        </p:txBody>
-      </p:sp>
-    </p:spTree>
-    <p:custDataLst>
-      <p:tags r:id="rId4"/>
     </p:custDataLst>
   </p:cSld>
   <p:clrMapOvr>
@@ -13038,29 +12566,6 @@
             </a:pPr>
             <a:r>
               <a:rPr lang="zh-CN" altLang="en-US" sz="1800" dirty="0">
-                <a:latin typeface="黑体" panose="02010609060101010101" charset="-122"/>
-                <a:ea typeface="黑体" panose="02010609060101010101" charset="-122"/>
-                <a:cs typeface="黑体" panose="02010609060101010101" charset="-122"/>
-                <a:sym typeface="+mn-ea"/>
-              </a:rPr>
-              <a:t>环境概述</a:t>
-            </a:r>
-            <a:endParaRPr lang="zh-CN" altLang="en-US" sz="1800" dirty="0">
-              <a:solidFill>
-                <a:schemeClr val="tx1"/>
-              </a:solidFill>
-              <a:latin typeface="黑体" panose="02010609060101010101" charset="-122"/>
-              <a:ea typeface="黑体" panose="02010609060101010101" charset="-122"/>
-              <a:cs typeface="黑体" panose="02010609060101010101" charset="-122"/>
-            </a:endParaRPr>
-          </a:p>
-          <a:p>
-            <a:pPr marL="285750" indent="-285750">
-              <a:buFont typeface="Wingdings" panose="05000000000000000000" charset="0"/>
-              <a:buChar char="l"/>
-            </a:pPr>
-            <a:r>
-              <a:rPr lang="zh-CN" altLang="en-US" sz="1800" dirty="0">
                 <a:solidFill>
                   <a:schemeClr val="tx1"/>
                 </a:solidFill>
@@ -14957,1719 +14462,6 @@
 </file>
 
 <file path=ppt/slides/slide4.xml><?xml version="1.0" encoding="utf-8"?>
-<p:sld xmlns:a="http://schemas.openxmlformats.org/drawingml/2006/main" xmlns:r="http://schemas.openxmlformats.org/officeDocument/2006/relationships" xmlns:p="http://schemas.openxmlformats.org/presentationml/2006/main">
-  <p:cSld>
-    <p:spTree>
-      <p:nvGrpSpPr>
-        <p:cNvPr id="1" name=""/>
-        <p:cNvGrpSpPr/>
-        <p:nvPr/>
-      </p:nvGrpSpPr>
-      <p:grpSpPr/>
-      <p:sp>
-        <p:nvSpPr>
-          <p:cNvPr id="16" name="矩形 15"/>
-          <p:cNvSpPr/>
-          <p:nvPr>
-            <p:custDataLst>
-              <p:tags r:id="rId1"/>
-            </p:custDataLst>
-          </p:nvPr>
-        </p:nvSpPr>
-        <p:spPr>
-          <a:xfrm>
-            <a:off x="-1906" y="857251"/>
-            <a:ext cx="9145906" cy="3453051"/>
-          </a:xfrm>
-          <a:prstGeom prst="rect">
-            <a:avLst/>
-          </a:prstGeom>
-          <a:solidFill>
-            <a:srgbClr val="FFFFFF">
-              <a:lumMod val="95000"/>
-            </a:srgbClr>
-          </a:solidFill>
-          <a:ln>
-            <a:noFill/>
-          </a:ln>
-        </p:spPr>
-        <p:style>
-          <a:lnRef idx="2">
-            <a:srgbClr val="1D6DC2">
-              <a:shade val="50000"/>
-            </a:srgbClr>
-          </a:lnRef>
-          <a:fillRef idx="1">
-            <a:srgbClr val="1D6DC2"/>
-          </a:fillRef>
-          <a:effectRef idx="0">
-            <a:srgbClr val="1D6DC2"/>
-          </a:effectRef>
-          <a:fontRef idx="minor">
-            <a:srgbClr val="FFFFFF"/>
-          </a:fontRef>
-        </p:style>
-        <p:txBody>
-          <a:bodyPr rtlCol="0" anchor="ctr"/>
-          <a:lstStyle/>
-          <a:p>
-            <a:pPr algn="ctr"/>
-            <a:endParaRPr kumimoji="1" lang="zh-CN" altLang="en-US" sz="1200" b="1">
-              <a:solidFill>
-                <a:srgbClr val="FFFFFF"/>
-              </a:solidFill>
-              <a:latin typeface="微软雅黑" panose="020B0503020204020204" charset="-122"/>
-            </a:endParaRPr>
-          </a:p>
-        </p:txBody>
-      </p:sp>
-      <p:sp>
-        <p:nvSpPr>
-          <p:cNvPr id="17" name="任意多边形: 形状 16"/>
-          <p:cNvSpPr/>
-          <p:nvPr>
-            <p:custDataLst>
-              <p:tags r:id="rId2"/>
-            </p:custDataLst>
-          </p:nvPr>
-        </p:nvSpPr>
-        <p:spPr>
-          <a:xfrm>
-            <a:off x="3759518" y="857251"/>
-            <a:ext cx="5384801" cy="3453051"/>
-          </a:xfrm>
-          <a:custGeom>
-            <a:avLst/>
-            <a:gdLst>
-              <a:gd name="connsiteX0" fmla="*/ 1164431 w 6780657"/>
-              <a:gd name="connsiteY0" fmla="*/ 0 h 4657725"/>
-              <a:gd name="connsiteX1" fmla="*/ 6780657 w 6780657"/>
-              <a:gd name="connsiteY1" fmla="*/ 0 h 4657725"/>
-              <a:gd name="connsiteX2" fmla="*/ 6780657 w 6780657"/>
-              <a:gd name="connsiteY2" fmla="*/ 4657725 h 4657725"/>
-              <a:gd name="connsiteX3" fmla="*/ 0 w 6780657"/>
-              <a:gd name="connsiteY3" fmla="*/ 4657725 h 4657725"/>
-            </a:gdLst>
-            <a:ahLst/>
-            <a:cxnLst>
-              <a:cxn ang="0">
-                <a:pos x="connsiteX0" y="connsiteY0"/>
-              </a:cxn>
-              <a:cxn ang="0">
-                <a:pos x="connsiteX1" y="connsiteY1"/>
-              </a:cxn>
-              <a:cxn ang="0">
-                <a:pos x="connsiteX2" y="connsiteY2"/>
-              </a:cxn>
-              <a:cxn ang="0">
-                <a:pos x="connsiteX3" y="connsiteY3"/>
-              </a:cxn>
-            </a:cxnLst>
-            <a:rect l="l" t="t" r="r" b="b"/>
-            <a:pathLst>
-              <a:path w="6780657" h="4657725">
-                <a:moveTo>
-                  <a:pt x="1164431" y="0"/>
-                </a:moveTo>
-                <a:lnTo>
-                  <a:pt x="6780657" y="0"/>
-                </a:lnTo>
-                <a:lnTo>
-                  <a:pt x="6780657" y="4657725"/>
-                </a:lnTo>
-                <a:lnTo>
-                  <a:pt x="0" y="4657725"/>
-                </a:lnTo>
-                <a:close/>
-              </a:path>
-            </a:pathLst>
-          </a:custGeom>
-          <a:solidFill>
-            <a:srgbClr val="FFFFFF">
-              <a:lumMod val="85000"/>
-              <a:alpha val="50000"/>
-            </a:srgbClr>
-          </a:solidFill>
-          <a:ln>
-            <a:noFill/>
-          </a:ln>
-        </p:spPr>
-        <p:style>
-          <a:lnRef idx="2">
-            <a:srgbClr val="1D6DC2">
-              <a:shade val="50000"/>
-            </a:srgbClr>
-          </a:lnRef>
-          <a:fillRef idx="1">
-            <a:srgbClr val="1D6DC2"/>
-          </a:fillRef>
-          <a:effectRef idx="0">
-            <a:srgbClr val="1D6DC2"/>
-          </a:effectRef>
-          <a:fontRef idx="minor">
-            <a:srgbClr val="FFFFFF"/>
-          </a:fontRef>
-        </p:style>
-        <p:txBody>
-          <a:bodyPr rtlCol="0" anchor="ctr"/>
-          <a:lstStyle/>
-          <a:p>
-            <a:pPr algn="ctr"/>
-            <a:endParaRPr kumimoji="1" lang="zh-CN" altLang="en-US" sz="1200" b="1">
-              <a:solidFill>
-                <a:srgbClr val="FFFFFF"/>
-              </a:solidFill>
-              <a:latin typeface="微软雅黑" panose="020B0503020204020204" charset="-122"/>
-            </a:endParaRPr>
-          </a:p>
-        </p:txBody>
-      </p:sp>
-      <p:grpSp>
-        <p:nvGrpSpPr>
-          <p:cNvPr id="18" name="组合 17"/>
-          <p:cNvGrpSpPr>
-            <a:grpSpLocks noChangeAspect="1"/>
-          </p:cNvGrpSpPr>
-          <p:nvPr>
-            <p:custDataLst>
-              <p:tags r:id="rId3"/>
-            </p:custDataLst>
-          </p:nvPr>
-        </p:nvGrpSpPr>
-        <p:grpSpPr>
-          <a:xfrm>
-            <a:off x="587111" y="1820168"/>
-            <a:ext cx="540000" cy="471206"/>
-            <a:chOff x="1168400" y="1347856"/>
-            <a:chExt cx="723913" cy="631688"/>
-          </a:xfrm>
-          <a:solidFill>
-            <a:srgbClr val="FFFFFF">
-              <a:lumMod val="85000"/>
-              <a:alpha val="50000"/>
-            </a:srgbClr>
-          </a:solidFill>
-        </p:grpSpPr>
-        <p:sp>
-          <p:nvSpPr>
-            <p:cNvPr id="19" name="任意多边形: 形状 18"/>
-            <p:cNvSpPr>
-              <a:spLocks noChangeAspect="1"/>
-            </p:cNvSpPr>
-            <p:nvPr>
-              <p:custDataLst>
-                <p:tags r:id="rId4"/>
-              </p:custDataLst>
-            </p:nvPr>
-          </p:nvSpPr>
-          <p:spPr>
-            <a:xfrm>
-              <a:off x="1168400" y="1347856"/>
-              <a:ext cx="311295" cy="631688"/>
-            </a:xfrm>
-            <a:custGeom>
-              <a:avLst/>
-              <a:gdLst>
-                <a:gd name="connsiteX0" fmla="*/ 207995 w 295275"/>
-                <a:gd name="connsiteY0" fmla="*/ 0 h 599179"/>
-                <a:gd name="connsiteX1" fmla="*/ 218480 w 295275"/>
-                <a:gd name="connsiteY1" fmla="*/ 17025 h 599179"/>
-                <a:gd name="connsiteX2" fmla="*/ 263922 w 295275"/>
-                <a:gd name="connsiteY2" fmla="*/ 59952 h 599179"/>
-                <a:gd name="connsiteX3" fmla="*/ 275967 w 295275"/>
-                <a:gd name="connsiteY3" fmla="*/ 66705 h 599179"/>
-                <a:gd name="connsiteX4" fmla="*/ 258864 w 295275"/>
-                <a:gd name="connsiteY4" fmla="*/ 77309 h 599179"/>
-                <a:gd name="connsiteX5" fmla="*/ 164932 w 295275"/>
-                <a:gd name="connsiteY5" fmla="*/ 229252 h 599179"/>
-                <a:gd name="connsiteX6" fmla="*/ 145322 w 295275"/>
-                <a:gd name="connsiteY6" fmla="*/ 303904 h 599179"/>
-                <a:gd name="connsiteX7" fmla="*/ 295275 w 295275"/>
-                <a:gd name="connsiteY7" fmla="*/ 303904 h 599179"/>
-                <a:gd name="connsiteX8" fmla="*/ 295275 w 295275"/>
-                <a:gd name="connsiteY8" fmla="*/ 599179 h 599179"/>
-                <a:gd name="connsiteX9" fmla="*/ 0 w 295275"/>
-                <a:gd name="connsiteY9" fmla="*/ 599179 h 599179"/>
-                <a:gd name="connsiteX10" fmla="*/ 0 w 295275"/>
-                <a:gd name="connsiteY10" fmla="*/ 303904 h 599179"/>
-                <a:gd name="connsiteX11" fmla="*/ 5952 w 295275"/>
-                <a:gd name="connsiteY11" fmla="*/ 269304 h 599179"/>
-                <a:gd name="connsiteX12" fmla="*/ 204540 w 295275"/>
-                <a:gd name="connsiteY12" fmla="*/ 547 h 599179"/>
-                <a:gd name="connsiteX0-1" fmla="*/ 207995 w 295275"/>
-                <a:gd name="connsiteY0-2" fmla="*/ 0 h 599179"/>
-                <a:gd name="connsiteX1-3" fmla="*/ 218480 w 295275"/>
-                <a:gd name="connsiteY1-4" fmla="*/ 17025 h 599179"/>
-                <a:gd name="connsiteX2-5" fmla="*/ 263922 w 295275"/>
-                <a:gd name="connsiteY2-6" fmla="*/ 59952 h 599179"/>
-                <a:gd name="connsiteX3-7" fmla="*/ 275967 w 295275"/>
-                <a:gd name="connsiteY3-8" fmla="*/ 66705 h 599179"/>
-                <a:gd name="connsiteX4-9" fmla="*/ 258864 w 295275"/>
-                <a:gd name="connsiteY4-10" fmla="*/ 77309 h 599179"/>
-                <a:gd name="connsiteX5-11" fmla="*/ 164932 w 295275"/>
-                <a:gd name="connsiteY5-12" fmla="*/ 229252 h 599179"/>
-                <a:gd name="connsiteX6-13" fmla="*/ 152376 w 295275"/>
-                <a:gd name="connsiteY6-14" fmla="*/ 303904 h 599179"/>
-                <a:gd name="connsiteX7-15" fmla="*/ 295275 w 295275"/>
-                <a:gd name="connsiteY7-16" fmla="*/ 303904 h 599179"/>
-                <a:gd name="connsiteX8-17" fmla="*/ 295275 w 295275"/>
-                <a:gd name="connsiteY8-18" fmla="*/ 599179 h 599179"/>
-                <a:gd name="connsiteX9-19" fmla="*/ 0 w 295275"/>
-                <a:gd name="connsiteY9-20" fmla="*/ 599179 h 599179"/>
-                <a:gd name="connsiteX10-21" fmla="*/ 0 w 295275"/>
-                <a:gd name="connsiteY10-22" fmla="*/ 303904 h 599179"/>
-                <a:gd name="connsiteX11-23" fmla="*/ 5952 w 295275"/>
-                <a:gd name="connsiteY11-24" fmla="*/ 269304 h 599179"/>
-                <a:gd name="connsiteX12-25" fmla="*/ 204540 w 295275"/>
-                <a:gd name="connsiteY12-26" fmla="*/ 547 h 599179"/>
-                <a:gd name="connsiteX13" fmla="*/ 207995 w 295275"/>
-                <a:gd name="connsiteY13" fmla="*/ 0 h 599179"/>
-                <a:gd name="connsiteX0-27" fmla="*/ 207995 w 295275"/>
-                <a:gd name="connsiteY0-28" fmla="*/ 0 h 599179"/>
-                <a:gd name="connsiteX1-29" fmla="*/ 218480 w 295275"/>
-                <a:gd name="connsiteY1-30" fmla="*/ 17025 h 599179"/>
-                <a:gd name="connsiteX2-31" fmla="*/ 263922 w 295275"/>
-                <a:gd name="connsiteY2-32" fmla="*/ 59952 h 599179"/>
-                <a:gd name="connsiteX3-33" fmla="*/ 275967 w 295275"/>
-                <a:gd name="connsiteY3-34" fmla="*/ 66705 h 599179"/>
-                <a:gd name="connsiteX4-35" fmla="*/ 258864 w 295275"/>
-                <a:gd name="connsiteY4-36" fmla="*/ 77309 h 599179"/>
-                <a:gd name="connsiteX5-37" fmla="*/ 164932 w 295275"/>
-                <a:gd name="connsiteY5-38" fmla="*/ 229252 h 599179"/>
-                <a:gd name="connsiteX6-39" fmla="*/ 152376 w 295275"/>
-                <a:gd name="connsiteY6-40" fmla="*/ 303904 h 599179"/>
-                <a:gd name="connsiteX7-41" fmla="*/ 295275 w 295275"/>
-                <a:gd name="connsiteY7-42" fmla="*/ 303904 h 599179"/>
-                <a:gd name="connsiteX8-43" fmla="*/ 295275 w 295275"/>
-                <a:gd name="connsiteY8-44" fmla="*/ 599179 h 599179"/>
-                <a:gd name="connsiteX9-45" fmla="*/ 0 w 295275"/>
-                <a:gd name="connsiteY9-46" fmla="*/ 599179 h 599179"/>
-                <a:gd name="connsiteX10-47" fmla="*/ 0 w 295275"/>
-                <a:gd name="connsiteY10-48" fmla="*/ 303904 h 599179"/>
-                <a:gd name="connsiteX11-49" fmla="*/ 5952 w 295275"/>
-                <a:gd name="connsiteY11-50" fmla="*/ 269304 h 599179"/>
-                <a:gd name="connsiteX12-51" fmla="*/ 204540 w 295275"/>
-                <a:gd name="connsiteY12-52" fmla="*/ 547 h 599179"/>
-                <a:gd name="connsiteX13-53" fmla="*/ 207995 w 295275"/>
-                <a:gd name="connsiteY13-54" fmla="*/ 0 h 599179"/>
-                <a:gd name="connsiteX0-55" fmla="*/ 207995 w 295275"/>
-                <a:gd name="connsiteY0-56" fmla="*/ 0 h 599179"/>
-                <a:gd name="connsiteX1-57" fmla="*/ 218480 w 295275"/>
-                <a:gd name="connsiteY1-58" fmla="*/ 17025 h 599179"/>
-                <a:gd name="connsiteX2-59" fmla="*/ 263922 w 295275"/>
-                <a:gd name="connsiteY2-60" fmla="*/ 59952 h 599179"/>
-                <a:gd name="connsiteX3-61" fmla="*/ 275967 w 295275"/>
-                <a:gd name="connsiteY3-62" fmla="*/ 66705 h 599179"/>
-                <a:gd name="connsiteX4-63" fmla="*/ 258864 w 295275"/>
-                <a:gd name="connsiteY4-64" fmla="*/ 77309 h 599179"/>
-                <a:gd name="connsiteX5-65" fmla="*/ 164932 w 295275"/>
-                <a:gd name="connsiteY5-66" fmla="*/ 229252 h 599179"/>
-                <a:gd name="connsiteX6-67" fmla="*/ 152376 w 295275"/>
-                <a:gd name="connsiteY6-68" fmla="*/ 303904 h 599179"/>
-                <a:gd name="connsiteX7-69" fmla="*/ 295275 w 295275"/>
-                <a:gd name="connsiteY7-70" fmla="*/ 303904 h 599179"/>
-                <a:gd name="connsiteX8-71" fmla="*/ 295275 w 295275"/>
-                <a:gd name="connsiteY8-72" fmla="*/ 599179 h 599179"/>
-                <a:gd name="connsiteX9-73" fmla="*/ 0 w 295275"/>
-                <a:gd name="connsiteY9-74" fmla="*/ 599179 h 599179"/>
-                <a:gd name="connsiteX10-75" fmla="*/ 0 w 295275"/>
-                <a:gd name="connsiteY10-76" fmla="*/ 303904 h 599179"/>
-                <a:gd name="connsiteX11-77" fmla="*/ 5952 w 295275"/>
-                <a:gd name="connsiteY11-78" fmla="*/ 269304 h 599179"/>
-                <a:gd name="connsiteX12-79" fmla="*/ 204540 w 295275"/>
-                <a:gd name="connsiteY12-80" fmla="*/ 547 h 599179"/>
-                <a:gd name="connsiteX13-81" fmla="*/ 207995 w 295275"/>
-                <a:gd name="connsiteY13-82" fmla="*/ 0 h 599179"/>
-                <a:gd name="connsiteX0-83" fmla="*/ 207995 w 295275"/>
-                <a:gd name="connsiteY0-84" fmla="*/ 0 h 599179"/>
-                <a:gd name="connsiteX1-85" fmla="*/ 218480 w 295275"/>
-                <a:gd name="connsiteY1-86" fmla="*/ 17025 h 599179"/>
-                <a:gd name="connsiteX2-87" fmla="*/ 263922 w 295275"/>
-                <a:gd name="connsiteY2-88" fmla="*/ 59952 h 599179"/>
-                <a:gd name="connsiteX3-89" fmla="*/ 275967 w 295275"/>
-                <a:gd name="connsiteY3-90" fmla="*/ 66705 h 599179"/>
-                <a:gd name="connsiteX4-91" fmla="*/ 258864 w 295275"/>
-                <a:gd name="connsiteY4-92" fmla="*/ 77309 h 599179"/>
-                <a:gd name="connsiteX5-93" fmla="*/ 152376 w 295275"/>
-                <a:gd name="connsiteY5-94" fmla="*/ 303904 h 599179"/>
-                <a:gd name="connsiteX6-95" fmla="*/ 295275 w 295275"/>
-                <a:gd name="connsiteY6-96" fmla="*/ 303904 h 599179"/>
-                <a:gd name="connsiteX7-97" fmla="*/ 295275 w 295275"/>
-                <a:gd name="connsiteY7-98" fmla="*/ 599179 h 599179"/>
-                <a:gd name="connsiteX8-99" fmla="*/ 0 w 295275"/>
-                <a:gd name="connsiteY8-100" fmla="*/ 599179 h 599179"/>
-                <a:gd name="connsiteX9-101" fmla="*/ 0 w 295275"/>
-                <a:gd name="connsiteY9-102" fmla="*/ 303904 h 599179"/>
-                <a:gd name="connsiteX10-103" fmla="*/ 5952 w 295275"/>
-                <a:gd name="connsiteY10-104" fmla="*/ 269304 h 599179"/>
-                <a:gd name="connsiteX11-105" fmla="*/ 204540 w 295275"/>
-                <a:gd name="connsiteY11-106" fmla="*/ 547 h 599179"/>
-                <a:gd name="connsiteX12-107" fmla="*/ 207995 w 295275"/>
-                <a:gd name="connsiteY12-108" fmla="*/ 0 h 599179"/>
-                <a:gd name="connsiteX0-109" fmla="*/ 207995 w 295275"/>
-                <a:gd name="connsiteY0-110" fmla="*/ 0 h 599179"/>
-                <a:gd name="connsiteX1-111" fmla="*/ 218480 w 295275"/>
-                <a:gd name="connsiteY1-112" fmla="*/ 17025 h 599179"/>
-                <a:gd name="connsiteX2-113" fmla="*/ 263922 w 295275"/>
-                <a:gd name="connsiteY2-114" fmla="*/ 59952 h 599179"/>
-                <a:gd name="connsiteX3-115" fmla="*/ 275967 w 295275"/>
-                <a:gd name="connsiteY3-116" fmla="*/ 66705 h 599179"/>
-                <a:gd name="connsiteX4-117" fmla="*/ 258864 w 295275"/>
-                <a:gd name="connsiteY4-118" fmla="*/ 77309 h 599179"/>
-                <a:gd name="connsiteX5-119" fmla="*/ 152376 w 295275"/>
-                <a:gd name="connsiteY5-120" fmla="*/ 303904 h 599179"/>
-                <a:gd name="connsiteX6-121" fmla="*/ 295275 w 295275"/>
-                <a:gd name="connsiteY6-122" fmla="*/ 303904 h 599179"/>
-                <a:gd name="connsiteX7-123" fmla="*/ 295275 w 295275"/>
-                <a:gd name="connsiteY7-124" fmla="*/ 599179 h 599179"/>
-                <a:gd name="connsiteX8-125" fmla="*/ 0 w 295275"/>
-                <a:gd name="connsiteY8-126" fmla="*/ 599179 h 599179"/>
-                <a:gd name="connsiteX9-127" fmla="*/ 0 w 295275"/>
-                <a:gd name="connsiteY9-128" fmla="*/ 303904 h 599179"/>
-                <a:gd name="connsiteX10-129" fmla="*/ 5952 w 295275"/>
-                <a:gd name="connsiteY10-130" fmla="*/ 269304 h 599179"/>
-                <a:gd name="connsiteX11-131" fmla="*/ 204540 w 295275"/>
-                <a:gd name="connsiteY11-132" fmla="*/ 547 h 599179"/>
-                <a:gd name="connsiteX12-133" fmla="*/ 207995 w 295275"/>
-                <a:gd name="connsiteY12-134" fmla="*/ 0 h 599179"/>
-                <a:gd name="connsiteX0-135" fmla="*/ 207995 w 295275"/>
-                <a:gd name="connsiteY0-136" fmla="*/ 0 h 599179"/>
-                <a:gd name="connsiteX1-137" fmla="*/ 218480 w 295275"/>
-                <a:gd name="connsiteY1-138" fmla="*/ 17025 h 599179"/>
-                <a:gd name="connsiteX2-139" fmla="*/ 263922 w 295275"/>
-                <a:gd name="connsiteY2-140" fmla="*/ 59952 h 599179"/>
-                <a:gd name="connsiteX3-141" fmla="*/ 275967 w 295275"/>
-                <a:gd name="connsiteY3-142" fmla="*/ 66705 h 599179"/>
-                <a:gd name="connsiteX4-143" fmla="*/ 152376 w 295275"/>
-                <a:gd name="connsiteY4-144" fmla="*/ 303904 h 599179"/>
-                <a:gd name="connsiteX5-145" fmla="*/ 295275 w 295275"/>
-                <a:gd name="connsiteY5-146" fmla="*/ 303904 h 599179"/>
-                <a:gd name="connsiteX6-147" fmla="*/ 295275 w 295275"/>
-                <a:gd name="connsiteY6-148" fmla="*/ 599179 h 599179"/>
-                <a:gd name="connsiteX7-149" fmla="*/ 0 w 295275"/>
-                <a:gd name="connsiteY7-150" fmla="*/ 599179 h 599179"/>
-                <a:gd name="connsiteX8-151" fmla="*/ 0 w 295275"/>
-                <a:gd name="connsiteY8-152" fmla="*/ 303904 h 599179"/>
-                <a:gd name="connsiteX9-153" fmla="*/ 5952 w 295275"/>
-                <a:gd name="connsiteY9-154" fmla="*/ 269304 h 599179"/>
-                <a:gd name="connsiteX10-155" fmla="*/ 204540 w 295275"/>
-                <a:gd name="connsiteY10-156" fmla="*/ 547 h 599179"/>
-                <a:gd name="connsiteX11-157" fmla="*/ 207995 w 295275"/>
-                <a:gd name="connsiteY11-158" fmla="*/ 0 h 599179"/>
-                <a:gd name="connsiteX0-159" fmla="*/ 207995 w 295275"/>
-                <a:gd name="connsiteY0-160" fmla="*/ 0 h 599179"/>
-                <a:gd name="connsiteX1-161" fmla="*/ 218480 w 295275"/>
-                <a:gd name="connsiteY1-162" fmla="*/ 17025 h 599179"/>
-                <a:gd name="connsiteX2-163" fmla="*/ 263922 w 295275"/>
-                <a:gd name="connsiteY2-164" fmla="*/ 59952 h 599179"/>
-                <a:gd name="connsiteX3-165" fmla="*/ 275967 w 295275"/>
-                <a:gd name="connsiteY3-166" fmla="*/ 66705 h 599179"/>
-                <a:gd name="connsiteX4-167" fmla="*/ 152376 w 295275"/>
-                <a:gd name="connsiteY4-168" fmla="*/ 303904 h 599179"/>
-                <a:gd name="connsiteX5-169" fmla="*/ 295275 w 295275"/>
-                <a:gd name="connsiteY5-170" fmla="*/ 303904 h 599179"/>
-                <a:gd name="connsiteX6-171" fmla="*/ 295275 w 295275"/>
-                <a:gd name="connsiteY6-172" fmla="*/ 599179 h 599179"/>
-                <a:gd name="connsiteX7-173" fmla="*/ 0 w 295275"/>
-                <a:gd name="connsiteY7-174" fmla="*/ 599179 h 599179"/>
-                <a:gd name="connsiteX8-175" fmla="*/ 0 w 295275"/>
-                <a:gd name="connsiteY8-176" fmla="*/ 303904 h 599179"/>
-                <a:gd name="connsiteX9-177" fmla="*/ 5952 w 295275"/>
-                <a:gd name="connsiteY9-178" fmla="*/ 269304 h 599179"/>
-                <a:gd name="connsiteX10-179" fmla="*/ 204540 w 295275"/>
-                <a:gd name="connsiteY10-180" fmla="*/ 547 h 599179"/>
-                <a:gd name="connsiteX11-181" fmla="*/ 207995 w 295275"/>
-                <a:gd name="connsiteY11-182" fmla="*/ 0 h 599179"/>
-                <a:gd name="connsiteX0-183" fmla="*/ 207995 w 295275"/>
-                <a:gd name="connsiteY0-184" fmla="*/ 0 h 599179"/>
-                <a:gd name="connsiteX1-185" fmla="*/ 218480 w 295275"/>
-                <a:gd name="connsiteY1-186" fmla="*/ 17025 h 599179"/>
-                <a:gd name="connsiteX2-187" fmla="*/ 263922 w 295275"/>
-                <a:gd name="connsiteY2-188" fmla="*/ 59952 h 599179"/>
-                <a:gd name="connsiteX3-189" fmla="*/ 275967 w 295275"/>
-                <a:gd name="connsiteY3-190" fmla="*/ 66705 h 599179"/>
-                <a:gd name="connsiteX4-191" fmla="*/ 152376 w 295275"/>
-                <a:gd name="connsiteY4-192" fmla="*/ 303904 h 599179"/>
-                <a:gd name="connsiteX5-193" fmla="*/ 295275 w 295275"/>
-                <a:gd name="connsiteY5-194" fmla="*/ 303904 h 599179"/>
-                <a:gd name="connsiteX6-195" fmla="*/ 295275 w 295275"/>
-                <a:gd name="connsiteY6-196" fmla="*/ 599179 h 599179"/>
-                <a:gd name="connsiteX7-197" fmla="*/ 0 w 295275"/>
-                <a:gd name="connsiteY7-198" fmla="*/ 599179 h 599179"/>
-                <a:gd name="connsiteX8-199" fmla="*/ 0 w 295275"/>
-                <a:gd name="connsiteY8-200" fmla="*/ 303904 h 599179"/>
-                <a:gd name="connsiteX9-201" fmla="*/ 5952 w 295275"/>
-                <a:gd name="connsiteY9-202" fmla="*/ 269304 h 599179"/>
-                <a:gd name="connsiteX10-203" fmla="*/ 204540 w 295275"/>
-                <a:gd name="connsiteY10-204" fmla="*/ 547 h 599179"/>
-                <a:gd name="connsiteX11-205" fmla="*/ 207995 w 295275"/>
-                <a:gd name="connsiteY11-206" fmla="*/ 0 h 599179"/>
-                <a:gd name="connsiteX0-207" fmla="*/ 207995 w 295275"/>
-                <a:gd name="connsiteY0-208" fmla="*/ 0 h 599179"/>
-                <a:gd name="connsiteX1-209" fmla="*/ 218480 w 295275"/>
-                <a:gd name="connsiteY1-210" fmla="*/ 17025 h 599179"/>
-                <a:gd name="connsiteX2-211" fmla="*/ 263922 w 295275"/>
-                <a:gd name="connsiteY2-212" fmla="*/ 59952 h 599179"/>
-                <a:gd name="connsiteX3-213" fmla="*/ 275967 w 295275"/>
-                <a:gd name="connsiteY3-214" fmla="*/ 66705 h 599179"/>
-                <a:gd name="connsiteX4-215" fmla="*/ 152376 w 295275"/>
-                <a:gd name="connsiteY4-216" fmla="*/ 303904 h 599179"/>
-                <a:gd name="connsiteX5-217" fmla="*/ 295275 w 295275"/>
-                <a:gd name="connsiteY5-218" fmla="*/ 303904 h 599179"/>
-                <a:gd name="connsiteX6-219" fmla="*/ 295275 w 295275"/>
-                <a:gd name="connsiteY6-220" fmla="*/ 599179 h 599179"/>
-                <a:gd name="connsiteX7-221" fmla="*/ 0 w 295275"/>
-                <a:gd name="connsiteY7-222" fmla="*/ 599179 h 599179"/>
-                <a:gd name="connsiteX8-223" fmla="*/ 0 w 295275"/>
-                <a:gd name="connsiteY8-224" fmla="*/ 303904 h 599179"/>
-                <a:gd name="connsiteX9-225" fmla="*/ 5952 w 295275"/>
-                <a:gd name="connsiteY9-226" fmla="*/ 269304 h 599179"/>
-                <a:gd name="connsiteX10-227" fmla="*/ 204540 w 295275"/>
-                <a:gd name="connsiteY10-228" fmla="*/ 547 h 599179"/>
-                <a:gd name="connsiteX11-229" fmla="*/ 207995 w 295275"/>
-                <a:gd name="connsiteY11-230" fmla="*/ 0 h 599179"/>
-                <a:gd name="connsiteX0-231" fmla="*/ 207995 w 295275"/>
-                <a:gd name="connsiteY0-232" fmla="*/ 0 h 599179"/>
-                <a:gd name="connsiteX1-233" fmla="*/ 218480 w 295275"/>
-                <a:gd name="connsiteY1-234" fmla="*/ 17025 h 599179"/>
-                <a:gd name="connsiteX2-235" fmla="*/ 263922 w 295275"/>
-                <a:gd name="connsiteY2-236" fmla="*/ 59952 h 599179"/>
-                <a:gd name="connsiteX3-237" fmla="*/ 275967 w 295275"/>
-                <a:gd name="connsiteY3-238" fmla="*/ 66705 h 599179"/>
-                <a:gd name="connsiteX4-239" fmla="*/ 152376 w 295275"/>
-                <a:gd name="connsiteY4-240" fmla="*/ 303904 h 599179"/>
-                <a:gd name="connsiteX5-241" fmla="*/ 295275 w 295275"/>
-                <a:gd name="connsiteY5-242" fmla="*/ 303904 h 599179"/>
-                <a:gd name="connsiteX6-243" fmla="*/ 295275 w 295275"/>
-                <a:gd name="connsiteY6-244" fmla="*/ 599179 h 599179"/>
-                <a:gd name="connsiteX7-245" fmla="*/ 0 w 295275"/>
-                <a:gd name="connsiteY7-246" fmla="*/ 599179 h 599179"/>
-                <a:gd name="connsiteX8-247" fmla="*/ 0 w 295275"/>
-                <a:gd name="connsiteY8-248" fmla="*/ 303904 h 599179"/>
-                <a:gd name="connsiteX9-249" fmla="*/ 204540 w 295275"/>
-                <a:gd name="connsiteY9-250" fmla="*/ 547 h 599179"/>
-                <a:gd name="connsiteX10-251" fmla="*/ 207995 w 295275"/>
-                <a:gd name="connsiteY10-252" fmla="*/ 0 h 599179"/>
-                <a:gd name="connsiteX0-253" fmla="*/ 207995 w 295275"/>
-                <a:gd name="connsiteY0-254" fmla="*/ 0 h 599179"/>
-                <a:gd name="connsiteX1-255" fmla="*/ 218480 w 295275"/>
-                <a:gd name="connsiteY1-256" fmla="*/ 17025 h 599179"/>
-                <a:gd name="connsiteX2-257" fmla="*/ 263922 w 295275"/>
-                <a:gd name="connsiteY2-258" fmla="*/ 59952 h 599179"/>
-                <a:gd name="connsiteX3-259" fmla="*/ 275967 w 295275"/>
-                <a:gd name="connsiteY3-260" fmla="*/ 66705 h 599179"/>
-                <a:gd name="connsiteX4-261" fmla="*/ 152376 w 295275"/>
-                <a:gd name="connsiteY4-262" fmla="*/ 303904 h 599179"/>
-                <a:gd name="connsiteX5-263" fmla="*/ 295275 w 295275"/>
-                <a:gd name="connsiteY5-264" fmla="*/ 303904 h 599179"/>
-                <a:gd name="connsiteX6-265" fmla="*/ 295275 w 295275"/>
-                <a:gd name="connsiteY6-266" fmla="*/ 599179 h 599179"/>
-                <a:gd name="connsiteX7-267" fmla="*/ 0 w 295275"/>
-                <a:gd name="connsiteY7-268" fmla="*/ 599179 h 599179"/>
-                <a:gd name="connsiteX8-269" fmla="*/ 0 w 295275"/>
-                <a:gd name="connsiteY8-270" fmla="*/ 303904 h 599179"/>
-                <a:gd name="connsiteX9-271" fmla="*/ 204540 w 295275"/>
-                <a:gd name="connsiteY9-272" fmla="*/ 547 h 599179"/>
-                <a:gd name="connsiteX10-273" fmla="*/ 207995 w 295275"/>
-                <a:gd name="connsiteY10-274" fmla="*/ 0 h 599179"/>
-                <a:gd name="connsiteX0-275" fmla="*/ 207995 w 295275"/>
-                <a:gd name="connsiteY0-276" fmla="*/ 0 h 599179"/>
-                <a:gd name="connsiteX1-277" fmla="*/ 218480 w 295275"/>
-                <a:gd name="connsiteY1-278" fmla="*/ 17025 h 599179"/>
-                <a:gd name="connsiteX2-279" fmla="*/ 263922 w 295275"/>
-                <a:gd name="connsiteY2-280" fmla="*/ 59952 h 599179"/>
-                <a:gd name="connsiteX3-281" fmla="*/ 275967 w 295275"/>
-                <a:gd name="connsiteY3-282" fmla="*/ 66705 h 599179"/>
-                <a:gd name="connsiteX4-283" fmla="*/ 152376 w 295275"/>
-                <a:gd name="connsiteY4-284" fmla="*/ 303904 h 599179"/>
-                <a:gd name="connsiteX5-285" fmla="*/ 295275 w 295275"/>
-                <a:gd name="connsiteY5-286" fmla="*/ 303904 h 599179"/>
-                <a:gd name="connsiteX6-287" fmla="*/ 295275 w 295275"/>
-                <a:gd name="connsiteY6-288" fmla="*/ 599179 h 599179"/>
-                <a:gd name="connsiteX7-289" fmla="*/ 0 w 295275"/>
-                <a:gd name="connsiteY7-290" fmla="*/ 599179 h 599179"/>
-                <a:gd name="connsiteX8-291" fmla="*/ 0 w 295275"/>
-                <a:gd name="connsiteY8-292" fmla="*/ 303904 h 599179"/>
-                <a:gd name="connsiteX9-293" fmla="*/ 207995 w 295275"/>
-                <a:gd name="connsiteY9-294" fmla="*/ 0 h 599179"/>
-                <a:gd name="connsiteX0-295" fmla="*/ 207995 w 295275"/>
-                <a:gd name="connsiteY0-296" fmla="*/ 0 h 599179"/>
-                <a:gd name="connsiteX1-297" fmla="*/ 218480 w 295275"/>
-                <a:gd name="connsiteY1-298" fmla="*/ 17025 h 599179"/>
-                <a:gd name="connsiteX2-299" fmla="*/ 263922 w 295275"/>
-                <a:gd name="connsiteY2-300" fmla="*/ 59952 h 599179"/>
-                <a:gd name="connsiteX3-301" fmla="*/ 275967 w 295275"/>
-                <a:gd name="connsiteY3-302" fmla="*/ 66705 h 599179"/>
-                <a:gd name="connsiteX4-303" fmla="*/ 152376 w 295275"/>
-                <a:gd name="connsiteY4-304" fmla="*/ 303904 h 599179"/>
-                <a:gd name="connsiteX5-305" fmla="*/ 295275 w 295275"/>
-                <a:gd name="connsiteY5-306" fmla="*/ 303904 h 599179"/>
-                <a:gd name="connsiteX6-307" fmla="*/ 295275 w 295275"/>
-                <a:gd name="connsiteY6-308" fmla="*/ 599179 h 599179"/>
-                <a:gd name="connsiteX7-309" fmla="*/ 0 w 295275"/>
-                <a:gd name="connsiteY7-310" fmla="*/ 599179 h 599179"/>
-                <a:gd name="connsiteX8-311" fmla="*/ 0 w 295275"/>
-                <a:gd name="connsiteY8-312" fmla="*/ 303904 h 599179"/>
-                <a:gd name="connsiteX9-313" fmla="*/ 207995 w 295275"/>
-                <a:gd name="connsiteY9-314" fmla="*/ 0 h 599179"/>
-                <a:gd name="connsiteX0-315" fmla="*/ 207995 w 295275"/>
-                <a:gd name="connsiteY0-316" fmla="*/ 0 h 599179"/>
-                <a:gd name="connsiteX1-317" fmla="*/ 218480 w 295275"/>
-                <a:gd name="connsiteY1-318" fmla="*/ 17025 h 599179"/>
-                <a:gd name="connsiteX2-319" fmla="*/ 263922 w 295275"/>
-                <a:gd name="connsiteY2-320" fmla="*/ 59952 h 599179"/>
-                <a:gd name="connsiteX3-321" fmla="*/ 275967 w 295275"/>
-                <a:gd name="connsiteY3-322" fmla="*/ 66705 h 599179"/>
-                <a:gd name="connsiteX4-323" fmla="*/ 152376 w 295275"/>
-                <a:gd name="connsiteY4-324" fmla="*/ 303904 h 599179"/>
-                <a:gd name="connsiteX5-325" fmla="*/ 295275 w 295275"/>
-                <a:gd name="connsiteY5-326" fmla="*/ 303904 h 599179"/>
-                <a:gd name="connsiteX6-327" fmla="*/ 295275 w 295275"/>
-                <a:gd name="connsiteY6-328" fmla="*/ 599179 h 599179"/>
-                <a:gd name="connsiteX7-329" fmla="*/ 0 w 295275"/>
-                <a:gd name="connsiteY7-330" fmla="*/ 599179 h 599179"/>
-                <a:gd name="connsiteX8-331" fmla="*/ 0 w 295275"/>
-                <a:gd name="connsiteY8-332" fmla="*/ 303904 h 599179"/>
-                <a:gd name="connsiteX9-333" fmla="*/ 207995 w 295275"/>
-                <a:gd name="connsiteY9-334" fmla="*/ 0 h 599179"/>
-                <a:gd name="connsiteX0-335" fmla="*/ 207995 w 295275"/>
-                <a:gd name="connsiteY0-336" fmla="*/ 0 h 599179"/>
-                <a:gd name="connsiteX1-337" fmla="*/ 218480 w 295275"/>
-                <a:gd name="connsiteY1-338" fmla="*/ 17025 h 599179"/>
-                <a:gd name="connsiteX2-339" fmla="*/ 263922 w 295275"/>
-                <a:gd name="connsiteY2-340" fmla="*/ 59952 h 599179"/>
-                <a:gd name="connsiteX3-341" fmla="*/ 275967 w 295275"/>
-                <a:gd name="connsiteY3-342" fmla="*/ 66705 h 599179"/>
-                <a:gd name="connsiteX4-343" fmla="*/ 152376 w 295275"/>
-                <a:gd name="connsiteY4-344" fmla="*/ 303904 h 599179"/>
-                <a:gd name="connsiteX5-345" fmla="*/ 295275 w 295275"/>
-                <a:gd name="connsiteY5-346" fmla="*/ 303904 h 599179"/>
-                <a:gd name="connsiteX6-347" fmla="*/ 295275 w 295275"/>
-                <a:gd name="connsiteY6-348" fmla="*/ 599179 h 599179"/>
-                <a:gd name="connsiteX7-349" fmla="*/ 0 w 295275"/>
-                <a:gd name="connsiteY7-350" fmla="*/ 599179 h 599179"/>
-                <a:gd name="connsiteX8-351" fmla="*/ 0 w 295275"/>
-                <a:gd name="connsiteY8-352" fmla="*/ 303904 h 599179"/>
-                <a:gd name="connsiteX9-353" fmla="*/ 207995 w 295275"/>
-                <a:gd name="connsiteY9-354" fmla="*/ 0 h 599179"/>
-                <a:gd name="connsiteX0-355" fmla="*/ 207995 w 295275"/>
-                <a:gd name="connsiteY0-356" fmla="*/ 0 h 599179"/>
-                <a:gd name="connsiteX1-357" fmla="*/ 218480 w 295275"/>
-                <a:gd name="connsiteY1-358" fmla="*/ 17025 h 599179"/>
-                <a:gd name="connsiteX2-359" fmla="*/ 263922 w 295275"/>
-                <a:gd name="connsiteY2-360" fmla="*/ 59952 h 599179"/>
-                <a:gd name="connsiteX3-361" fmla="*/ 275967 w 295275"/>
-                <a:gd name="connsiteY3-362" fmla="*/ 66705 h 599179"/>
-                <a:gd name="connsiteX4-363" fmla="*/ 152376 w 295275"/>
-                <a:gd name="connsiteY4-364" fmla="*/ 303904 h 599179"/>
-                <a:gd name="connsiteX5-365" fmla="*/ 295275 w 295275"/>
-                <a:gd name="connsiteY5-366" fmla="*/ 303904 h 599179"/>
-                <a:gd name="connsiteX6-367" fmla="*/ 295275 w 295275"/>
-                <a:gd name="connsiteY6-368" fmla="*/ 599179 h 599179"/>
-                <a:gd name="connsiteX7-369" fmla="*/ 0 w 295275"/>
-                <a:gd name="connsiteY7-370" fmla="*/ 599179 h 599179"/>
-                <a:gd name="connsiteX8-371" fmla="*/ 0 w 295275"/>
-                <a:gd name="connsiteY8-372" fmla="*/ 303904 h 599179"/>
-                <a:gd name="connsiteX9-373" fmla="*/ 207995 w 295275"/>
-                <a:gd name="connsiteY9-374" fmla="*/ 0 h 599179"/>
-                <a:gd name="connsiteX0-375" fmla="*/ 207995 w 295275"/>
-                <a:gd name="connsiteY0-376" fmla="*/ 0 h 599179"/>
-                <a:gd name="connsiteX1-377" fmla="*/ 218480 w 295275"/>
-                <a:gd name="connsiteY1-378" fmla="*/ 17025 h 599179"/>
-                <a:gd name="connsiteX2-379" fmla="*/ 263922 w 295275"/>
-                <a:gd name="connsiteY2-380" fmla="*/ 59952 h 599179"/>
-                <a:gd name="connsiteX3-381" fmla="*/ 275967 w 295275"/>
-                <a:gd name="connsiteY3-382" fmla="*/ 66705 h 599179"/>
-                <a:gd name="connsiteX4-383" fmla="*/ 152376 w 295275"/>
-                <a:gd name="connsiteY4-384" fmla="*/ 303904 h 599179"/>
-                <a:gd name="connsiteX5-385" fmla="*/ 295275 w 295275"/>
-                <a:gd name="connsiteY5-386" fmla="*/ 303904 h 599179"/>
-                <a:gd name="connsiteX6-387" fmla="*/ 295275 w 295275"/>
-                <a:gd name="connsiteY6-388" fmla="*/ 599179 h 599179"/>
-                <a:gd name="connsiteX7-389" fmla="*/ 0 w 295275"/>
-                <a:gd name="connsiteY7-390" fmla="*/ 599179 h 599179"/>
-                <a:gd name="connsiteX8-391" fmla="*/ 0 w 295275"/>
-                <a:gd name="connsiteY8-392" fmla="*/ 303904 h 599179"/>
-                <a:gd name="connsiteX9-393" fmla="*/ 207995 w 295275"/>
-                <a:gd name="connsiteY9-394" fmla="*/ 0 h 599179"/>
-                <a:gd name="connsiteX0-395" fmla="*/ 207995 w 295275"/>
-                <a:gd name="connsiteY0-396" fmla="*/ 0 h 599179"/>
-                <a:gd name="connsiteX1-397" fmla="*/ 218480 w 295275"/>
-                <a:gd name="connsiteY1-398" fmla="*/ 17025 h 599179"/>
-                <a:gd name="connsiteX2-399" fmla="*/ 263922 w 295275"/>
-                <a:gd name="connsiteY2-400" fmla="*/ 59952 h 599179"/>
-                <a:gd name="connsiteX3-401" fmla="*/ 275967 w 295275"/>
-                <a:gd name="connsiteY3-402" fmla="*/ 66705 h 599179"/>
-                <a:gd name="connsiteX4-403" fmla="*/ 152376 w 295275"/>
-                <a:gd name="connsiteY4-404" fmla="*/ 303904 h 599179"/>
-                <a:gd name="connsiteX5-405" fmla="*/ 295275 w 295275"/>
-                <a:gd name="connsiteY5-406" fmla="*/ 303904 h 599179"/>
-                <a:gd name="connsiteX6-407" fmla="*/ 295275 w 295275"/>
-                <a:gd name="connsiteY6-408" fmla="*/ 599179 h 599179"/>
-                <a:gd name="connsiteX7-409" fmla="*/ 0 w 295275"/>
-                <a:gd name="connsiteY7-410" fmla="*/ 599179 h 599179"/>
-                <a:gd name="connsiteX8-411" fmla="*/ 0 w 295275"/>
-                <a:gd name="connsiteY8-412" fmla="*/ 303904 h 599179"/>
-                <a:gd name="connsiteX9-413" fmla="*/ 207995 w 295275"/>
-                <a:gd name="connsiteY9-414" fmla="*/ 0 h 599179"/>
-                <a:gd name="connsiteX0-415" fmla="*/ 207995 w 295275"/>
-                <a:gd name="connsiteY0-416" fmla="*/ 0 h 599179"/>
-                <a:gd name="connsiteX1-417" fmla="*/ 218480 w 295275"/>
-                <a:gd name="connsiteY1-418" fmla="*/ 17025 h 599179"/>
-                <a:gd name="connsiteX2-419" fmla="*/ 263922 w 295275"/>
-                <a:gd name="connsiteY2-420" fmla="*/ 59952 h 599179"/>
-                <a:gd name="connsiteX3-421" fmla="*/ 275967 w 295275"/>
-                <a:gd name="connsiteY3-422" fmla="*/ 66705 h 599179"/>
-                <a:gd name="connsiteX4-423" fmla="*/ 152376 w 295275"/>
-                <a:gd name="connsiteY4-424" fmla="*/ 303904 h 599179"/>
-                <a:gd name="connsiteX5-425" fmla="*/ 295275 w 295275"/>
-                <a:gd name="connsiteY5-426" fmla="*/ 303904 h 599179"/>
-                <a:gd name="connsiteX6-427" fmla="*/ 295275 w 295275"/>
-                <a:gd name="connsiteY6-428" fmla="*/ 599179 h 599179"/>
-                <a:gd name="connsiteX7-429" fmla="*/ 0 w 295275"/>
-                <a:gd name="connsiteY7-430" fmla="*/ 599179 h 599179"/>
-                <a:gd name="connsiteX8-431" fmla="*/ 0 w 295275"/>
-                <a:gd name="connsiteY8-432" fmla="*/ 334942 h 599179"/>
-                <a:gd name="connsiteX9-433" fmla="*/ 207995 w 295275"/>
-                <a:gd name="connsiteY9-434" fmla="*/ 0 h 599179"/>
-                <a:gd name="connsiteX0-435" fmla="*/ 207995 w 295275"/>
-                <a:gd name="connsiteY0-436" fmla="*/ 0 h 599179"/>
-                <a:gd name="connsiteX1-437" fmla="*/ 218480 w 295275"/>
-                <a:gd name="connsiteY1-438" fmla="*/ 17025 h 599179"/>
-                <a:gd name="connsiteX2-439" fmla="*/ 263922 w 295275"/>
-                <a:gd name="connsiteY2-440" fmla="*/ 59952 h 599179"/>
-                <a:gd name="connsiteX3-441" fmla="*/ 275967 w 295275"/>
-                <a:gd name="connsiteY3-442" fmla="*/ 66705 h 599179"/>
-                <a:gd name="connsiteX4-443" fmla="*/ 152376 w 295275"/>
-                <a:gd name="connsiteY4-444" fmla="*/ 303904 h 599179"/>
-                <a:gd name="connsiteX5-445" fmla="*/ 295275 w 295275"/>
-                <a:gd name="connsiteY5-446" fmla="*/ 303904 h 599179"/>
-                <a:gd name="connsiteX6-447" fmla="*/ 295275 w 295275"/>
-                <a:gd name="connsiteY6-448" fmla="*/ 599179 h 599179"/>
-                <a:gd name="connsiteX7-449" fmla="*/ 0 w 295275"/>
-                <a:gd name="connsiteY7-450" fmla="*/ 599179 h 599179"/>
-                <a:gd name="connsiteX8-451" fmla="*/ 0 w 295275"/>
-                <a:gd name="connsiteY8-452" fmla="*/ 334942 h 599179"/>
-                <a:gd name="connsiteX9-453" fmla="*/ 207995 w 295275"/>
-                <a:gd name="connsiteY9-454" fmla="*/ 0 h 599179"/>
-                <a:gd name="connsiteX0-455" fmla="*/ 207995 w 295275"/>
-                <a:gd name="connsiteY0-456" fmla="*/ 0 h 599179"/>
-                <a:gd name="connsiteX1-457" fmla="*/ 218480 w 295275"/>
-                <a:gd name="connsiteY1-458" fmla="*/ 17025 h 599179"/>
-                <a:gd name="connsiteX2-459" fmla="*/ 263922 w 295275"/>
-                <a:gd name="connsiteY2-460" fmla="*/ 59952 h 599179"/>
-                <a:gd name="connsiteX3-461" fmla="*/ 275967 w 295275"/>
-                <a:gd name="connsiteY3-462" fmla="*/ 66705 h 599179"/>
-                <a:gd name="connsiteX4-463" fmla="*/ 152376 w 295275"/>
-                <a:gd name="connsiteY4-464" fmla="*/ 303904 h 599179"/>
-                <a:gd name="connsiteX5-465" fmla="*/ 295275 w 295275"/>
-                <a:gd name="connsiteY5-466" fmla="*/ 303904 h 599179"/>
-                <a:gd name="connsiteX6-467" fmla="*/ 295275 w 295275"/>
-                <a:gd name="connsiteY6-468" fmla="*/ 599179 h 599179"/>
-                <a:gd name="connsiteX7-469" fmla="*/ 0 w 295275"/>
-                <a:gd name="connsiteY7-470" fmla="*/ 599179 h 599179"/>
-                <a:gd name="connsiteX8-471" fmla="*/ 0 w 295275"/>
-                <a:gd name="connsiteY8-472" fmla="*/ 334942 h 599179"/>
-                <a:gd name="connsiteX9-473" fmla="*/ 207995 w 295275"/>
-                <a:gd name="connsiteY9-474" fmla="*/ 0 h 599179"/>
-              </a:gdLst>
-              <a:ahLst/>
-              <a:cxnLst>
-                <a:cxn ang="0">
-                  <a:pos x="connsiteX0-1" y="connsiteY0-2"/>
-                </a:cxn>
-                <a:cxn ang="0">
-                  <a:pos x="connsiteX1-3" y="connsiteY1-4"/>
-                </a:cxn>
-                <a:cxn ang="0">
-                  <a:pos x="connsiteX2-5" y="connsiteY2-6"/>
-                </a:cxn>
-                <a:cxn ang="0">
-                  <a:pos x="connsiteX3-7" y="connsiteY3-8"/>
-                </a:cxn>
-                <a:cxn ang="0">
-                  <a:pos x="connsiteX4-9" y="connsiteY4-10"/>
-                </a:cxn>
-                <a:cxn ang="0">
-                  <a:pos x="connsiteX5-11" y="connsiteY5-12"/>
-                </a:cxn>
-                <a:cxn ang="0">
-                  <a:pos x="connsiteX6-13" y="connsiteY6-14"/>
-                </a:cxn>
-                <a:cxn ang="0">
-                  <a:pos x="connsiteX7-15" y="connsiteY7-16"/>
-                </a:cxn>
-                <a:cxn ang="0">
-                  <a:pos x="connsiteX8-17" y="connsiteY8-18"/>
-                </a:cxn>
-                <a:cxn ang="0">
-                  <a:pos x="connsiteX9-19" y="connsiteY9-20"/>
-                </a:cxn>
-              </a:cxnLst>
-              <a:rect l="l" t="t" r="r" b="b"/>
-              <a:pathLst>
-                <a:path w="295275" h="599179">
-                  <a:moveTo>
-                    <a:pt x="207995" y="0"/>
-                  </a:moveTo>
-                  <a:lnTo>
-                    <a:pt x="218480" y="17025"/>
-                  </a:lnTo>
-                  <a:cubicBezTo>
-                    <a:pt x="231034" y="32364"/>
-                    <a:pt x="246314" y="46986"/>
-                    <a:pt x="263922" y="59952"/>
-                  </a:cubicBezTo>
-                  <a:lnTo>
-                    <a:pt x="275967" y="66705"/>
-                  </a:lnTo>
-                  <a:cubicBezTo>
-                    <a:pt x="274744" y="66607"/>
-                    <a:pt x="166924" y="148026"/>
-                    <a:pt x="152376" y="303904"/>
-                  </a:cubicBezTo>
-                  <a:lnTo>
-                    <a:pt x="295275" y="303904"/>
-                  </a:lnTo>
-                  <a:lnTo>
-                    <a:pt x="295275" y="599179"/>
-                  </a:lnTo>
-                  <a:lnTo>
-                    <a:pt x="0" y="599179"/>
-                  </a:lnTo>
-                  <a:lnTo>
-                    <a:pt x="0" y="334942"/>
-                  </a:lnTo>
-                  <a:cubicBezTo>
-                    <a:pt x="10368" y="113589"/>
-                    <a:pt x="207637" y="2353"/>
-                    <a:pt x="207995" y="0"/>
-                  </a:cubicBezTo>
-                  <a:close/>
-                </a:path>
-              </a:pathLst>
-            </a:custGeom>
-            <a:grpFill/>
-            <a:ln>
-              <a:noFill/>
-            </a:ln>
-          </p:spPr>
-          <p:style>
-            <a:lnRef idx="2">
-              <a:srgbClr val="1D6DC2">
-                <a:shade val="50000"/>
-              </a:srgbClr>
-            </a:lnRef>
-            <a:fillRef idx="1">
-              <a:srgbClr val="1D6DC2"/>
-            </a:fillRef>
-            <a:effectRef idx="0">
-              <a:srgbClr val="1D6DC2"/>
-            </a:effectRef>
-            <a:fontRef idx="minor">
-              <a:srgbClr val="FFFFFF"/>
-            </a:fontRef>
-          </p:style>
-          <p:txBody>
-            <a:bodyPr wrap="square" rtlCol="0" anchor="ctr">
-              <a:noAutofit/>
-            </a:bodyPr>
-            <a:lstStyle/>
-            <a:p>
-              <a:pPr algn="ctr"/>
-              <a:endParaRPr lang="zh-CN" altLang="en-US" sz="1350"/>
-            </a:p>
-          </p:txBody>
-        </p:sp>
-        <p:sp>
-          <p:nvSpPr>
-            <p:cNvPr id="20" name="任意多边形: 形状 19"/>
-            <p:cNvSpPr>
-              <a:spLocks noChangeAspect="1"/>
-            </p:cNvSpPr>
-            <p:nvPr>
-              <p:custDataLst>
-                <p:tags r:id="rId5"/>
-              </p:custDataLst>
-            </p:nvPr>
-          </p:nvSpPr>
-          <p:spPr>
-            <a:xfrm>
-              <a:off x="1581018" y="1347856"/>
-              <a:ext cx="311295" cy="631688"/>
-            </a:xfrm>
-            <a:custGeom>
-              <a:avLst/>
-              <a:gdLst>
-                <a:gd name="connsiteX0" fmla="*/ 207995 w 295275"/>
-                <a:gd name="connsiteY0" fmla="*/ 0 h 599179"/>
-                <a:gd name="connsiteX1" fmla="*/ 218480 w 295275"/>
-                <a:gd name="connsiteY1" fmla="*/ 17025 h 599179"/>
-                <a:gd name="connsiteX2" fmla="*/ 263922 w 295275"/>
-                <a:gd name="connsiteY2" fmla="*/ 59952 h 599179"/>
-                <a:gd name="connsiteX3" fmla="*/ 275967 w 295275"/>
-                <a:gd name="connsiteY3" fmla="*/ 66705 h 599179"/>
-                <a:gd name="connsiteX4" fmla="*/ 258864 w 295275"/>
-                <a:gd name="connsiteY4" fmla="*/ 77309 h 599179"/>
-                <a:gd name="connsiteX5" fmla="*/ 164932 w 295275"/>
-                <a:gd name="connsiteY5" fmla="*/ 229252 h 599179"/>
-                <a:gd name="connsiteX6" fmla="*/ 145322 w 295275"/>
-                <a:gd name="connsiteY6" fmla="*/ 303904 h 599179"/>
-                <a:gd name="connsiteX7" fmla="*/ 295275 w 295275"/>
-                <a:gd name="connsiteY7" fmla="*/ 303904 h 599179"/>
-                <a:gd name="connsiteX8" fmla="*/ 295275 w 295275"/>
-                <a:gd name="connsiteY8" fmla="*/ 599179 h 599179"/>
-                <a:gd name="connsiteX9" fmla="*/ 0 w 295275"/>
-                <a:gd name="connsiteY9" fmla="*/ 599179 h 599179"/>
-                <a:gd name="connsiteX10" fmla="*/ 0 w 295275"/>
-                <a:gd name="connsiteY10" fmla="*/ 303904 h 599179"/>
-                <a:gd name="connsiteX11" fmla="*/ 5952 w 295275"/>
-                <a:gd name="connsiteY11" fmla="*/ 269304 h 599179"/>
-                <a:gd name="connsiteX12" fmla="*/ 204540 w 295275"/>
-                <a:gd name="connsiteY12" fmla="*/ 547 h 599179"/>
-                <a:gd name="connsiteX0-1" fmla="*/ 207995 w 295275"/>
-                <a:gd name="connsiteY0-2" fmla="*/ 0 h 599179"/>
-                <a:gd name="connsiteX1-3" fmla="*/ 218480 w 295275"/>
-                <a:gd name="connsiteY1-4" fmla="*/ 17025 h 599179"/>
-                <a:gd name="connsiteX2-5" fmla="*/ 263922 w 295275"/>
-                <a:gd name="connsiteY2-6" fmla="*/ 59952 h 599179"/>
-                <a:gd name="connsiteX3-7" fmla="*/ 275967 w 295275"/>
-                <a:gd name="connsiteY3-8" fmla="*/ 66705 h 599179"/>
-                <a:gd name="connsiteX4-9" fmla="*/ 258864 w 295275"/>
-                <a:gd name="connsiteY4-10" fmla="*/ 77309 h 599179"/>
-                <a:gd name="connsiteX5-11" fmla="*/ 164932 w 295275"/>
-                <a:gd name="connsiteY5-12" fmla="*/ 229252 h 599179"/>
-                <a:gd name="connsiteX6-13" fmla="*/ 152376 w 295275"/>
-                <a:gd name="connsiteY6-14" fmla="*/ 303904 h 599179"/>
-                <a:gd name="connsiteX7-15" fmla="*/ 295275 w 295275"/>
-                <a:gd name="connsiteY7-16" fmla="*/ 303904 h 599179"/>
-                <a:gd name="connsiteX8-17" fmla="*/ 295275 w 295275"/>
-                <a:gd name="connsiteY8-18" fmla="*/ 599179 h 599179"/>
-                <a:gd name="connsiteX9-19" fmla="*/ 0 w 295275"/>
-                <a:gd name="connsiteY9-20" fmla="*/ 599179 h 599179"/>
-                <a:gd name="connsiteX10-21" fmla="*/ 0 w 295275"/>
-                <a:gd name="connsiteY10-22" fmla="*/ 303904 h 599179"/>
-                <a:gd name="connsiteX11-23" fmla="*/ 5952 w 295275"/>
-                <a:gd name="connsiteY11-24" fmla="*/ 269304 h 599179"/>
-                <a:gd name="connsiteX12-25" fmla="*/ 204540 w 295275"/>
-                <a:gd name="connsiteY12-26" fmla="*/ 547 h 599179"/>
-                <a:gd name="connsiteX13" fmla="*/ 207995 w 295275"/>
-                <a:gd name="connsiteY13" fmla="*/ 0 h 599179"/>
-                <a:gd name="connsiteX0-27" fmla="*/ 207995 w 295275"/>
-                <a:gd name="connsiteY0-28" fmla="*/ 0 h 599179"/>
-                <a:gd name="connsiteX1-29" fmla="*/ 218480 w 295275"/>
-                <a:gd name="connsiteY1-30" fmla="*/ 17025 h 599179"/>
-                <a:gd name="connsiteX2-31" fmla="*/ 263922 w 295275"/>
-                <a:gd name="connsiteY2-32" fmla="*/ 59952 h 599179"/>
-                <a:gd name="connsiteX3-33" fmla="*/ 275967 w 295275"/>
-                <a:gd name="connsiteY3-34" fmla="*/ 66705 h 599179"/>
-                <a:gd name="connsiteX4-35" fmla="*/ 258864 w 295275"/>
-                <a:gd name="connsiteY4-36" fmla="*/ 77309 h 599179"/>
-                <a:gd name="connsiteX5-37" fmla="*/ 164932 w 295275"/>
-                <a:gd name="connsiteY5-38" fmla="*/ 229252 h 599179"/>
-                <a:gd name="connsiteX6-39" fmla="*/ 152376 w 295275"/>
-                <a:gd name="connsiteY6-40" fmla="*/ 303904 h 599179"/>
-                <a:gd name="connsiteX7-41" fmla="*/ 295275 w 295275"/>
-                <a:gd name="connsiteY7-42" fmla="*/ 303904 h 599179"/>
-                <a:gd name="connsiteX8-43" fmla="*/ 295275 w 295275"/>
-                <a:gd name="connsiteY8-44" fmla="*/ 599179 h 599179"/>
-                <a:gd name="connsiteX9-45" fmla="*/ 0 w 295275"/>
-                <a:gd name="connsiteY9-46" fmla="*/ 599179 h 599179"/>
-                <a:gd name="connsiteX10-47" fmla="*/ 0 w 295275"/>
-                <a:gd name="connsiteY10-48" fmla="*/ 303904 h 599179"/>
-                <a:gd name="connsiteX11-49" fmla="*/ 5952 w 295275"/>
-                <a:gd name="connsiteY11-50" fmla="*/ 269304 h 599179"/>
-                <a:gd name="connsiteX12-51" fmla="*/ 204540 w 295275"/>
-                <a:gd name="connsiteY12-52" fmla="*/ 547 h 599179"/>
-                <a:gd name="connsiteX13-53" fmla="*/ 207995 w 295275"/>
-                <a:gd name="connsiteY13-54" fmla="*/ 0 h 599179"/>
-                <a:gd name="connsiteX0-55" fmla="*/ 207995 w 295275"/>
-                <a:gd name="connsiteY0-56" fmla="*/ 0 h 599179"/>
-                <a:gd name="connsiteX1-57" fmla="*/ 218480 w 295275"/>
-                <a:gd name="connsiteY1-58" fmla="*/ 17025 h 599179"/>
-                <a:gd name="connsiteX2-59" fmla="*/ 263922 w 295275"/>
-                <a:gd name="connsiteY2-60" fmla="*/ 59952 h 599179"/>
-                <a:gd name="connsiteX3-61" fmla="*/ 275967 w 295275"/>
-                <a:gd name="connsiteY3-62" fmla="*/ 66705 h 599179"/>
-                <a:gd name="connsiteX4-63" fmla="*/ 258864 w 295275"/>
-                <a:gd name="connsiteY4-64" fmla="*/ 77309 h 599179"/>
-                <a:gd name="connsiteX5-65" fmla="*/ 164932 w 295275"/>
-                <a:gd name="connsiteY5-66" fmla="*/ 229252 h 599179"/>
-                <a:gd name="connsiteX6-67" fmla="*/ 152376 w 295275"/>
-                <a:gd name="connsiteY6-68" fmla="*/ 303904 h 599179"/>
-                <a:gd name="connsiteX7-69" fmla="*/ 295275 w 295275"/>
-                <a:gd name="connsiteY7-70" fmla="*/ 303904 h 599179"/>
-                <a:gd name="connsiteX8-71" fmla="*/ 295275 w 295275"/>
-                <a:gd name="connsiteY8-72" fmla="*/ 599179 h 599179"/>
-                <a:gd name="connsiteX9-73" fmla="*/ 0 w 295275"/>
-                <a:gd name="connsiteY9-74" fmla="*/ 599179 h 599179"/>
-                <a:gd name="connsiteX10-75" fmla="*/ 0 w 295275"/>
-                <a:gd name="connsiteY10-76" fmla="*/ 303904 h 599179"/>
-                <a:gd name="connsiteX11-77" fmla="*/ 5952 w 295275"/>
-                <a:gd name="connsiteY11-78" fmla="*/ 269304 h 599179"/>
-                <a:gd name="connsiteX12-79" fmla="*/ 204540 w 295275"/>
-                <a:gd name="connsiteY12-80" fmla="*/ 547 h 599179"/>
-                <a:gd name="connsiteX13-81" fmla="*/ 207995 w 295275"/>
-                <a:gd name="connsiteY13-82" fmla="*/ 0 h 599179"/>
-                <a:gd name="connsiteX0-83" fmla="*/ 207995 w 295275"/>
-                <a:gd name="connsiteY0-84" fmla="*/ 0 h 599179"/>
-                <a:gd name="connsiteX1-85" fmla="*/ 218480 w 295275"/>
-                <a:gd name="connsiteY1-86" fmla="*/ 17025 h 599179"/>
-                <a:gd name="connsiteX2-87" fmla="*/ 263922 w 295275"/>
-                <a:gd name="connsiteY2-88" fmla="*/ 59952 h 599179"/>
-                <a:gd name="connsiteX3-89" fmla="*/ 275967 w 295275"/>
-                <a:gd name="connsiteY3-90" fmla="*/ 66705 h 599179"/>
-                <a:gd name="connsiteX4-91" fmla="*/ 258864 w 295275"/>
-                <a:gd name="connsiteY4-92" fmla="*/ 77309 h 599179"/>
-                <a:gd name="connsiteX5-93" fmla="*/ 152376 w 295275"/>
-                <a:gd name="connsiteY5-94" fmla="*/ 303904 h 599179"/>
-                <a:gd name="connsiteX6-95" fmla="*/ 295275 w 295275"/>
-                <a:gd name="connsiteY6-96" fmla="*/ 303904 h 599179"/>
-                <a:gd name="connsiteX7-97" fmla="*/ 295275 w 295275"/>
-                <a:gd name="connsiteY7-98" fmla="*/ 599179 h 599179"/>
-                <a:gd name="connsiteX8-99" fmla="*/ 0 w 295275"/>
-                <a:gd name="connsiteY8-100" fmla="*/ 599179 h 599179"/>
-                <a:gd name="connsiteX9-101" fmla="*/ 0 w 295275"/>
-                <a:gd name="connsiteY9-102" fmla="*/ 303904 h 599179"/>
-                <a:gd name="connsiteX10-103" fmla="*/ 5952 w 295275"/>
-                <a:gd name="connsiteY10-104" fmla="*/ 269304 h 599179"/>
-                <a:gd name="connsiteX11-105" fmla="*/ 204540 w 295275"/>
-                <a:gd name="connsiteY11-106" fmla="*/ 547 h 599179"/>
-                <a:gd name="connsiteX12-107" fmla="*/ 207995 w 295275"/>
-                <a:gd name="connsiteY12-108" fmla="*/ 0 h 599179"/>
-                <a:gd name="connsiteX0-109" fmla="*/ 207995 w 295275"/>
-                <a:gd name="connsiteY0-110" fmla="*/ 0 h 599179"/>
-                <a:gd name="connsiteX1-111" fmla="*/ 218480 w 295275"/>
-                <a:gd name="connsiteY1-112" fmla="*/ 17025 h 599179"/>
-                <a:gd name="connsiteX2-113" fmla="*/ 263922 w 295275"/>
-                <a:gd name="connsiteY2-114" fmla="*/ 59952 h 599179"/>
-                <a:gd name="connsiteX3-115" fmla="*/ 275967 w 295275"/>
-                <a:gd name="connsiteY3-116" fmla="*/ 66705 h 599179"/>
-                <a:gd name="connsiteX4-117" fmla="*/ 258864 w 295275"/>
-                <a:gd name="connsiteY4-118" fmla="*/ 77309 h 599179"/>
-                <a:gd name="connsiteX5-119" fmla="*/ 152376 w 295275"/>
-                <a:gd name="connsiteY5-120" fmla="*/ 303904 h 599179"/>
-                <a:gd name="connsiteX6-121" fmla="*/ 295275 w 295275"/>
-                <a:gd name="connsiteY6-122" fmla="*/ 303904 h 599179"/>
-                <a:gd name="connsiteX7-123" fmla="*/ 295275 w 295275"/>
-                <a:gd name="connsiteY7-124" fmla="*/ 599179 h 599179"/>
-                <a:gd name="connsiteX8-125" fmla="*/ 0 w 295275"/>
-                <a:gd name="connsiteY8-126" fmla="*/ 599179 h 599179"/>
-                <a:gd name="connsiteX9-127" fmla="*/ 0 w 295275"/>
-                <a:gd name="connsiteY9-128" fmla="*/ 303904 h 599179"/>
-                <a:gd name="connsiteX10-129" fmla="*/ 5952 w 295275"/>
-                <a:gd name="connsiteY10-130" fmla="*/ 269304 h 599179"/>
-                <a:gd name="connsiteX11-131" fmla="*/ 204540 w 295275"/>
-                <a:gd name="connsiteY11-132" fmla="*/ 547 h 599179"/>
-                <a:gd name="connsiteX12-133" fmla="*/ 207995 w 295275"/>
-                <a:gd name="connsiteY12-134" fmla="*/ 0 h 599179"/>
-                <a:gd name="connsiteX0-135" fmla="*/ 207995 w 295275"/>
-                <a:gd name="connsiteY0-136" fmla="*/ 0 h 599179"/>
-                <a:gd name="connsiteX1-137" fmla="*/ 218480 w 295275"/>
-                <a:gd name="connsiteY1-138" fmla="*/ 17025 h 599179"/>
-                <a:gd name="connsiteX2-139" fmla="*/ 263922 w 295275"/>
-                <a:gd name="connsiteY2-140" fmla="*/ 59952 h 599179"/>
-                <a:gd name="connsiteX3-141" fmla="*/ 275967 w 295275"/>
-                <a:gd name="connsiteY3-142" fmla="*/ 66705 h 599179"/>
-                <a:gd name="connsiteX4-143" fmla="*/ 152376 w 295275"/>
-                <a:gd name="connsiteY4-144" fmla="*/ 303904 h 599179"/>
-                <a:gd name="connsiteX5-145" fmla="*/ 295275 w 295275"/>
-                <a:gd name="connsiteY5-146" fmla="*/ 303904 h 599179"/>
-                <a:gd name="connsiteX6-147" fmla="*/ 295275 w 295275"/>
-                <a:gd name="connsiteY6-148" fmla="*/ 599179 h 599179"/>
-                <a:gd name="connsiteX7-149" fmla="*/ 0 w 295275"/>
-                <a:gd name="connsiteY7-150" fmla="*/ 599179 h 599179"/>
-                <a:gd name="connsiteX8-151" fmla="*/ 0 w 295275"/>
-                <a:gd name="connsiteY8-152" fmla="*/ 303904 h 599179"/>
-                <a:gd name="connsiteX9-153" fmla="*/ 5952 w 295275"/>
-                <a:gd name="connsiteY9-154" fmla="*/ 269304 h 599179"/>
-                <a:gd name="connsiteX10-155" fmla="*/ 204540 w 295275"/>
-                <a:gd name="connsiteY10-156" fmla="*/ 547 h 599179"/>
-                <a:gd name="connsiteX11-157" fmla="*/ 207995 w 295275"/>
-                <a:gd name="connsiteY11-158" fmla="*/ 0 h 599179"/>
-                <a:gd name="connsiteX0-159" fmla="*/ 207995 w 295275"/>
-                <a:gd name="connsiteY0-160" fmla="*/ 0 h 599179"/>
-                <a:gd name="connsiteX1-161" fmla="*/ 218480 w 295275"/>
-                <a:gd name="connsiteY1-162" fmla="*/ 17025 h 599179"/>
-                <a:gd name="connsiteX2-163" fmla="*/ 263922 w 295275"/>
-                <a:gd name="connsiteY2-164" fmla="*/ 59952 h 599179"/>
-                <a:gd name="connsiteX3-165" fmla="*/ 275967 w 295275"/>
-                <a:gd name="connsiteY3-166" fmla="*/ 66705 h 599179"/>
-                <a:gd name="connsiteX4-167" fmla="*/ 152376 w 295275"/>
-                <a:gd name="connsiteY4-168" fmla="*/ 303904 h 599179"/>
-                <a:gd name="connsiteX5-169" fmla="*/ 295275 w 295275"/>
-                <a:gd name="connsiteY5-170" fmla="*/ 303904 h 599179"/>
-                <a:gd name="connsiteX6-171" fmla="*/ 295275 w 295275"/>
-                <a:gd name="connsiteY6-172" fmla="*/ 599179 h 599179"/>
-                <a:gd name="connsiteX7-173" fmla="*/ 0 w 295275"/>
-                <a:gd name="connsiteY7-174" fmla="*/ 599179 h 599179"/>
-                <a:gd name="connsiteX8-175" fmla="*/ 0 w 295275"/>
-                <a:gd name="connsiteY8-176" fmla="*/ 303904 h 599179"/>
-                <a:gd name="connsiteX9-177" fmla="*/ 5952 w 295275"/>
-                <a:gd name="connsiteY9-178" fmla="*/ 269304 h 599179"/>
-                <a:gd name="connsiteX10-179" fmla="*/ 204540 w 295275"/>
-                <a:gd name="connsiteY10-180" fmla="*/ 547 h 599179"/>
-                <a:gd name="connsiteX11-181" fmla="*/ 207995 w 295275"/>
-                <a:gd name="connsiteY11-182" fmla="*/ 0 h 599179"/>
-                <a:gd name="connsiteX0-183" fmla="*/ 207995 w 295275"/>
-                <a:gd name="connsiteY0-184" fmla="*/ 0 h 599179"/>
-                <a:gd name="connsiteX1-185" fmla="*/ 218480 w 295275"/>
-                <a:gd name="connsiteY1-186" fmla="*/ 17025 h 599179"/>
-                <a:gd name="connsiteX2-187" fmla="*/ 263922 w 295275"/>
-                <a:gd name="connsiteY2-188" fmla="*/ 59952 h 599179"/>
-                <a:gd name="connsiteX3-189" fmla="*/ 275967 w 295275"/>
-                <a:gd name="connsiteY3-190" fmla="*/ 66705 h 599179"/>
-                <a:gd name="connsiteX4-191" fmla="*/ 152376 w 295275"/>
-                <a:gd name="connsiteY4-192" fmla="*/ 303904 h 599179"/>
-                <a:gd name="connsiteX5-193" fmla="*/ 295275 w 295275"/>
-                <a:gd name="connsiteY5-194" fmla="*/ 303904 h 599179"/>
-                <a:gd name="connsiteX6-195" fmla="*/ 295275 w 295275"/>
-                <a:gd name="connsiteY6-196" fmla="*/ 599179 h 599179"/>
-                <a:gd name="connsiteX7-197" fmla="*/ 0 w 295275"/>
-                <a:gd name="connsiteY7-198" fmla="*/ 599179 h 599179"/>
-                <a:gd name="connsiteX8-199" fmla="*/ 0 w 295275"/>
-                <a:gd name="connsiteY8-200" fmla="*/ 303904 h 599179"/>
-                <a:gd name="connsiteX9-201" fmla="*/ 5952 w 295275"/>
-                <a:gd name="connsiteY9-202" fmla="*/ 269304 h 599179"/>
-                <a:gd name="connsiteX10-203" fmla="*/ 204540 w 295275"/>
-                <a:gd name="connsiteY10-204" fmla="*/ 547 h 599179"/>
-                <a:gd name="connsiteX11-205" fmla="*/ 207995 w 295275"/>
-                <a:gd name="connsiteY11-206" fmla="*/ 0 h 599179"/>
-                <a:gd name="connsiteX0-207" fmla="*/ 207995 w 295275"/>
-                <a:gd name="connsiteY0-208" fmla="*/ 0 h 599179"/>
-                <a:gd name="connsiteX1-209" fmla="*/ 218480 w 295275"/>
-                <a:gd name="connsiteY1-210" fmla="*/ 17025 h 599179"/>
-                <a:gd name="connsiteX2-211" fmla="*/ 263922 w 295275"/>
-                <a:gd name="connsiteY2-212" fmla="*/ 59952 h 599179"/>
-                <a:gd name="connsiteX3-213" fmla="*/ 275967 w 295275"/>
-                <a:gd name="connsiteY3-214" fmla="*/ 66705 h 599179"/>
-                <a:gd name="connsiteX4-215" fmla="*/ 152376 w 295275"/>
-                <a:gd name="connsiteY4-216" fmla="*/ 303904 h 599179"/>
-                <a:gd name="connsiteX5-217" fmla="*/ 295275 w 295275"/>
-                <a:gd name="connsiteY5-218" fmla="*/ 303904 h 599179"/>
-                <a:gd name="connsiteX6-219" fmla="*/ 295275 w 295275"/>
-                <a:gd name="connsiteY6-220" fmla="*/ 599179 h 599179"/>
-                <a:gd name="connsiteX7-221" fmla="*/ 0 w 295275"/>
-                <a:gd name="connsiteY7-222" fmla="*/ 599179 h 599179"/>
-                <a:gd name="connsiteX8-223" fmla="*/ 0 w 295275"/>
-                <a:gd name="connsiteY8-224" fmla="*/ 303904 h 599179"/>
-                <a:gd name="connsiteX9-225" fmla="*/ 5952 w 295275"/>
-                <a:gd name="connsiteY9-226" fmla="*/ 269304 h 599179"/>
-                <a:gd name="connsiteX10-227" fmla="*/ 204540 w 295275"/>
-                <a:gd name="connsiteY10-228" fmla="*/ 547 h 599179"/>
-                <a:gd name="connsiteX11-229" fmla="*/ 207995 w 295275"/>
-                <a:gd name="connsiteY11-230" fmla="*/ 0 h 599179"/>
-                <a:gd name="connsiteX0-231" fmla="*/ 207995 w 295275"/>
-                <a:gd name="connsiteY0-232" fmla="*/ 0 h 599179"/>
-                <a:gd name="connsiteX1-233" fmla="*/ 218480 w 295275"/>
-                <a:gd name="connsiteY1-234" fmla="*/ 17025 h 599179"/>
-                <a:gd name="connsiteX2-235" fmla="*/ 263922 w 295275"/>
-                <a:gd name="connsiteY2-236" fmla="*/ 59952 h 599179"/>
-                <a:gd name="connsiteX3-237" fmla="*/ 275967 w 295275"/>
-                <a:gd name="connsiteY3-238" fmla="*/ 66705 h 599179"/>
-                <a:gd name="connsiteX4-239" fmla="*/ 152376 w 295275"/>
-                <a:gd name="connsiteY4-240" fmla="*/ 303904 h 599179"/>
-                <a:gd name="connsiteX5-241" fmla="*/ 295275 w 295275"/>
-                <a:gd name="connsiteY5-242" fmla="*/ 303904 h 599179"/>
-                <a:gd name="connsiteX6-243" fmla="*/ 295275 w 295275"/>
-                <a:gd name="connsiteY6-244" fmla="*/ 599179 h 599179"/>
-                <a:gd name="connsiteX7-245" fmla="*/ 0 w 295275"/>
-                <a:gd name="connsiteY7-246" fmla="*/ 599179 h 599179"/>
-                <a:gd name="connsiteX8-247" fmla="*/ 0 w 295275"/>
-                <a:gd name="connsiteY8-248" fmla="*/ 303904 h 599179"/>
-                <a:gd name="connsiteX9-249" fmla="*/ 204540 w 295275"/>
-                <a:gd name="connsiteY9-250" fmla="*/ 547 h 599179"/>
-                <a:gd name="connsiteX10-251" fmla="*/ 207995 w 295275"/>
-                <a:gd name="connsiteY10-252" fmla="*/ 0 h 599179"/>
-                <a:gd name="connsiteX0-253" fmla="*/ 207995 w 295275"/>
-                <a:gd name="connsiteY0-254" fmla="*/ 0 h 599179"/>
-                <a:gd name="connsiteX1-255" fmla="*/ 218480 w 295275"/>
-                <a:gd name="connsiteY1-256" fmla="*/ 17025 h 599179"/>
-                <a:gd name="connsiteX2-257" fmla="*/ 263922 w 295275"/>
-                <a:gd name="connsiteY2-258" fmla="*/ 59952 h 599179"/>
-                <a:gd name="connsiteX3-259" fmla="*/ 275967 w 295275"/>
-                <a:gd name="connsiteY3-260" fmla="*/ 66705 h 599179"/>
-                <a:gd name="connsiteX4-261" fmla="*/ 152376 w 295275"/>
-                <a:gd name="connsiteY4-262" fmla="*/ 303904 h 599179"/>
-                <a:gd name="connsiteX5-263" fmla="*/ 295275 w 295275"/>
-                <a:gd name="connsiteY5-264" fmla="*/ 303904 h 599179"/>
-                <a:gd name="connsiteX6-265" fmla="*/ 295275 w 295275"/>
-                <a:gd name="connsiteY6-266" fmla="*/ 599179 h 599179"/>
-                <a:gd name="connsiteX7-267" fmla="*/ 0 w 295275"/>
-                <a:gd name="connsiteY7-268" fmla="*/ 599179 h 599179"/>
-                <a:gd name="connsiteX8-269" fmla="*/ 0 w 295275"/>
-                <a:gd name="connsiteY8-270" fmla="*/ 303904 h 599179"/>
-                <a:gd name="connsiteX9-271" fmla="*/ 204540 w 295275"/>
-                <a:gd name="connsiteY9-272" fmla="*/ 547 h 599179"/>
-                <a:gd name="connsiteX10-273" fmla="*/ 207995 w 295275"/>
-                <a:gd name="connsiteY10-274" fmla="*/ 0 h 599179"/>
-                <a:gd name="connsiteX0-275" fmla="*/ 207995 w 295275"/>
-                <a:gd name="connsiteY0-276" fmla="*/ 0 h 599179"/>
-                <a:gd name="connsiteX1-277" fmla="*/ 218480 w 295275"/>
-                <a:gd name="connsiteY1-278" fmla="*/ 17025 h 599179"/>
-                <a:gd name="connsiteX2-279" fmla="*/ 263922 w 295275"/>
-                <a:gd name="connsiteY2-280" fmla="*/ 59952 h 599179"/>
-                <a:gd name="connsiteX3-281" fmla="*/ 275967 w 295275"/>
-                <a:gd name="connsiteY3-282" fmla="*/ 66705 h 599179"/>
-                <a:gd name="connsiteX4-283" fmla="*/ 152376 w 295275"/>
-                <a:gd name="connsiteY4-284" fmla="*/ 303904 h 599179"/>
-                <a:gd name="connsiteX5-285" fmla="*/ 295275 w 295275"/>
-                <a:gd name="connsiteY5-286" fmla="*/ 303904 h 599179"/>
-                <a:gd name="connsiteX6-287" fmla="*/ 295275 w 295275"/>
-                <a:gd name="connsiteY6-288" fmla="*/ 599179 h 599179"/>
-                <a:gd name="connsiteX7-289" fmla="*/ 0 w 295275"/>
-                <a:gd name="connsiteY7-290" fmla="*/ 599179 h 599179"/>
-                <a:gd name="connsiteX8-291" fmla="*/ 0 w 295275"/>
-                <a:gd name="connsiteY8-292" fmla="*/ 303904 h 599179"/>
-                <a:gd name="connsiteX9-293" fmla="*/ 207995 w 295275"/>
-                <a:gd name="connsiteY9-294" fmla="*/ 0 h 599179"/>
-                <a:gd name="connsiteX0-295" fmla="*/ 207995 w 295275"/>
-                <a:gd name="connsiteY0-296" fmla="*/ 0 h 599179"/>
-                <a:gd name="connsiteX1-297" fmla="*/ 218480 w 295275"/>
-                <a:gd name="connsiteY1-298" fmla="*/ 17025 h 599179"/>
-                <a:gd name="connsiteX2-299" fmla="*/ 263922 w 295275"/>
-                <a:gd name="connsiteY2-300" fmla="*/ 59952 h 599179"/>
-                <a:gd name="connsiteX3-301" fmla="*/ 275967 w 295275"/>
-                <a:gd name="connsiteY3-302" fmla="*/ 66705 h 599179"/>
-                <a:gd name="connsiteX4-303" fmla="*/ 152376 w 295275"/>
-                <a:gd name="connsiteY4-304" fmla="*/ 303904 h 599179"/>
-                <a:gd name="connsiteX5-305" fmla="*/ 295275 w 295275"/>
-                <a:gd name="connsiteY5-306" fmla="*/ 303904 h 599179"/>
-                <a:gd name="connsiteX6-307" fmla="*/ 295275 w 295275"/>
-                <a:gd name="connsiteY6-308" fmla="*/ 599179 h 599179"/>
-                <a:gd name="connsiteX7-309" fmla="*/ 0 w 295275"/>
-                <a:gd name="connsiteY7-310" fmla="*/ 599179 h 599179"/>
-                <a:gd name="connsiteX8-311" fmla="*/ 0 w 295275"/>
-                <a:gd name="connsiteY8-312" fmla="*/ 303904 h 599179"/>
-                <a:gd name="connsiteX9-313" fmla="*/ 207995 w 295275"/>
-                <a:gd name="connsiteY9-314" fmla="*/ 0 h 599179"/>
-                <a:gd name="connsiteX0-315" fmla="*/ 207995 w 295275"/>
-                <a:gd name="connsiteY0-316" fmla="*/ 0 h 599179"/>
-                <a:gd name="connsiteX1-317" fmla="*/ 218480 w 295275"/>
-                <a:gd name="connsiteY1-318" fmla="*/ 17025 h 599179"/>
-                <a:gd name="connsiteX2-319" fmla="*/ 263922 w 295275"/>
-                <a:gd name="connsiteY2-320" fmla="*/ 59952 h 599179"/>
-                <a:gd name="connsiteX3-321" fmla="*/ 275967 w 295275"/>
-                <a:gd name="connsiteY3-322" fmla="*/ 66705 h 599179"/>
-                <a:gd name="connsiteX4-323" fmla="*/ 152376 w 295275"/>
-                <a:gd name="connsiteY4-324" fmla="*/ 303904 h 599179"/>
-                <a:gd name="connsiteX5-325" fmla="*/ 295275 w 295275"/>
-                <a:gd name="connsiteY5-326" fmla="*/ 303904 h 599179"/>
-                <a:gd name="connsiteX6-327" fmla="*/ 295275 w 295275"/>
-                <a:gd name="connsiteY6-328" fmla="*/ 599179 h 599179"/>
-                <a:gd name="connsiteX7-329" fmla="*/ 0 w 295275"/>
-                <a:gd name="connsiteY7-330" fmla="*/ 599179 h 599179"/>
-                <a:gd name="connsiteX8-331" fmla="*/ 0 w 295275"/>
-                <a:gd name="connsiteY8-332" fmla="*/ 303904 h 599179"/>
-                <a:gd name="connsiteX9-333" fmla="*/ 207995 w 295275"/>
-                <a:gd name="connsiteY9-334" fmla="*/ 0 h 599179"/>
-                <a:gd name="connsiteX0-335" fmla="*/ 207995 w 295275"/>
-                <a:gd name="connsiteY0-336" fmla="*/ 0 h 599179"/>
-                <a:gd name="connsiteX1-337" fmla="*/ 218480 w 295275"/>
-                <a:gd name="connsiteY1-338" fmla="*/ 17025 h 599179"/>
-                <a:gd name="connsiteX2-339" fmla="*/ 263922 w 295275"/>
-                <a:gd name="connsiteY2-340" fmla="*/ 59952 h 599179"/>
-                <a:gd name="connsiteX3-341" fmla="*/ 275967 w 295275"/>
-                <a:gd name="connsiteY3-342" fmla="*/ 66705 h 599179"/>
-                <a:gd name="connsiteX4-343" fmla="*/ 152376 w 295275"/>
-                <a:gd name="connsiteY4-344" fmla="*/ 303904 h 599179"/>
-                <a:gd name="connsiteX5-345" fmla="*/ 295275 w 295275"/>
-                <a:gd name="connsiteY5-346" fmla="*/ 303904 h 599179"/>
-                <a:gd name="connsiteX6-347" fmla="*/ 295275 w 295275"/>
-                <a:gd name="connsiteY6-348" fmla="*/ 599179 h 599179"/>
-                <a:gd name="connsiteX7-349" fmla="*/ 0 w 295275"/>
-                <a:gd name="connsiteY7-350" fmla="*/ 599179 h 599179"/>
-                <a:gd name="connsiteX8-351" fmla="*/ 0 w 295275"/>
-                <a:gd name="connsiteY8-352" fmla="*/ 303904 h 599179"/>
-                <a:gd name="connsiteX9-353" fmla="*/ 207995 w 295275"/>
-                <a:gd name="connsiteY9-354" fmla="*/ 0 h 599179"/>
-                <a:gd name="connsiteX0-355" fmla="*/ 207995 w 295275"/>
-                <a:gd name="connsiteY0-356" fmla="*/ 0 h 599179"/>
-                <a:gd name="connsiteX1-357" fmla="*/ 218480 w 295275"/>
-                <a:gd name="connsiteY1-358" fmla="*/ 17025 h 599179"/>
-                <a:gd name="connsiteX2-359" fmla="*/ 263922 w 295275"/>
-                <a:gd name="connsiteY2-360" fmla="*/ 59952 h 599179"/>
-                <a:gd name="connsiteX3-361" fmla="*/ 275967 w 295275"/>
-                <a:gd name="connsiteY3-362" fmla="*/ 66705 h 599179"/>
-                <a:gd name="connsiteX4-363" fmla="*/ 152376 w 295275"/>
-                <a:gd name="connsiteY4-364" fmla="*/ 303904 h 599179"/>
-                <a:gd name="connsiteX5-365" fmla="*/ 295275 w 295275"/>
-                <a:gd name="connsiteY5-366" fmla="*/ 303904 h 599179"/>
-                <a:gd name="connsiteX6-367" fmla="*/ 295275 w 295275"/>
-                <a:gd name="connsiteY6-368" fmla="*/ 599179 h 599179"/>
-                <a:gd name="connsiteX7-369" fmla="*/ 0 w 295275"/>
-                <a:gd name="connsiteY7-370" fmla="*/ 599179 h 599179"/>
-                <a:gd name="connsiteX8-371" fmla="*/ 0 w 295275"/>
-                <a:gd name="connsiteY8-372" fmla="*/ 303904 h 599179"/>
-                <a:gd name="connsiteX9-373" fmla="*/ 207995 w 295275"/>
-                <a:gd name="connsiteY9-374" fmla="*/ 0 h 599179"/>
-                <a:gd name="connsiteX0-375" fmla="*/ 207995 w 295275"/>
-                <a:gd name="connsiteY0-376" fmla="*/ 0 h 599179"/>
-                <a:gd name="connsiteX1-377" fmla="*/ 218480 w 295275"/>
-                <a:gd name="connsiteY1-378" fmla="*/ 17025 h 599179"/>
-                <a:gd name="connsiteX2-379" fmla="*/ 263922 w 295275"/>
-                <a:gd name="connsiteY2-380" fmla="*/ 59952 h 599179"/>
-                <a:gd name="connsiteX3-381" fmla="*/ 275967 w 295275"/>
-                <a:gd name="connsiteY3-382" fmla="*/ 66705 h 599179"/>
-                <a:gd name="connsiteX4-383" fmla="*/ 152376 w 295275"/>
-                <a:gd name="connsiteY4-384" fmla="*/ 303904 h 599179"/>
-                <a:gd name="connsiteX5-385" fmla="*/ 295275 w 295275"/>
-                <a:gd name="connsiteY5-386" fmla="*/ 303904 h 599179"/>
-                <a:gd name="connsiteX6-387" fmla="*/ 295275 w 295275"/>
-                <a:gd name="connsiteY6-388" fmla="*/ 599179 h 599179"/>
-                <a:gd name="connsiteX7-389" fmla="*/ 0 w 295275"/>
-                <a:gd name="connsiteY7-390" fmla="*/ 599179 h 599179"/>
-                <a:gd name="connsiteX8-391" fmla="*/ 0 w 295275"/>
-                <a:gd name="connsiteY8-392" fmla="*/ 303904 h 599179"/>
-                <a:gd name="connsiteX9-393" fmla="*/ 207995 w 295275"/>
-                <a:gd name="connsiteY9-394" fmla="*/ 0 h 599179"/>
-                <a:gd name="connsiteX0-395" fmla="*/ 207995 w 295275"/>
-                <a:gd name="connsiteY0-396" fmla="*/ 0 h 599179"/>
-                <a:gd name="connsiteX1-397" fmla="*/ 218480 w 295275"/>
-                <a:gd name="connsiteY1-398" fmla="*/ 17025 h 599179"/>
-                <a:gd name="connsiteX2-399" fmla="*/ 263922 w 295275"/>
-                <a:gd name="connsiteY2-400" fmla="*/ 59952 h 599179"/>
-                <a:gd name="connsiteX3-401" fmla="*/ 275967 w 295275"/>
-                <a:gd name="connsiteY3-402" fmla="*/ 66705 h 599179"/>
-                <a:gd name="connsiteX4-403" fmla="*/ 152376 w 295275"/>
-                <a:gd name="connsiteY4-404" fmla="*/ 303904 h 599179"/>
-                <a:gd name="connsiteX5-405" fmla="*/ 295275 w 295275"/>
-                <a:gd name="connsiteY5-406" fmla="*/ 303904 h 599179"/>
-                <a:gd name="connsiteX6-407" fmla="*/ 295275 w 295275"/>
-                <a:gd name="connsiteY6-408" fmla="*/ 599179 h 599179"/>
-                <a:gd name="connsiteX7-409" fmla="*/ 0 w 295275"/>
-                <a:gd name="connsiteY7-410" fmla="*/ 599179 h 599179"/>
-                <a:gd name="connsiteX8-411" fmla="*/ 0 w 295275"/>
-                <a:gd name="connsiteY8-412" fmla="*/ 303904 h 599179"/>
-                <a:gd name="connsiteX9-413" fmla="*/ 207995 w 295275"/>
-                <a:gd name="connsiteY9-414" fmla="*/ 0 h 599179"/>
-                <a:gd name="connsiteX0-415" fmla="*/ 207995 w 295275"/>
-                <a:gd name="connsiteY0-416" fmla="*/ 0 h 599179"/>
-                <a:gd name="connsiteX1-417" fmla="*/ 218480 w 295275"/>
-                <a:gd name="connsiteY1-418" fmla="*/ 17025 h 599179"/>
-                <a:gd name="connsiteX2-419" fmla="*/ 263922 w 295275"/>
-                <a:gd name="connsiteY2-420" fmla="*/ 59952 h 599179"/>
-                <a:gd name="connsiteX3-421" fmla="*/ 275967 w 295275"/>
-                <a:gd name="connsiteY3-422" fmla="*/ 66705 h 599179"/>
-                <a:gd name="connsiteX4-423" fmla="*/ 152376 w 295275"/>
-                <a:gd name="connsiteY4-424" fmla="*/ 303904 h 599179"/>
-                <a:gd name="connsiteX5-425" fmla="*/ 295275 w 295275"/>
-                <a:gd name="connsiteY5-426" fmla="*/ 303904 h 599179"/>
-                <a:gd name="connsiteX6-427" fmla="*/ 295275 w 295275"/>
-                <a:gd name="connsiteY6-428" fmla="*/ 599179 h 599179"/>
-                <a:gd name="connsiteX7-429" fmla="*/ 0 w 295275"/>
-                <a:gd name="connsiteY7-430" fmla="*/ 599179 h 599179"/>
-                <a:gd name="connsiteX8-431" fmla="*/ 0 w 295275"/>
-                <a:gd name="connsiteY8-432" fmla="*/ 334942 h 599179"/>
-                <a:gd name="connsiteX9-433" fmla="*/ 207995 w 295275"/>
-                <a:gd name="connsiteY9-434" fmla="*/ 0 h 599179"/>
-                <a:gd name="connsiteX0-435" fmla="*/ 207995 w 295275"/>
-                <a:gd name="connsiteY0-436" fmla="*/ 0 h 599179"/>
-                <a:gd name="connsiteX1-437" fmla="*/ 218480 w 295275"/>
-                <a:gd name="connsiteY1-438" fmla="*/ 17025 h 599179"/>
-                <a:gd name="connsiteX2-439" fmla="*/ 263922 w 295275"/>
-                <a:gd name="connsiteY2-440" fmla="*/ 59952 h 599179"/>
-                <a:gd name="connsiteX3-441" fmla="*/ 275967 w 295275"/>
-                <a:gd name="connsiteY3-442" fmla="*/ 66705 h 599179"/>
-                <a:gd name="connsiteX4-443" fmla="*/ 152376 w 295275"/>
-                <a:gd name="connsiteY4-444" fmla="*/ 303904 h 599179"/>
-                <a:gd name="connsiteX5-445" fmla="*/ 295275 w 295275"/>
-                <a:gd name="connsiteY5-446" fmla="*/ 303904 h 599179"/>
-                <a:gd name="connsiteX6-447" fmla="*/ 295275 w 295275"/>
-                <a:gd name="connsiteY6-448" fmla="*/ 599179 h 599179"/>
-                <a:gd name="connsiteX7-449" fmla="*/ 0 w 295275"/>
-                <a:gd name="connsiteY7-450" fmla="*/ 599179 h 599179"/>
-                <a:gd name="connsiteX8-451" fmla="*/ 0 w 295275"/>
-                <a:gd name="connsiteY8-452" fmla="*/ 334942 h 599179"/>
-                <a:gd name="connsiteX9-453" fmla="*/ 207995 w 295275"/>
-                <a:gd name="connsiteY9-454" fmla="*/ 0 h 599179"/>
-                <a:gd name="connsiteX0-455" fmla="*/ 207995 w 295275"/>
-                <a:gd name="connsiteY0-456" fmla="*/ 0 h 599179"/>
-                <a:gd name="connsiteX1-457" fmla="*/ 218480 w 295275"/>
-                <a:gd name="connsiteY1-458" fmla="*/ 17025 h 599179"/>
-                <a:gd name="connsiteX2-459" fmla="*/ 263922 w 295275"/>
-                <a:gd name="connsiteY2-460" fmla="*/ 59952 h 599179"/>
-                <a:gd name="connsiteX3-461" fmla="*/ 275967 w 295275"/>
-                <a:gd name="connsiteY3-462" fmla="*/ 66705 h 599179"/>
-                <a:gd name="connsiteX4-463" fmla="*/ 152376 w 295275"/>
-                <a:gd name="connsiteY4-464" fmla="*/ 303904 h 599179"/>
-                <a:gd name="connsiteX5-465" fmla="*/ 295275 w 295275"/>
-                <a:gd name="connsiteY5-466" fmla="*/ 303904 h 599179"/>
-                <a:gd name="connsiteX6-467" fmla="*/ 295275 w 295275"/>
-                <a:gd name="connsiteY6-468" fmla="*/ 599179 h 599179"/>
-                <a:gd name="connsiteX7-469" fmla="*/ 0 w 295275"/>
-                <a:gd name="connsiteY7-470" fmla="*/ 599179 h 599179"/>
-                <a:gd name="connsiteX8-471" fmla="*/ 0 w 295275"/>
-                <a:gd name="connsiteY8-472" fmla="*/ 334942 h 599179"/>
-                <a:gd name="connsiteX9-473" fmla="*/ 207995 w 295275"/>
-                <a:gd name="connsiteY9-474" fmla="*/ 0 h 599179"/>
-              </a:gdLst>
-              <a:ahLst/>
-              <a:cxnLst>
-                <a:cxn ang="0">
-                  <a:pos x="connsiteX0-1" y="connsiteY0-2"/>
-                </a:cxn>
-                <a:cxn ang="0">
-                  <a:pos x="connsiteX1-3" y="connsiteY1-4"/>
-                </a:cxn>
-                <a:cxn ang="0">
-                  <a:pos x="connsiteX2-5" y="connsiteY2-6"/>
-                </a:cxn>
-                <a:cxn ang="0">
-                  <a:pos x="connsiteX3-7" y="connsiteY3-8"/>
-                </a:cxn>
-                <a:cxn ang="0">
-                  <a:pos x="connsiteX4-9" y="connsiteY4-10"/>
-                </a:cxn>
-                <a:cxn ang="0">
-                  <a:pos x="connsiteX5-11" y="connsiteY5-12"/>
-                </a:cxn>
-                <a:cxn ang="0">
-                  <a:pos x="connsiteX6-13" y="connsiteY6-14"/>
-                </a:cxn>
-                <a:cxn ang="0">
-                  <a:pos x="connsiteX7-15" y="connsiteY7-16"/>
-                </a:cxn>
-                <a:cxn ang="0">
-                  <a:pos x="connsiteX8-17" y="connsiteY8-18"/>
-                </a:cxn>
-                <a:cxn ang="0">
-                  <a:pos x="connsiteX9-19" y="connsiteY9-20"/>
-                </a:cxn>
-              </a:cxnLst>
-              <a:rect l="l" t="t" r="r" b="b"/>
-              <a:pathLst>
-                <a:path w="295275" h="599179">
-                  <a:moveTo>
-                    <a:pt x="207995" y="0"/>
-                  </a:moveTo>
-                  <a:lnTo>
-                    <a:pt x="218480" y="17025"/>
-                  </a:lnTo>
-                  <a:cubicBezTo>
-                    <a:pt x="231034" y="32364"/>
-                    <a:pt x="246314" y="46986"/>
-                    <a:pt x="263922" y="59952"/>
-                  </a:cubicBezTo>
-                  <a:lnTo>
-                    <a:pt x="275967" y="66705"/>
-                  </a:lnTo>
-                  <a:cubicBezTo>
-                    <a:pt x="274744" y="66607"/>
-                    <a:pt x="166924" y="148026"/>
-                    <a:pt x="152376" y="303904"/>
-                  </a:cubicBezTo>
-                  <a:lnTo>
-                    <a:pt x="295275" y="303904"/>
-                  </a:lnTo>
-                  <a:lnTo>
-                    <a:pt x="295275" y="599179"/>
-                  </a:lnTo>
-                  <a:lnTo>
-                    <a:pt x="0" y="599179"/>
-                  </a:lnTo>
-                  <a:lnTo>
-                    <a:pt x="0" y="334942"/>
-                  </a:lnTo>
-                  <a:cubicBezTo>
-                    <a:pt x="10368" y="113589"/>
-                    <a:pt x="207637" y="2353"/>
-                    <a:pt x="207995" y="0"/>
-                  </a:cubicBezTo>
-                  <a:close/>
-                </a:path>
-              </a:pathLst>
-            </a:custGeom>
-            <a:grpFill/>
-            <a:ln>
-              <a:noFill/>
-            </a:ln>
-          </p:spPr>
-          <p:style>
-            <a:lnRef idx="2">
-              <a:srgbClr val="1D6DC2">
-                <a:shade val="50000"/>
-              </a:srgbClr>
-            </a:lnRef>
-            <a:fillRef idx="1">
-              <a:srgbClr val="1D6DC2"/>
-            </a:fillRef>
-            <a:effectRef idx="0">
-              <a:srgbClr val="1D6DC2"/>
-            </a:effectRef>
-            <a:fontRef idx="minor">
-              <a:srgbClr val="FFFFFF"/>
-            </a:fontRef>
-          </p:style>
-          <p:txBody>
-            <a:bodyPr wrap="square" rtlCol="0" anchor="ctr">
-              <a:noAutofit/>
-            </a:bodyPr>
-            <a:lstStyle/>
-            <a:p>
-              <a:pPr algn="ctr"/>
-              <a:endParaRPr lang="zh-CN" altLang="en-US" sz="1350"/>
-            </a:p>
-          </p:txBody>
-        </p:sp>
-      </p:grpSp>
-      <p:sp>
-        <p:nvSpPr>
-          <p:cNvPr id="3" name="文本框 2"/>
-          <p:cNvSpPr txBox="1"/>
-          <p:nvPr>
-            <p:custDataLst>
-              <p:tags r:id="rId6"/>
-            </p:custDataLst>
-          </p:nvPr>
-        </p:nvSpPr>
-        <p:spPr>
-          <a:xfrm>
-            <a:off x="179705" y="260985"/>
-            <a:ext cx="2719705" cy="624840"/>
-          </a:xfrm>
-          <a:prstGeom prst="rect">
-            <a:avLst/>
-          </a:prstGeom>
-          <a:noFill/>
-        </p:spPr>
-        <p:txBody>
-          <a:bodyPr wrap="square" lIns="76200" tIns="0" rIns="61912" bIns="0" rtlCol="0">
-            <a:noAutofit/>
-          </a:bodyPr>
-          <a:lstStyle>
-            <a:defPPr>
-              <a:defRPr lang="zh-CN"/>
-            </a:defPPr>
-            <a:lvl1pPr fontAlgn="auto">
-              <a:lnSpc>
-                <a:spcPct val="130000"/>
-              </a:lnSpc>
-              <a:spcAft>
-                <a:spcPts val="1000"/>
-              </a:spcAft>
-              <a:defRPr sz="1600" spc="150"/>
-            </a:lvl1pPr>
-          </a:lstStyle>
-          <a:p>
-            <a:r>
-              <a:rPr lang="zh-CN" altLang="en-US" sz="2800" dirty="0">
-                <a:solidFill>
-                  <a:schemeClr val="tx1"/>
-                </a:solidFill>
-                <a:latin typeface="黑体" panose="02010609060101010101" charset="-122"/>
-                <a:ea typeface="黑体" panose="02010609060101010101" charset="-122"/>
-                <a:cs typeface="黑体" panose="02010609060101010101" charset="-122"/>
-              </a:rPr>
-              <a:t>环境概述</a:t>
-            </a:r>
-            <a:endParaRPr lang="zh-CN" altLang="en-US" sz="2800" dirty="0">
-              <a:solidFill>
-                <a:schemeClr val="tx1"/>
-              </a:solidFill>
-              <a:latin typeface="黑体" panose="02010609060101010101" charset="-122"/>
-              <a:ea typeface="黑体" panose="02010609060101010101" charset="-122"/>
-              <a:cs typeface="黑体" panose="02010609060101010101" charset="-122"/>
-            </a:endParaRPr>
-          </a:p>
-        </p:txBody>
-      </p:sp>
-      <p:sp>
-        <p:nvSpPr>
-          <p:cNvPr id="6" name="文本框 5"/>
-          <p:cNvSpPr txBox="1"/>
-          <p:nvPr>
-            <p:custDataLst>
-              <p:tags r:id="rId7"/>
-            </p:custDataLst>
-          </p:nvPr>
-        </p:nvSpPr>
-        <p:spPr>
-          <a:xfrm>
-            <a:off x="819150" y="1268730"/>
-            <a:ext cx="7701280" cy="4387215"/>
-          </a:xfrm>
-          <a:prstGeom prst="rect">
-            <a:avLst/>
-          </a:prstGeom>
-          <a:noFill/>
-        </p:spPr>
-        <p:txBody>
-          <a:bodyPr wrap="square" lIns="76200" tIns="0" rIns="61912" bIns="0" rtlCol="0">
-            <a:noAutofit/>
-          </a:bodyPr>
-          <a:lstStyle>
-            <a:defPPr>
-              <a:defRPr lang="zh-CN"/>
-            </a:defPPr>
-            <a:lvl1pPr fontAlgn="auto">
-              <a:lnSpc>
-                <a:spcPct val="130000"/>
-              </a:lnSpc>
-              <a:spcAft>
-                <a:spcPts val="1000"/>
-              </a:spcAft>
-              <a:defRPr sz="1600" spc="150"/>
-            </a:lvl1pPr>
-          </a:lstStyle>
-          <a:p>
-            <a:pPr>
-              <a:buFont typeface="+mj-lt"/>
-            </a:pPr>
-            <a:r>
-              <a:rPr lang="zh-CN" sz="2000" dirty="0">
-                <a:latin typeface="黑体" panose="02010609060101010101" charset="-122"/>
-                <a:ea typeface="黑体" panose="02010609060101010101" charset="-122"/>
-                <a:cs typeface="黑体" panose="02010609060101010101" charset="-122"/>
-              </a:rPr>
-              <a:t>服务端：</a:t>
-            </a:r>
-            <a:endParaRPr lang="zh-CN" sz="2000" dirty="0">
-              <a:latin typeface="黑体" panose="02010609060101010101" charset="-122"/>
-              <a:ea typeface="黑体" panose="02010609060101010101" charset="-122"/>
-              <a:cs typeface="黑体" panose="02010609060101010101" charset="-122"/>
-            </a:endParaRPr>
-          </a:p>
-          <a:p>
-            <a:pPr>
-              <a:buFont typeface="+mj-lt"/>
-            </a:pPr>
-            <a:r>
-              <a:rPr lang="zh-CN" sz="2000" dirty="0">
-                <a:latin typeface="黑体" panose="02010609060101010101" charset="-122"/>
-                <a:ea typeface="黑体" panose="02010609060101010101" charset="-122"/>
-                <a:cs typeface="黑体" panose="02010609060101010101" charset="-122"/>
-              </a:rPr>
-              <a:t>操作系统：Microsoft Windows 10</a:t>
-            </a:r>
-            <a:endParaRPr lang="zh-CN" sz="2000" dirty="0">
-              <a:latin typeface="黑体" panose="02010609060101010101" charset="-122"/>
-              <a:ea typeface="黑体" panose="02010609060101010101" charset="-122"/>
-              <a:cs typeface="黑体" panose="02010609060101010101" charset="-122"/>
-            </a:endParaRPr>
-          </a:p>
-          <a:p>
-            <a:pPr>
-              <a:buFont typeface="+mj-lt"/>
-            </a:pPr>
-            <a:r>
-              <a:rPr lang="zh-CN" sz="2000" dirty="0">
-                <a:latin typeface="黑体" panose="02010609060101010101" charset="-122"/>
-                <a:ea typeface="黑体" panose="02010609060101010101" charset="-122"/>
-                <a:cs typeface="黑体" panose="02010609060101010101" charset="-122"/>
-              </a:rPr>
-              <a:t>数据库系统：MySQL5.0</a:t>
-            </a:r>
-            <a:endParaRPr lang="zh-CN" sz="2000" dirty="0">
-              <a:latin typeface="黑体" panose="02010609060101010101" charset="-122"/>
-              <a:ea typeface="黑体" panose="02010609060101010101" charset="-122"/>
-              <a:cs typeface="黑体" panose="02010609060101010101" charset="-122"/>
-            </a:endParaRPr>
-          </a:p>
-          <a:p>
-            <a:pPr>
-              <a:buFont typeface="+mj-lt"/>
-            </a:pPr>
-            <a:endParaRPr lang="zh-CN" sz="2000" dirty="0">
-              <a:latin typeface="黑体" panose="02010609060101010101" charset="-122"/>
-              <a:ea typeface="黑体" panose="02010609060101010101" charset="-122"/>
-              <a:cs typeface="黑体" panose="02010609060101010101" charset="-122"/>
-            </a:endParaRPr>
-          </a:p>
-          <a:p>
-            <a:pPr>
-              <a:buFont typeface="+mj-lt"/>
-            </a:pPr>
-            <a:r>
-              <a:rPr lang="zh-CN" sz="2000" dirty="0">
-                <a:latin typeface="黑体" panose="02010609060101010101" charset="-122"/>
-                <a:ea typeface="黑体" panose="02010609060101010101" charset="-122"/>
-                <a:cs typeface="黑体" panose="02010609060101010101" charset="-122"/>
-              </a:rPr>
-              <a:t>开发平台要求：</a:t>
-            </a:r>
-            <a:endParaRPr lang="zh-CN" sz="2000" dirty="0">
-              <a:latin typeface="黑体" panose="02010609060101010101" charset="-122"/>
-              <a:ea typeface="黑体" panose="02010609060101010101" charset="-122"/>
-              <a:cs typeface="黑体" panose="02010609060101010101" charset="-122"/>
-            </a:endParaRPr>
-          </a:p>
-          <a:p>
-            <a:pPr>
-              <a:buFont typeface="+mj-lt"/>
-            </a:pPr>
-            <a:r>
-              <a:rPr lang="zh-CN" sz="2000" dirty="0">
-                <a:latin typeface="黑体" panose="02010609060101010101" charset="-122"/>
-                <a:ea typeface="黑体" panose="02010609060101010101" charset="-122"/>
-                <a:cs typeface="黑体" panose="02010609060101010101" charset="-122"/>
-              </a:rPr>
-              <a:t>开发工具：Eclipse，Navicat8.0</a:t>
-            </a:r>
-            <a:endParaRPr lang="zh-CN" sz="2000" dirty="0">
-              <a:latin typeface="黑体" panose="02010609060101010101" charset="-122"/>
-              <a:ea typeface="黑体" panose="02010609060101010101" charset="-122"/>
-              <a:cs typeface="黑体" panose="02010609060101010101" charset="-122"/>
-            </a:endParaRPr>
-          </a:p>
-          <a:p>
-            <a:pPr>
-              <a:buFont typeface="+mj-lt"/>
-            </a:pPr>
-            <a:r>
-              <a:rPr lang="zh-CN" sz="2000" dirty="0">
-                <a:latin typeface="黑体" panose="02010609060101010101" charset="-122"/>
-                <a:ea typeface="黑体" panose="02010609060101010101" charset="-122"/>
-                <a:cs typeface="黑体" panose="02010609060101010101" charset="-122"/>
-              </a:rPr>
-              <a:t>客户端：</a:t>
-            </a:r>
-            <a:endParaRPr lang="zh-CN" sz="2000" dirty="0">
-              <a:latin typeface="黑体" panose="02010609060101010101" charset="-122"/>
-              <a:ea typeface="黑体" panose="02010609060101010101" charset="-122"/>
-              <a:cs typeface="黑体" panose="02010609060101010101" charset="-122"/>
-            </a:endParaRPr>
-          </a:p>
-          <a:p>
-            <a:pPr>
-              <a:buFont typeface="+mj-lt"/>
-            </a:pPr>
-            <a:r>
-              <a:rPr lang="zh-CN" sz="2000" dirty="0">
-                <a:latin typeface="黑体" panose="02010609060101010101" charset="-122"/>
-                <a:ea typeface="黑体" panose="02010609060101010101" charset="-122"/>
-                <a:cs typeface="黑体" panose="02010609060101010101" charset="-122"/>
-              </a:rPr>
-              <a:t>各种X86以上系列的PC机；能运行WINDOWS2003/2007及更高版本具体WIN32 API的操作系统。同时安装JRE运行环境，最终程序将运行在JRE上。</a:t>
-            </a:r>
-            <a:endParaRPr lang="zh-CN" sz="2000" dirty="0">
-              <a:latin typeface="黑体" panose="02010609060101010101" charset="-122"/>
-              <a:ea typeface="黑体" panose="02010609060101010101" charset="-122"/>
-              <a:cs typeface="黑体" panose="02010609060101010101" charset="-122"/>
-            </a:endParaRPr>
-          </a:p>
-        </p:txBody>
-      </p:sp>
-    </p:spTree>
-    <p:custDataLst>
-      <p:tags r:id="rId8"/>
-    </p:custDataLst>
-  </p:cSld>
-  <p:clrMapOvr>
-    <a:masterClrMapping/>
-  </p:clrMapOvr>
-  <mc:AlternateContent xmlns:mc="http://schemas.openxmlformats.org/markup-compatibility/2006">
-    <mc:Choice xmlns:p14="http://schemas.microsoft.com/office/powerpoint/2010/main" Requires="p14">
-      <p:transition p14:dur="500"/>
-    </mc:Choice>
-    <mc:Fallback>
-      <p:transition/>
-    </mc:Fallback>
-  </mc:AlternateContent>
-</p:sld>
-</file>
-
-<file path=ppt/slides/slide5.xml><?xml version="1.0" encoding="utf-8"?>
 <p:sld xmlns:a="http://schemas.openxmlformats.org/drawingml/2006/main" xmlns:r="http://schemas.openxmlformats.org/officeDocument/2006/relationships" xmlns:p="http://schemas.openxmlformats.org/presentationml/2006/main">
   <p:cSld>
     <p:spTree>
@@ -18246,7 +16038,7 @@
 </p:sld>
 </file>
 
-<file path=ppt/slides/slide6.xml><?xml version="1.0" encoding="utf-8"?>
+<file path=ppt/slides/slide5.xml><?xml version="1.0" encoding="utf-8"?>
 <p:sld xmlns:a="http://schemas.openxmlformats.org/drawingml/2006/main" xmlns:r="http://schemas.openxmlformats.org/officeDocument/2006/relationships" xmlns:p="http://schemas.openxmlformats.org/presentationml/2006/main">
   <p:cSld>
     <p:spTree>
@@ -19864,7 +17656,7 @@
 </p:sld>
 </file>
 
-<file path=ppt/slides/slide7.xml><?xml version="1.0" encoding="utf-8"?>
+<file path=ppt/slides/slide6.xml><?xml version="1.0" encoding="utf-8"?>
 <p:sld xmlns:a="http://schemas.openxmlformats.org/drawingml/2006/main" xmlns:r="http://schemas.openxmlformats.org/officeDocument/2006/relationships" xmlns:p="http://schemas.openxmlformats.org/presentationml/2006/main">
   <p:cSld>
     <p:spTree>
@@ -21422,7 +19214,6 @@
             </a:lvl1pPr>
           </a:lstStyle>
           <a:p>
-            <a:pPr/>
             <a:r>
               <a:rPr sz="1800" dirty="0">
                 <a:latin typeface="黑体" panose="02010609060101010101" charset="-122"/>
@@ -21530,7 +19321,7 @@
 </p:sld>
 </file>
 
-<file path=ppt/slides/slide8.xml><?xml version="1.0" encoding="utf-8"?>
+<file path=ppt/slides/slide7.xml><?xml version="1.0" encoding="utf-8"?>
 <p:sld xmlns:a="http://schemas.openxmlformats.org/drawingml/2006/main" xmlns:r="http://schemas.openxmlformats.org/officeDocument/2006/relationships" xmlns:p="http://schemas.openxmlformats.org/presentationml/2006/main">
   <p:cSld>
     <p:spTree>
@@ -23205,7 +20996,7 @@
 </p:sld>
 </file>
 
-<file path=ppt/slides/slide9.xml><?xml version="1.0" encoding="utf-8"?>
+<file path=ppt/slides/slide8.xml><?xml version="1.0" encoding="utf-8"?>
 <p:sld xmlns:a="http://schemas.openxmlformats.org/drawingml/2006/main" xmlns:r="http://schemas.openxmlformats.org/officeDocument/2006/relationships" xmlns:p="http://schemas.openxmlformats.org/presentationml/2006/main">
   <p:cSld>
     <p:spTree>
@@ -24053,7 +21844,7 @@
               <a:rPr lang="en-US" altLang="zh-CN">
                 <a:sym typeface="+mn-ea"/>
               </a:rPr>
-              <a:t>Wrod</a:t>
+              <a:t>Word</a:t>
             </a:r>
             <a:r>
               <a:rPr lang="en-US" altLang="zh-CN">
@@ -24091,7 +21882,7 @@
               <a:rPr lang="en-US" altLang="zh-CN">
                 <a:sym typeface="+mn-ea"/>
               </a:rPr>
-              <a:t>Wrod</a:t>
+              <a:t>Word</a:t>
             </a:r>
             <a:r>
               <a:rPr lang="en-US" altLang="zh-CN">
@@ -24116,6 +21907,477 @@
     </p:spTree>
     <p:custDataLst>
       <p:tags r:id="rId7"/>
+    </p:custDataLst>
+  </p:cSld>
+  <p:clrMapOvr>
+    <a:masterClrMapping/>
+  </p:clrMapOvr>
+  <p:transition/>
+</p:sld>
+</file>
+
+<file path=ppt/slides/slide9.xml><?xml version="1.0" encoding="utf-8"?>
+<p:sld xmlns:a="http://schemas.openxmlformats.org/drawingml/2006/main" xmlns:r="http://schemas.openxmlformats.org/officeDocument/2006/relationships" xmlns:p="http://schemas.openxmlformats.org/presentationml/2006/main">
+  <p:cSld>
+    <p:spTree>
+      <p:nvGrpSpPr>
+        <p:cNvPr id="1" name=""/>
+        <p:cNvGrpSpPr/>
+        <p:nvPr/>
+      </p:nvGrpSpPr>
+      <p:grpSpPr/>
+      <p:grpSp>
+        <p:nvGrpSpPr>
+          <p:cNvPr id="131073" name="组合 25"/>
+          <p:cNvGrpSpPr/>
+          <p:nvPr/>
+        </p:nvGrpSpPr>
+        <p:grpSpPr>
+          <a:xfrm>
+            <a:off x="684213" y="825500"/>
+            <a:ext cx="7775575" cy="5207000"/>
+            <a:chOff x="975533" y="0"/>
+            <a:chExt cx="10240934" cy="6858000"/>
+          </a:xfrm>
+        </p:grpSpPr>
+        <p:sp>
+          <p:nvSpPr>
+            <p:cNvPr id="23" name="任意多边形: 形状 22"/>
+            <p:cNvSpPr/>
+            <p:nvPr>
+              <p:custDataLst>
+                <p:tags r:id="rId1"/>
+              </p:custDataLst>
+            </p:nvPr>
+          </p:nvSpPr>
+          <p:spPr>
+            <a:xfrm>
+              <a:off x="2412733" y="0"/>
+              <a:ext cx="7366534" cy="6858000"/>
+            </a:xfrm>
+            <a:custGeom>
+              <a:avLst/>
+              <a:gdLst>
+                <a:gd name="connsiteX0" fmla="*/ 2338804 w 7366534"/>
+                <a:gd name="connsiteY0" fmla="*/ 0 h 6858000"/>
+                <a:gd name="connsiteX1" fmla="*/ 5027730 w 7366534"/>
+                <a:gd name="connsiteY1" fmla="*/ 0 h 6858000"/>
+                <a:gd name="connsiteX2" fmla="*/ 5116961 w 7366534"/>
+                <a:gd name="connsiteY2" fmla="*/ 35183 h 6858000"/>
+                <a:gd name="connsiteX3" fmla="*/ 7366534 w 7366534"/>
+                <a:gd name="connsiteY3" fmla="*/ 3429000 h 6858000"/>
+                <a:gd name="connsiteX4" fmla="*/ 5116961 w 7366534"/>
+                <a:gd name="connsiteY4" fmla="*/ 6822818 h 6858000"/>
+                <a:gd name="connsiteX5" fmla="*/ 5027731 w 7366534"/>
+                <a:gd name="connsiteY5" fmla="*/ 6858000 h 6858000"/>
+                <a:gd name="connsiteX6" fmla="*/ 2338804 w 7366534"/>
+                <a:gd name="connsiteY6" fmla="*/ 6858000 h 6858000"/>
+                <a:gd name="connsiteX7" fmla="*/ 2249574 w 7366534"/>
+                <a:gd name="connsiteY7" fmla="*/ 6822818 h 6858000"/>
+                <a:gd name="connsiteX8" fmla="*/ 0 w 7366534"/>
+                <a:gd name="connsiteY8" fmla="*/ 3429000 h 6858000"/>
+                <a:gd name="connsiteX9" fmla="*/ 2249574 w 7366534"/>
+                <a:gd name="connsiteY9" fmla="*/ 35183 h 6858000"/>
+              </a:gdLst>
+              <a:ahLst/>
+              <a:cxnLst>
+                <a:cxn ang="0">
+                  <a:pos x="connsiteX0" y="connsiteY0"/>
+                </a:cxn>
+                <a:cxn ang="0">
+                  <a:pos x="connsiteX1" y="connsiteY1"/>
+                </a:cxn>
+                <a:cxn ang="0">
+                  <a:pos x="connsiteX2" y="connsiteY2"/>
+                </a:cxn>
+                <a:cxn ang="0">
+                  <a:pos x="connsiteX3" y="connsiteY3"/>
+                </a:cxn>
+                <a:cxn ang="0">
+                  <a:pos x="connsiteX4" y="connsiteY4"/>
+                </a:cxn>
+                <a:cxn ang="0">
+                  <a:pos x="connsiteX5" y="connsiteY5"/>
+                </a:cxn>
+                <a:cxn ang="0">
+                  <a:pos x="connsiteX6" y="connsiteY6"/>
+                </a:cxn>
+                <a:cxn ang="0">
+                  <a:pos x="connsiteX7" y="connsiteY7"/>
+                </a:cxn>
+                <a:cxn ang="0">
+                  <a:pos x="connsiteX8" y="connsiteY8"/>
+                </a:cxn>
+                <a:cxn ang="0">
+                  <a:pos x="connsiteX9" y="connsiteY9"/>
+                </a:cxn>
+              </a:cxnLst>
+              <a:rect l="l" t="t" r="r" b="b"/>
+              <a:pathLst>
+                <a:path w="7366534" h="6858000">
+                  <a:moveTo>
+                    <a:pt x="2338804" y="0"/>
+                  </a:moveTo>
+                  <a:lnTo>
+                    <a:pt x="5027730" y="0"/>
+                  </a:lnTo>
+                  <a:lnTo>
+                    <a:pt x="5116961" y="35183"/>
+                  </a:lnTo>
+                  <a:cubicBezTo>
+                    <a:pt x="6438941" y="594333"/>
+                    <a:pt x="7366534" y="1903341"/>
+                    <a:pt x="7366534" y="3429000"/>
+                  </a:cubicBezTo>
+                  <a:cubicBezTo>
+                    <a:pt x="7366534" y="4954659"/>
+                    <a:pt x="6438941" y="6263667"/>
+                    <a:pt x="5116961" y="6822818"/>
+                  </a:cubicBezTo>
+                  <a:lnTo>
+                    <a:pt x="5027731" y="6858000"/>
+                  </a:lnTo>
+                  <a:lnTo>
+                    <a:pt x="2338804" y="6858000"/>
+                  </a:lnTo>
+                  <a:lnTo>
+                    <a:pt x="2249574" y="6822818"/>
+                  </a:lnTo>
+                  <a:cubicBezTo>
+                    <a:pt x="927594" y="6263667"/>
+                    <a:pt x="0" y="4954659"/>
+                    <a:pt x="0" y="3429000"/>
+                  </a:cubicBezTo>
+                  <a:cubicBezTo>
+                    <a:pt x="0" y="1903341"/>
+                    <a:pt x="927594" y="594333"/>
+                    <a:pt x="2249574" y="35183"/>
+                  </a:cubicBezTo>
+                  <a:close/>
+                </a:path>
+              </a:pathLst>
+            </a:custGeom>
+            <a:noFill/>
+            <a:ln>
+              <a:solidFill>
+                <a:sysClr val="window" lastClr="FFFFFF">
+                  <a:lumMod val="95000"/>
+                </a:sysClr>
+              </a:solidFill>
+            </a:ln>
+          </p:spPr>
+          <p:style>
+            <a:lnRef idx="2">
+              <a:srgbClr val="4472C4">
+                <a:shade val="50000"/>
+              </a:srgbClr>
+            </a:lnRef>
+            <a:fillRef idx="1">
+              <a:srgbClr val="4472C4"/>
+            </a:fillRef>
+            <a:effectRef idx="0">
+              <a:srgbClr val="4472C4"/>
+            </a:effectRef>
+            <a:fontRef idx="minor">
+              <a:sysClr val="window" lastClr="FFFFFF"/>
+            </a:fontRef>
+          </p:style>
+          <p:txBody>
+            <a:bodyPr rtlCol="0" anchor="ctr">
+              <a:normAutofit/>
+            </a:bodyPr>
+            <a:p>
+              <a:pPr algn="just" fontAlgn="base">
+                <a:lnSpc>
+                  <a:spcPct val="120000"/>
+                </a:lnSpc>
+              </a:pPr>
+              <a:endParaRPr lang="zh-CN" altLang="en-US" sz="1350" strike="noStrike" noProof="1" dirty="0">
+                <a:latin typeface="微软雅黑" panose="020B0503020204020204" charset="-122"/>
+                <a:ea typeface="微软雅黑" panose="020B0503020204020204" charset="-122"/>
+              </a:endParaRPr>
+            </a:p>
+          </p:txBody>
+        </p:sp>
+        <p:sp>
+          <p:nvSpPr>
+            <p:cNvPr id="25" name="任意多边形: 形状 24"/>
+            <p:cNvSpPr/>
+            <p:nvPr>
+              <p:custDataLst>
+                <p:tags r:id="rId2"/>
+              </p:custDataLst>
+            </p:nvPr>
+          </p:nvSpPr>
+          <p:spPr>
+            <a:xfrm>
+              <a:off x="975533" y="0"/>
+              <a:ext cx="10240934" cy="6858000"/>
+            </a:xfrm>
+            <a:custGeom>
+              <a:avLst/>
+              <a:gdLst>
+                <a:gd name="connsiteX0" fmla="*/ 1318176 w 10240934"/>
+                <a:gd name="connsiteY0" fmla="*/ 0 h 6858000"/>
+                <a:gd name="connsiteX1" fmla="*/ 8922758 w 10240934"/>
+                <a:gd name="connsiteY1" fmla="*/ 0 h 6858000"/>
+                <a:gd name="connsiteX2" fmla="*/ 9071668 w 10240934"/>
+                <a:gd name="connsiteY2" fmla="*/ 171908 h 6858000"/>
+                <a:gd name="connsiteX3" fmla="*/ 10240934 w 10240934"/>
+                <a:gd name="connsiteY3" fmla="*/ 3429000 h 6858000"/>
+                <a:gd name="connsiteX4" fmla="*/ 9071668 w 10240934"/>
+                <a:gd name="connsiteY4" fmla="*/ 6686093 h 6858000"/>
+                <a:gd name="connsiteX5" fmla="*/ 8922758 w 10240934"/>
+                <a:gd name="connsiteY5" fmla="*/ 6858000 h 6858000"/>
+                <a:gd name="connsiteX6" fmla="*/ 1318176 w 10240934"/>
+                <a:gd name="connsiteY6" fmla="*/ 6858000 h 6858000"/>
+                <a:gd name="connsiteX7" fmla="*/ 1169266 w 10240934"/>
+                <a:gd name="connsiteY7" fmla="*/ 6686093 h 6858000"/>
+                <a:gd name="connsiteX8" fmla="*/ 0 w 10240934"/>
+                <a:gd name="connsiteY8" fmla="*/ 3429000 h 6858000"/>
+                <a:gd name="connsiteX9" fmla="*/ 1169266 w 10240934"/>
+                <a:gd name="connsiteY9" fmla="*/ 171908 h 6858000"/>
+              </a:gdLst>
+              <a:ahLst/>
+              <a:cxnLst>
+                <a:cxn ang="0">
+                  <a:pos x="connsiteX0" y="connsiteY0"/>
+                </a:cxn>
+                <a:cxn ang="0">
+                  <a:pos x="connsiteX1" y="connsiteY1"/>
+                </a:cxn>
+                <a:cxn ang="0">
+                  <a:pos x="connsiteX2" y="connsiteY2"/>
+                </a:cxn>
+                <a:cxn ang="0">
+                  <a:pos x="connsiteX3" y="connsiteY3"/>
+                </a:cxn>
+                <a:cxn ang="0">
+                  <a:pos x="connsiteX4" y="connsiteY4"/>
+                </a:cxn>
+                <a:cxn ang="0">
+                  <a:pos x="connsiteX5" y="connsiteY5"/>
+                </a:cxn>
+                <a:cxn ang="0">
+                  <a:pos x="connsiteX6" y="connsiteY6"/>
+                </a:cxn>
+                <a:cxn ang="0">
+                  <a:pos x="connsiteX7" y="connsiteY7"/>
+                </a:cxn>
+                <a:cxn ang="0">
+                  <a:pos x="connsiteX8" y="connsiteY8"/>
+                </a:cxn>
+                <a:cxn ang="0">
+                  <a:pos x="connsiteX9" y="connsiteY9"/>
+                </a:cxn>
+              </a:cxnLst>
+              <a:rect l="l" t="t" r="r" b="b"/>
+              <a:pathLst>
+                <a:path w="10240934" h="6858000">
+                  <a:moveTo>
+                    <a:pt x="1318176" y="0"/>
+                  </a:moveTo>
+                  <a:lnTo>
+                    <a:pt x="8922758" y="0"/>
+                  </a:lnTo>
+                  <a:lnTo>
+                    <a:pt x="9071668" y="171908"/>
+                  </a:lnTo>
+                  <a:cubicBezTo>
+                    <a:pt x="9802133" y="1057026"/>
+                    <a:pt x="10240934" y="2191769"/>
+                    <a:pt x="10240934" y="3429000"/>
+                  </a:cubicBezTo>
+                  <a:cubicBezTo>
+                    <a:pt x="10240934" y="4666231"/>
+                    <a:pt x="9802133" y="5800974"/>
+                    <a:pt x="9071668" y="6686093"/>
+                  </a:cubicBezTo>
+                  <a:lnTo>
+                    <a:pt x="8922758" y="6858000"/>
+                  </a:lnTo>
+                  <a:lnTo>
+                    <a:pt x="1318176" y="6858000"/>
+                  </a:lnTo>
+                  <a:lnTo>
+                    <a:pt x="1169266" y="6686093"/>
+                  </a:lnTo>
+                  <a:cubicBezTo>
+                    <a:pt x="438801" y="5800974"/>
+                    <a:pt x="0" y="4666231"/>
+                    <a:pt x="0" y="3429000"/>
+                  </a:cubicBezTo>
+                  <a:cubicBezTo>
+                    <a:pt x="0" y="2191769"/>
+                    <a:pt x="438801" y="1057026"/>
+                    <a:pt x="1169266" y="171908"/>
+                  </a:cubicBezTo>
+                  <a:close/>
+                </a:path>
+              </a:pathLst>
+            </a:custGeom>
+            <a:noFill/>
+            <a:ln>
+              <a:solidFill>
+                <a:sysClr val="window" lastClr="FFFFFF">
+                  <a:lumMod val="95000"/>
+                </a:sysClr>
+              </a:solidFill>
+            </a:ln>
+          </p:spPr>
+          <p:style>
+            <a:lnRef idx="2">
+              <a:srgbClr val="4472C4">
+                <a:shade val="50000"/>
+              </a:srgbClr>
+            </a:lnRef>
+            <a:fillRef idx="1">
+              <a:srgbClr val="4472C4"/>
+            </a:fillRef>
+            <a:effectRef idx="0">
+              <a:srgbClr val="4472C4"/>
+            </a:effectRef>
+            <a:fontRef idx="minor">
+              <a:sysClr val="window" lastClr="FFFFFF"/>
+            </a:fontRef>
+          </p:style>
+          <p:txBody>
+            <a:bodyPr rtlCol="0" anchor="ctr">
+              <a:normAutofit/>
+            </a:bodyPr>
+            <a:p>
+              <a:pPr algn="just" fontAlgn="base">
+                <a:lnSpc>
+                  <a:spcPct val="120000"/>
+                </a:lnSpc>
+              </a:pPr>
+              <a:endParaRPr lang="zh-CN" altLang="en-US" sz="1350" strike="noStrike" noProof="1" dirty="0">
+                <a:latin typeface="微软雅黑" panose="020B0503020204020204" charset="-122"/>
+                <a:ea typeface="微软雅黑" panose="020B0503020204020204" charset="-122"/>
+              </a:endParaRPr>
+            </a:p>
+          </p:txBody>
+        </p:sp>
+      </p:grpSp>
+      <p:sp>
+        <p:nvSpPr>
+          <p:cNvPr id="5" name="椭圆 4"/>
+          <p:cNvSpPr/>
+          <p:nvPr>
+            <p:custDataLst>
+              <p:tags r:id="rId3"/>
+            </p:custDataLst>
+          </p:nvPr>
+        </p:nvSpPr>
+        <p:spPr>
+          <a:xfrm>
+            <a:off x="2809875" y="1666875"/>
+            <a:ext cx="3524250" cy="3524250"/>
+          </a:xfrm>
+          <a:prstGeom prst="ellipse">
+            <a:avLst/>
+          </a:prstGeom>
+          <a:noFill/>
+          <a:ln>
+            <a:solidFill>
+              <a:sysClr val="window" lastClr="FFFFFF">
+                <a:lumMod val="95000"/>
+              </a:sysClr>
+            </a:solidFill>
+          </a:ln>
+        </p:spPr>
+        <p:style>
+          <a:lnRef idx="2">
+            <a:srgbClr val="4472C4">
+              <a:shade val="50000"/>
+            </a:srgbClr>
+          </a:lnRef>
+          <a:fillRef idx="1">
+            <a:srgbClr val="4472C4"/>
+          </a:fillRef>
+          <a:effectRef idx="0">
+            <a:srgbClr val="4472C4"/>
+          </a:effectRef>
+          <a:fontRef idx="minor">
+            <a:sysClr val="window" lastClr="FFFFFF"/>
+          </a:fontRef>
+        </p:style>
+        <p:txBody>
+          <a:bodyPr rtlCol="0" anchor="ctr">
+            <a:normAutofit/>
+          </a:bodyPr>
+          <a:p>
+            <a:pPr algn="ctr" fontAlgn="base">
+              <a:lnSpc>
+                <a:spcPct val="120000"/>
+              </a:lnSpc>
+            </a:pPr>
+            <a:endParaRPr lang="zh-CN" altLang="en-US" sz="1350" strike="noStrike" noProof="1">
+              <a:latin typeface="微软雅黑" panose="020B0503020204020204" charset="-122"/>
+              <a:ea typeface="微软雅黑" panose="020B0503020204020204" charset="-122"/>
+            </a:endParaRPr>
+          </a:p>
+        </p:txBody>
+      </p:sp>
+      <p:sp>
+        <p:nvSpPr>
+          <p:cNvPr id="2" name="文本框 1"/>
+          <p:cNvSpPr txBox="1"/>
+          <p:nvPr/>
+        </p:nvSpPr>
+        <p:spPr>
+          <a:xfrm>
+            <a:off x="3779838" y="2997200"/>
+            <a:ext cx="2476500" cy="830263"/>
+          </a:xfrm>
+          <a:prstGeom prst="rect">
+            <a:avLst/>
+          </a:prstGeom>
+          <a:noFill/>
+        </p:spPr>
+        <p:txBody>
+          <a:bodyPr wrap="square" rtlCol="0" anchor="t">
+            <a:spAutoFit/>
+          </a:bodyPr>
+          <a:p>
+            <a:pPr>
+              <a:spcAft>
+                <a:spcPts val="800"/>
+              </a:spcAft>
+            </a:pPr>
+            <a:r>
+              <a:rPr lang="zh-CN" altLang="en-US" sz="4800" spc="300" noProof="1" dirty="0">
+                <a:solidFill>
+                  <a:schemeClr val="tx1">
+                    <a:lumMod val="85000"/>
+                    <a:lumOff val="15000"/>
+                  </a:schemeClr>
+                </a:solidFill>
+                <a:latin typeface="Arial" panose="020B0604020202020204" pitchFamily="34" charset="0"/>
+                <a:ea typeface="微软雅黑" panose="020B0503020204020204" charset="-122"/>
+                <a:cs typeface="微软雅黑" panose="020B0503020204020204" charset="-122"/>
+                <a:sym typeface="Arial" panose="020B0604020202020204" pitchFamily="34" charset="0"/>
+              </a:rPr>
+              <a:t>谢谢</a:t>
+            </a:r>
+            <a:endParaRPr lang="zh-CN" altLang="en-US" sz="4800" spc="300" noProof="1" dirty="0">
+              <a:solidFill>
+                <a:schemeClr val="tx1">
+                  <a:lumMod val="85000"/>
+                  <a:lumOff val="15000"/>
+                </a:schemeClr>
+              </a:solidFill>
+              <a:latin typeface="Arial" panose="020B0604020202020204" pitchFamily="34" charset="0"/>
+              <a:ea typeface="微软雅黑" panose="020B0503020204020204" charset="-122"/>
+              <a:cs typeface="微软雅黑" panose="020B0503020204020204" charset="-122"/>
+              <a:sym typeface="Arial" panose="020B0604020202020204" pitchFamily="34" charset="0"/>
+            </a:endParaRPr>
+          </a:p>
+        </p:txBody>
+      </p:sp>
+    </p:spTree>
+    <p:custDataLst>
+      <p:tags r:id="rId4"/>
     </p:custDataLst>
   </p:cSld>
   <p:clrMapOvr>
@@ -24576,6 +22838,33 @@
 
 <file path=ppt/tags/tag27.xml><?xml version="1.0" encoding="utf-8"?>
 <p:tagLst xmlns:p="http://schemas.openxmlformats.org/presentationml/2006/main">
+  <p:tag name="KSO_WM_UNIT_TEXT_PART_ID" val="4-b"/>
+  <p:tag name="KSO_WM_UNIT_TEXT_PART_SIZE" val="84.88*854.5"/>
+  <p:tag name="KSO_WM_UNIT_VALUE" val="156"/>
+  <p:tag name="KSO_WM_UNIT_HIGHLIGHT" val="0"/>
+  <p:tag name="KSO_WM_UNIT_COMPATIBLE" val="0"/>
+  <p:tag name="KSO_WM_UNIT_DIAGRAM_ISNUMVISUAL" val="0"/>
+  <p:tag name="KSO_WM_UNIT_DIAGRAM_ISREFERUNIT" val="0"/>
+  <p:tag name="KSO_WM_UNIT_ID" val="diagram20194877_1*h_f*1_1"/>
+  <p:tag name="KSO_WM_TEMPLATE_CATEGORY" val="diagram"/>
+  <p:tag name="KSO_WM_TEMPLATE_INDEX" val="20194877"/>
+  <p:tag name="KSO_WM_UNIT_LAYERLEVEL" val="1_1"/>
+  <p:tag name="KSO_WM_TAG_VERSION" val="1.0"/>
+  <p:tag name="KSO_WM_BEAUTIFY_FLAG" val="#wm#"/>
+  <p:tag name="KSO_WM_UNIT_PRESET_TEXT" val="点击此处添加正文，文字是您思想的提炼，为了最终呈现发布的良好效果，请尽量言简意赅的阐述观点；根据需要可酌情增减文字，以便观者可以准确理解您所传达的信息。即便信息错综复杂，需要用更多的文字来表述，也请您尽可能提炼思想的精髓，恰如其分的表达观点，往往事半功倍。"/>
+  <p:tag name="KSO_WM_UNIT_TYPE" val="h_f"/>
+  <p:tag name="KSO_WM_UNIT_INDEX" val="1_1"/>
+  <p:tag name="KSO_WM_UNIT_NOCLEAR" val="0"/>
+  <p:tag name="KSO_WM_DIAGRAM_GROUP_CODE" val="ζ1-1"/>
+  <p:tag name="KSO_WM_UNIT_TEXT_PART_ID_V2" val="d-4-1"/>
+  <p:tag name="KSO_WM_UNIT_TEXT_FILL_FORE_SCHEMECOLOR_INDEX" val="13"/>
+  <p:tag name="KSO_WM_UNIT_TEXT_FILL_TYPE" val="1"/>
+  <p:tag name="KSO_WM_UNIT_USESOURCEFORMAT_APPLY" val="1"/>
+</p:tagLst>
+</file>
+
+<file path=ppt/tags/tag28.xml><?xml version="1.0" encoding="utf-8"?>
+<p:tagLst xmlns:p="http://schemas.openxmlformats.org/presentationml/2006/main">
   <p:tag name="KSO_WM_UNIT_HIGHLIGHT" val="0"/>
   <p:tag name="KSO_WM_UNIT_COMPATIBLE" val="0"/>
   <p:tag name="KSO_WM_UNIT_DIAGRAM_ISNUMVISUAL" val="0"/>
@@ -24597,7 +22886,7 @@
 </p:tagLst>
 </file>
 
-<file path=ppt/tags/tag28.xml><?xml version="1.0" encoding="utf-8"?>
+<file path=ppt/tags/tag29.xml><?xml version="1.0" encoding="utf-8"?>
 <p:tagLst xmlns:p="http://schemas.openxmlformats.org/presentationml/2006/main">
   <p:tag name="KSO_WM_UNIT_HIGHLIGHT" val="0"/>
   <p:tag name="KSO_WM_UNIT_COMPATIBLE" val="0"/>
@@ -24607,29 +22896,6 @@
   <p:tag name="KSO_WM_UNIT_TYPE" val="i"/>
   <p:tag name="KSO_WM_UNIT_INDEX" val="7"/>
   <p:tag name="KSO_WM_UNIT_ID" val="diagram20194877_1*i*7"/>
-  <p:tag name="KSO_WM_TEMPLATE_CATEGORY" val="diagram"/>
-  <p:tag name="KSO_WM_TEMPLATE_INDEX" val="20194877"/>
-  <p:tag name="KSO_WM_UNIT_LAYERLEVEL" val="1"/>
-  <p:tag name="KSO_WM_TAG_VERSION" val="1.0"/>
-  <p:tag name="KSO_WM_BEAUTIFY_FLAG" val="#wm#"/>
-  <p:tag name="KSO_WM_UNIT_FILL_FORE_SCHEMECOLOR_INDEX" val="14"/>
-  <p:tag name="KSO_WM_UNIT_FILL_TYPE" val="1"/>
-  <p:tag name="KSO_WM_UNIT_TEXT_FILL_FORE_SCHEMECOLOR_INDEX" val="2"/>
-  <p:tag name="KSO_WM_UNIT_TEXT_FILL_TYPE" val="1"/>
-  <p:tag name="KSO_WM_UNIT_USESOURCEFORMAT_APPLY" val="1"/>
-</p:tagLst>
-</file>
-
-<file path=ppt/tags/tag29.xml><?xml version="1.0" encoding="utf-8"?>
-<p:tagLst xmlns:p="http://schemas.openxmlformats.org/presentationml/2006/main">
-  <p:tag name="KSO_WM_UNIT_HIGHLIGHT" val="0"/>
-  <p:tag name="KSO_WM_UNIT_COMPATIBLE" val="0"/>
-  <p:tag name="KSO_WM_UNIT_DIAGRAM_ISNUMVISUAL" val="0"/>
-  <p:tag name="KSO_WM_UNIT_DIAGRAM_ISREFERUNIT" val="0"/>
-  <p:tag name="KSO_WM_DIAGRAM_GROUP_CODE" val="ζ1-1"/>
-  <p:tag name="KSO_WM_UNIT_TYPE" val="i"/>
-  <p:tag name="KSO_WM_UNIT_INDEX" val="8"/>
-  <p:tag name="KSO_WM_UNIT_ID" val="diagram20194877_1*i*8"/>
   <p:tag name="KSO_WM_TEMPLATE_CATEGORY" val="diagram"/>
   <p:tag name="KSO_WM_TEMPLATE_INDEX" val="20194877"/>
   <p:tag name="KSO_WM_UNIT_LAYERLEVEL" val="1"/>
@@ -24668,26 +22934,22 @@
 
 <file path=ppt/tags/tag30.xml><?xml version="1.0" encoding="utf-8"?>
 <p:tagLst xmlns:p="http://schemas.openxmlformats.org/presentationml/2006/main">
-  <p:tag name="KSO_WM_UNIT_TEXT_PART_ID" val="4-b"/>
-  <p:tag name="KSO_WM_UNIT_TEXT_PART_SIZE" val="84.88*854.5"/>
-  <p:tag name="KSO_WM_UNIT_VALUE" val="156"/>
   <p:tag name="KSO_WM_UNIT_HIGHLIGHT" val="0"/>
   <p:tag name="KSO_WM_UNIT_COMPATIBLE" val="0"/>
   <p:tag name="KSO_WM_UNIT_DIAGRAM_ISNUMVISUAL" val="0"/>
   <p:tag name="KSO_WM_UNIT_DIAGRAM_ISREFERUNIT" val="0"/>
-  <p:tag name="KSO_WM_UNIT_ID" val="diagram20194877_1*h_f*1_1"/>
+  <p:tag name="KSO_WM_DIAGRAM_GROUP_CODE" val="ζ1-1"/>
+  <p:tag name="KSO_WM_UNIT_TYPE" val="i"/>
+  <p:tag name="KSO_WM_UNIT_INDEX" val="8"/>
+  <p:tag name="KSO_WM_UNIT_ID" val="diagram20194877_1*i*8"/>
   <p:tag name="KSO_WM_TEMPLATE_CATEGORY" val="diagram"/>
   <p:tag name="KSO_WM_TEMPLATE_INDEX" val="20194877"/>
-  <p:tag name="KSO_WM_UNIT_LAYERLEVEL" val="1_1"/>
+  <p:tag name="KSO_WM_UNIT_LAYERLEVEL" val="1"/>
   <p:tag name="KSO_WM_TAG_VERSION" val="1.0"/>
   <p:tag name="KSO_WM_BEAUTIFY_FLAG" val="#wm#"/>
-  <p:tag name="KSO_WM_UNIT_PRESET_TEXT" val="点击此处添加正文，文字是您思想的提炼，为了最终呈现发布的良好效果，请尽量言简意赅的阐述观点；根据需要可酌情增减文字，以便观者可以准确理解您所传达的信息。即便信息错综复杂，需要用更多的文字来表述，也请您尽可能提炼思想的精髓，恰如其分的表达观点，往往事半功倍。"/>
-  <p:tag name="KSO_WM_UNIT_TYPE" val="h_f"/>
-  <p:tag name="KSO_WM_UNIT_INDEX" val="1_1"/>
-  <p:tag name="KSO_WM_UNIT_NOCLEAR" val="0"/>
-  <p:tag name="KSO_WM_DIAGRAM_GROUP_CODE" val="ζ1-1"/>
-  <p:tag name="KSO_WM_UNIT_TEXT_PART_ID_V2" val="d-4-1"/>
-  <p:tag name="KSO_WM_UNIT_TEXT_FILL_FORE_SCHEMECOLOR_INDEX" val="13"/>
+  <p:tag name="KSO_WM_UNIT_FILL_FORE_SCHEMECOLOR_INDEX" val="14"/>
+  <p:tag name="KSO_WM_UNIT_FILL_TYPE" val="1"/>
+  <p:tag name="KSO_WM_UNIT_TEXT_FILL_FORE_SCHEMECOLOR_INDEX" val="2"/>
   <p:tag name="KSO_WM_UNIT_TEXT_FILL_TYPE" val="1"/>
   <p:tag name="KSO_WM_UNIT_USESOURCEFORMAT_APPLY" val="1"/>
 </p:tagLst>
@@ -24695,28 +22957,7 @@
 
 <file path=ppt/tags/tag31.xml><?xml version="1.0" encoding="utf-8"?>
 <p:tagLst xmlns:p="http://schemas.openxmlformats.org/presentationml/2006/main">
-  <p:tag name="KSO_WM_UNIT_TEXT_PART_ID" val="4-b"/>
-  <p:tag name="KSO_WM_UNIT_TEXT_PART_SIZE" val="84.88*854.5"/>
-  <p:tag name="KSO_WM_UNIT_VALUE" val="156"/>
-  <p:tag name="KSO_WM_UNIT_HIGHLIGHT" val="0"/>
-  <p:tag name="KSO_WM_UNIT_COMPATIBLE" val="0"/>
-  <p:tag name="KSO_WM_UNIT_DIAGRAM_ISNUMVISUAL" val="0"/>
-  <p:tag name="KSO_WM_UNIT_DIAGRAM_ISREFERUNIT" val="0"/>
-  <p:tag name="KSO_WM_UNIT_ID" val="diagram20194877_1*h_f*1_1"/>
-  <p:tag name="KSO_WM_TEMPLATE_CATEGORY" val="diagram"/>
-  <p:tag name="KSO_WM_TEMPLATE_INDEX" val="20194877"/>
-  <p:tag name="KSO_WM_UNIT_LAYERLEVEL" val="1_1"/>
-  <p:tag name="KSO_WM_TAG_VERSION" val="1.0"/>
-  <p:tag name="KSO_WM_BEAUTIFY_FLAG" val="#wm#"/>
-  <p:tag name="KSO_WM_UNIT_PRESET_TEXT" val="点击此处添加正文，文字是您思想的提炼，为了最终呈现发布的良好效果，请尽量言简意赅的阐述观点；根据需要可酌情增减文字，以便观者可以准确理解您所传达的信息。即便信息错综复杂，需要用更多的文字来表述，也请您尽可能提炼思想的精髓，恰如其分的表达观点，往往事半功倍。"/>
-  <p:tag name="KSO_WM_UNIT_TYPE" val="h_f"/>
-  <p:tag name="KSO_WM_UNIT_INDEX" val="1_1"/>
-  <p:tag name="KSO_WM_UNIT_NOCLEAR" val="0"/>
-  <p:tag name="KSO_WM_DIAGRAM_GROUP_CODE" val="ζ1-1"/>
-  <p:tag name="KSO_WM_UNIT_TEXT_PART_ID_V2" val="d-4-1"/>
-  <p:tag name="KSO_WM_UNIT_TEXT_FILL_FORE_SCHEMECOLOR_INDEX" val="13"/>
-  <p:tag name="KSO_WM_UNIT_TEXT_FILL_TYPE" val="1"/>
-  <p:tag name="KSO_WM_UNIT_USESOURCEFORMAT_APPLY" val="1"/>
+  <p:tag name="KSO_WM_UNIT_PLACING_PICTURE_USER_VIEWPORT" val="{&quot;height&quot;:4909,&quot;width&quot;:7815}"/>
 </p:tagLst>
 </file>
 
@@ -24789,6 +23030,29 @@
 
 <file path=ppt/tags/tag35.xml><?xml version="1.0" encoding="utf-8"?>
 <p:tagLst xmlns:p="http://schemas.openxmlformats.org/presentationml/2006/main">
+  <p:tag name="KSO_WM_UNIT_HIGHLIGHT" val="0"/>
+  <p:tag name="KSO_WM_UNIT_COMPATIBLE" val="0"/>
+  <p:tag name="KSO_WM_UNIT_DIAGRAM_ISNUMVISUAL" val="0"/>
+  <p:tag name="KSO_WM_UNIT_DIAGRAM_ISREFERUNIT" val="0"/>
+  <p:tag name="KSO_WM_DIAGRAM_GROUP_CODE" val="ζ1-1"/>
+  <p:tag name="KSO_WM_UNIT_TYPE" val="i"/>
+  <p:tag name="KSO_WM_UNIT_INDEX" val="4"/>
+  <p:tag name="KSO_WM_UNIT_ID" val="diagram20194877_1*i*4"/>
+  <p:tag name="KSO_WM_TEMPLATE_CATEGORY" val="diagram"/>
+  <p:tag name="KSO_WM_TEMPLATE_INDEX" val="20194877"/>
+  <p:tag name="KSO_WM_UNIT_LAYERLEVEL" val="1"/>
+  <p:tag name="KSO_WM_TAG_VERSION" val="1.0"/>
+  <p:tag name="KSO_WM_BEAUTIFY_FLAG" val="#wm#"/>
+  <p:tag name="KSO_WM_UNIT_FILL_FORE_SCHEMECOLOR_INDEX" val="14"/>
+  <p:tag name="KSO_WM_UNIT_FILL_TYPE" val="1"/>
+  <p:tag name="KSO_WM_UNIT_TEXT_FILL_FORE_SCHEMECOLOR_INDEX" val="14"/>
+  <p:tag name="KSO_WM_UNIT_TEXT_FILL_TYPE" val="1"/>
+  <p:tag name="KSO_WM_UNIT_USESOURCEFORMAT_APPLY" val="1"/>
+</p:tagLst>
+</file>
+
+<file path=ppt/tags/tag36.xml><?xml version="1.0" encoding="utf-8"?>
+<p:tagLst xmlns:p="http://schemas.openxmlformats.org/presentationml/2006/main">
   <p:tag name="KSO_WM_UNIT_TEXT_PART_ID" val="4-b"/>
   <p:tag name="KSO_WM_UNIT_TEXT_PART_SIZE" val="84.88*854.5"/>
   <p:tag name="KSO_WM_UNIT_VALUE" val="156"/>
@@ -24814,7 +23078,7 @@
 </p:tagLst>
 </file>
 
-<file path=ppt/tags/tag36.xml><?xml version="1.0" encoding="utf-8"?>
+<file path=ppt/tags/tag37.xml><?xml version="1.0" encoding="utf-8"?>
 <p:tagLst xmlns:p="http://schemas.openxmlformats.org/presentationml/2006/main">
   <p:tag name="KSO_WM_UNIT_HIGHLIGHT" val="0"/>
   <p:tag name="KSO_WM_UNIT_COMPATIBLE" val="0"/>
@@ -24837,7 +23101,7 @@
 </p:tagLst>
 </file>
 
-<file path=ppt/tags/tag37.xml><?xml version="1.0" encoding="utf-8"?>
+<file path=ppt/tags/tag38.xml><?xml version="1.0" encoding="utf-8"?>
 <p:tagLst xmlns:p="http://schemas.openxmlformats.org/presentationml/2006/main">
   <p:tag name="KSO_WM_UNIT_HIGHLIGHT" val="0"/>
   <p:tag name="KSO_WM_UNIT_COMPATIBLE" val="0"/>
@@ -24860,7 +23124,7 @@
 </p:tagLst>
 </file>
 
-<file path=ppt/tags/tag38.xml><?xml version="1.0" encoding="utf-8"?>
+<file path=ppt/tags/tag39.xml><?xml version="1.0" encoding="utf-8"?>
 <p:tagLst xmlns:p="http://schemas.openxmlformats.org/presentationml/2006/main">
   <p:tag name="KSO_WM_UNIT_HIGHLIGHT" val="0"/>
   <p:tag name="KSO_WM_UNIT_COMPATIBLE" val="0"/>
@@ -24880,12 +23144,6 @@
   <p:tag name="KSO_WM_UNIT_TEXT_FILL_FORE_SCHEMECOLOR_INDEX" val="2"/>
   <p:tag name="KSO_WM_UNIT_TEXT_FILL_TYPE" val="1"/>
   <p:tag name="KSO_WM_UNIT_USESOURCEFORMAT_APPLY" val="1"/>
-</p:tagLst>
-</file>
-
-<file path=ppt/tags/tag39.xml><?xml version="1.0" encoding="utf-8"?>
-<p:tagLst xmlns:p="http://schemas.openxmlformats.org/presentationml/2006/main">
-  <p:tag name="KSO_WM_UNIT_PLACING_PICTURE_USER_VIEWPORT" val="{&quot;height&quot;:4909,&quot;width&quot;:7815}"/>
 </p:tagLst>
 </file>
 
@@ -24991,8 +23249,8 @@
   <p:tag name="KSO_WM_UNIT_DIAGRAM_ISREFERUNIT" val="0"/>
   <p:tag name="KSO_WM_DIAGRAM_GROUP_CODE" val="ζ1-1"/>
   <p:tag name="KSO_WM_UNIT_TYPE" val="i"/>
-  <p:tag name="KSO_WM_UNIT_INDEX" val="4"/>
-  <p:tag name="KSO_WM_UNIT_ID" val="diagram20194877_1*i*4"/>
+  <p:tag name="KSO_WM_UNIT_INDEX" val="6"/>
+  <p:tag name="KSO_WM_UNIT_ID" val="diagram20194877_1*i*6"/>
   <p:tag name="KSO_WM_TEMPLATE_CATEGORY" val="diagram"/>
   <p:tag name="KSO_WM_TEMPLATE_INDEX" val="20194877"/>
   <p:tag name="KSO_WM_UNIT_LAYERLEVEL" val="1"/>
@@ -25000,13 +23258,59 @@
   <p:tag name="KSO_WM_BEAUTIFY_FLAG" val="#wm#"/>
   <p:tag name="KSO_WM_UNIT_FILL_FORE_SCHEMECOLOR_INDEX" val="14"/>
   <p:tag name="KSO_WM_UNIT_FILL_TYPE" val="1"/>
-  <p:tag name="KSO_WM_UNIT_TEXT_FILL_FORE_SCHEMECOLOR_INDEX" val="14"/>
+  <p:tag name="KSO_WM_UNIT_TEXT_FILL_FORE_SCHEMECOLOR_INDEX" val="2"/>
   <p:tag name="KSO_WM_UNIT_TEXT_FILL_TYPE" val="1"/>
   <p:tag name="KSO_WM_UNIT_USESOURCEFORMAT_APPLY" val="1"/>
 </p:tagLst>
 </file>
 
 <file path=ppt/tags/tag44.xml><?xml version="1.0" encoding="utf-8"?>
+<p:tagLst xmlns:p="http://schemas.openxmlformats.org/presentationml/2006/main">
+  <p:tag name="KSO_WM_UNIT_HIGHLIGHT" val="0"/>
+  <p:tag name="KSO_WM_UNIT_COMPATIBLE" val="0"/>
+  <p:tag name="KSO_WM_UNIT_DIAGRAM_ISNUMVISUAL" val="0"/>
+  <p:tag name="KSO_WM_UNIT_DIAGRAM_ISREFERUNIT" val="0"/>
+  <p:tag name="KSO_WM_DIAGRAM_GROUP_CODE" val="ζ1-1"/>
+  <p:tag name="KSO_WM_UNIT_TYPE" val="i"/>
+  <p:tag name="KSO_WM_UNIT_INDEX" val="7"/>
+  <p:tag name="KSO_WM_UNIT_ID" val="diagram20194877_1*i*7"/>
+  <p:tag name="KSO_WM_TEMPLATE_CATEGORY" val="diagram"/>
+  <p:tag name="KSO_WM_TEMPLATE_INDEX" val="20194877"/>
+  <p:tag name="KSO_WM_UNIT_LAYERLEVEL" val="1"/>
+  <p:tag name="KSO_WM_TAG_VERSION" val="1.0"/>
+  <p:tag name="KSO_WM_BEAUTIFY_FLAG" val="#wm#"/>
+  <p:tag name="KSO_WM_UNIT_FILL_FORE_SCHEMECOLOR_INDEX" val="14"/>
+  <p:tag name="KSO_WM_UNIT_FILL_TYPE" val="1"/>
+  <p:tag name="KSO_WM_UNIT_TEXT_FILL_FORE_SCHEMECOLOR_INDEX" val="2"/>
+  <p:tag name="KSO_WM_UNIT_TEXT_FILL_TYPE" val="1"/>
+  <p:tag name="KSO_WM_UNIT_USESOURCEFORMAT_APPLY" val="1"/>
+</p:tagLst>
+</file>
+
+<file path=ppt/tags/tag45.xml><?xml version="1.0" encoding="utf-8"?>
+<p:tagLst xmlns:p="http://schemas.openxmlformats.org/presentationml/2006/main">
+  <p:tag name="KSO_WM_UNIT_HIGHLIGHT" val="0"/>
+  <p:tag name="KSO_WM_UNIT_COMPATIBLE" val="0"/>
+  <p:tag name="KSO_WM_UNIT_DIAGRAM_ISNUMVISUAL" val="0"/>
+  <p:tag name="KSO_WM_UNIT_DIAGRAM_ISREFERUNIT" val="0"/>
+  <p:tag name="KSO_WM_DIAGRAM_GROUP_CODE" val="ζ1-1"/>
+  <p:tag name="KSO_WM_UNIT_TYPE" val="i"/>
+  <p:tag name="KSO_WM_UNIT_INDEX" val="8"/>
+  <p:tag name="KSO_WM_UNIT_ID" val="diagram20194877_1*i*8"/>
+  <p:tag name="KSO_WM_TEMPLATE_CATEGORY" val="diagram"/>
+  <p:tag name="KSO_WM_TEMPLATE_INDEX" val="20194877"/>
+  <p:tag name="KSO_WM_UNIT_LAYERLEVEL" val="1"/>
+  <p:tag name="KSO_WM_TAG_VERSION" val="1.0"/>
+  <p:tag name="KSO_WM_BEAUTIFY_FLAG" val="#wm#"/>
+  <p:tag name="KSO_WM_UNIT_FILL_FORE_SCHEMECOLOR_INDEX" val="14"/>
+  <p:tag name="KSO_WM_UNIT_FILL_TYPE" val="1"/>
+  <p:tag name="KSO_WM_UNIT_TEXT_FILL_FORE_SCHEMECOLOR_INDEX" val="2"/>
+  <p:tag name="KSO_WM_UNIT_TEXT_FILL_TYPE" val="1"/>
+  <p:tag name="KSO_WM_UNIT_USESOURCEFORMAT_APPLY" val="1"/>
+</p:tagLst>
+</file>
+
+<file path=ppt/tags/tag46.xml><?xml version="1.0" encoding="utf-8"?>
 <p:tagLst xmlns:p="http://schemas.openxmlformats.org/presentationml/2006/main">
   <p:tag name="KSO_WM_UNIT_TEXT_PART_ID" val="4-b"/>
   <p:tag name="KSO_WM_UNIT_TEXT_PART_SIZE" val="84.88*854.5"/>
@@ -25033,70 +23337,28 @@
 </p:tagLst>
 </file>
 
-<file path=ppt/tags/tag45.xml><?xml version="1.0" encoding="utf-8"?>
+<file path=ppt/tags/tag47.xml><?xml version="1.0" encoding="utf-8"?>
 <p:tagLst xmlns:p="http://schemas.openxmlformats.org/presentationml/2006/main">
+  <p:tag name="KSO_WM_UNIT_TEXT_PART_ID" val="4-b"/>
+  <p:tag name="KSO_WM_UNIT_TEXT_PART_SIZE" val="84.88*854.5"/>
+  <p:tag name="KSO_WM_UNIT_VALUE" val="156"/>
   <p:tag name="KSO_WM_UNIT_HIGHLIGHT" val="0"/>
   <p:tag name="KSO_WM_UNIT_COMPATIBLE" val="0"/>
   <p:tag name="KSO_WM_UNIT_DIAGRAM_ISNUMVISUAL" val="0"/>
   <p:tag name="KSO_WM_UNIT_DIAGRAM_ISREFERUNIT" val="0"/>
-  <p:tag name="KSO_WM_DIAGRAM_GROUP_CODE" val="ζ1-1"/>
-  <p:tag name="KSO_WM_UNIT_TYPE" val="i"/>
-  <p:tag name="KSO_WM_UNIT_INDEX" val="6"/>
-  <p:tag name="KSO_WM_UNIT_ID" val="diagram20194877_1*i*6"/>
+  <p:tag name="KSO_WM_UNIT_ID" val="diagram20194877_1*h_f*1_1"/>
   <p:tag name="KSO_WM_TEMPLATE_CATEGORY" val="diagram"/>
   <p:tag name="KSO_WM_TEMPLATE_INDEX" val="20194877"/>
-  <p:tag name="KSO_WM_UNIT_LAYERLEVEL" val="1"/>
+  <p:tag name="KSO_WM_UNIT_LAYERLEVEL" val="1_1"/>
   <p:tag name="KSO_WM_TAG_VERSION" val="1.0"/>
   <p:tag name="KSO_WM_BEAUTIFY_FLAG" val="#wm#"/>
-  <p:tag name="KSO_WM_UNIT_FILL_FORE_SCHEMECOLOR_INDEX" val="14"/>
-  <p:tag name="KSO_WM_UNIT_FILL_TYPE" val="1"/>
-  <p:tag name="KSO_WM_UNIT_TEXT_FILL_FORE_SCHEMECOLOR_INDEX" val="2"/>
-  <p:tag name="KSO_WM_UNIT_TEXT_FILL_TYPE" val="1"/>
-  <p:tag name="KSO_WM_UNIT_USESOURCEFORMAT_APPLY" val="1"/>
-</p:tagLst>
-</file>
-
-<file path=ppt/tags/tag46.xml><?xml version="1.0" encoding="utf-8"?>
-<p:tagLst xmlns:p="http://schemas.openxmlformats.org/presentationml/2006/main">
-  <p:tag name="KSO_WM_UNIT_HIGHLIGHT" val="0"/>
-  <p:tag name="KSO_WM_UNIT_COMPATIBLE" val="0"/>
-  <p:tag name="KSO_WM_UNIT_DIAGRAM_ISNUMVISUAL" val="0"/>
-  <p:tag name="KSO_WM_UNIT_DIAGRAM_ISREFERUNIT" val="0"/>
+  <p:tag name="KSO_WM_UNIT_PRESET_TEXT" val="点击此处添加正文，文字是您思想的提炼，为了最终呈现发布的良好效果，请尽量言简意赅的阐述观点；根据需要可酌情增减文字，以便观者可以准确理解您所传达的信息。即便信息错综复杂，需要用更多的文字来表述，也请您尽可能提炼思想的精髓，恰如其分的表达观点，往往事半功倍。"/>
+  <p:tag name="KSO_WM_UNIT_TYPE" val="h_f"/>
+  <p:tag name="KSO_WM_UNIT_INDEX" val="1_1"/>
+  <p:tag name="KSO_WM_UNIT_NOCLEAR" val="0"/>
   <p:tag name="KSO_WM_DIAGRAM_GROUP_CODE" val="ζ1-1"/>
-  <p:tag name="KSO_WM_UNIT_TYPE" val="i"/>
-  <p:tag name="KSO_WM_UNIT_INDEX" val="7"/>
-  <p:tag name="KSO_WM_UNIT_ID" val="diagram20194877_1*i*7"/>
-  <p:tag name="KSO_WM_TEMPLATE_CATEGORY" val="diagram"/>
-  <p:tag name="KSO_WM_TEMPLATE_INDEX" val="20194877"/>
-  <p:tag name="KSO_WM_UNIT_LAYERLEVEL" val="1"/>
-  <p:tag name="KSO_WM_TAG_VERSION" val="1.0"/>
-  <p:tag name="KSO_WM_BEAUTIFY_FLAG" val="#wm#"/>
-  <p:tag name="KSO_WM_UNIT_FILL_FORE_SCHEMECOLOR_INDEX" val="14"/>
-  <p:tag name="KSO_WM_UNIT_FILL_TYPE" val="1"/>
-  <p:tag name="KSO_WM_UNIT_TEXT_FILL_FORE_SCHEMECOLOR_INDEX" val="2"/>
-  <p:tag name="KSO_WM_UNIT_TEXT_FILL_TYPE" val="1"/>
-  <p:tag name="KSO_WM_UNIT_USESOURCEFORMAT_APPLY" val="1"/>
-</p:tagLst>
-</file>
-
-<file path=ppt/tags/tag47.xml><?xml version="1.0" encoding="utf-8"?>
-<p:tagLst xmlns:p="http://schemas.openxmlformats.org/presentationml/2006/main">
-  <p:tag name="KSO_WM_UNIT_HIGHLIGHT" val="0"/>
-  <p:tag name="KSO_WM_UNIT_COMPATIBLE" val="0"/>
-  <p:tag name="KSO_WM_UNIT_DIAGRAM_ISNUMVISUAL" val="0"/>
-  <p:tag name="KSO_WM_UNIT_DIAGRAM_ISREFERUNIT" val="0"/>
-  <p:tag name="KSO_WM_DIAGRAM_GROUP_CODE" val="ζ1-1"/>
-  <p:tag name="KSO_WM_UNIT_TYPE" val="i"/>
-  <p:tag name="KSO_WM_UNIT_INDEX" val="8"/>
-  <p:tag name="KSO_WM_UNIT_ID" val="diagram20194877_1*i*8"/>
-  <p:tag name="KSO_WM_TEMPLATE_CATEGORY" val="diagram"/>
-  <p:tag name="KSO_WM_TEMPLATE_INDEX" val="20194877"/>
-  <p:tag name="KSO_WM_UNIT_LAYERLEVEL" val="1"/>
-  <p:tag name="KSO_WM_TAG_VERSION" val="1.0"/>
-  <p:tag name="KSO_WM_BEAUTIFY_FLAG" val="#wm#"/>
-  <p:tag name="KSO_WM_UNIT_FILL_FORE_SCHEMECOLOR_INDEX" val="14"/>
-  <p:tag name="KSO_WM_UNIT_FILL_TYPE" val="1"/>
-  <p:tag name="KSO_WM_UNIT_TEXT_FILL_FORE_SCHEMECOLOR_INDEX" val="2"/>
+  <p:tag name="KSO_WM_UNIT_TEXT_PART_ID_V2" val="d-4-1"/>
+  <p:tag name="KSO_WM_UNIT_TEXT_FILL_FORE_SCHEMECOLOR_INDEX" val="13"/>
   <p:tag name="KSO_WM_UNIT_TEXT_FILL_TYPE" val="1"/>
   <p:tag name="KSO_WM_UNIT_USESOURCEFORMAT_APPLY" val="1"/>
 </p:tagLst>
@@ -25205,8 +23467,8 @@
   <p:tag name="KSO_WM_UNIT_DIAGRAM_ISREFERUNIT" val="0"/>
   <p:tag name="KSO_WM_DIAGRAM_GROUP_CODE" val="ζ1-1"/>
   <p:tag name="KSO_WM_UNIT_TYPE" val="i"/>
-  <p:tag name="KSO_WM_UNIT_INDEX" val="6"/>
-  <p:tag name="KSO_WM_UNIT_ID" val="diagram20194877_1*i*6"/>
+  <p:tag name="KSO_WM_UNIT_INDEX" val="4"/>
+  <p:tag name="KSO_WM_UNIT_ID" val="diagram20194877_1*i*4"/>
   <p:tag name="KSO_WM_TEMPLATE_CATEGORY" val="diagram"/>
   <p:tag name="KSO_WM_TEMPLATE_INDEX" val="20194877"/>
   <p:tag name="KSO_WM_UNIT_LAYERLEVEL" val="1"/>
@@ -25214,59 +23476,13 @@
   <p:tag name="KSO_WM_BEAUTIFY_FLAG" val="#wm#"/>
   <p:tag name="KSO_WM_UNIT_FILL_FORE_SCHEMECOLOR_INDEX" val="14"/>
   <p:tag name="KSO_WM_UNIT_FILL_TYPE" val="1"/>
-  <p:tag name="KSO_WM_UNIT_TEXT_FILL_FORE_SCHEMECOLOR_INDEX" val="2"/>
+  <p:tag name="KSO_WM_UNIT_TEXT_FILL_FORE_SCHEMECOLOR_INDEX" val="14"/>
   <p:tag name="KSO_WM_UNIT_TEXT_FILL_TYPE" val="1"/>
   <p:tag name="KSO_WM_UNIT_USESOURCEFORMAT_APPLY" val="1"/>
 </p:tagLst>
 </file>
 
 <file path=ppt/tags/tag52.xml><?xml version="1.0" encoding="utf-8"?>
-<p:tagLst xmlns:p="http://schemas.openxmlformats.org/presentationml/2006/main">
-  <p:tag name="KSO_WM_UNIT_HIGHLIGHT" val="0"/>
-  <p:tag name="KSO_WM_UNIT_COMPATIBLE" val="0"/>
-  <p:tag name="KSO_WM_UNIT_DIAGRAM_ISNUMVISUAL" val="0"/>
-  <p:tag name="KSO_WM_UNIT_DIAGRAM_ISREFERUNIT" val="0"/>
-  <p:tag name="KSO_WM_DIAGRAM_GROUP_CODE" val="ζ1-1"/>
-  <p:tag name="KSO_WM_UNIT_TYPE" val="i"/>
-  <p:tag name="KSO_WM_UNIT_INDEX" val="7"/>
-  <p:tag name="KSO_WM_UNIT_ID" val="diagram20194877_1*i*7"/>
-  <p:tag name="KSO_WM_TEMPLATE_CATEGORY" val="diagram"/>
-  <p:tag name="KSO_WM_TEMPLATE_INDEX" val="20194877"/>
-  <p:tag name="KSO_WM_UNIT_LAYERLEVEL" val="1"/>
-  <p:tag name="KSO_WM_TAG_VERSION" val="1.0"/>
-  <p:tag name="KSO_WM_BEAUTIFY_FLAG" val="#wm#"/>
-  <p:tag name="KSO_WM_UNIT_FILL_FORE_SCHEMECOLOR_INDEX" val="14"/>
-  <p:tag name="KSO_WM_UNIT_FILL_TYPE" val="1"/>
-  <p:tag name="KSO_WM_UNIT_TEXT_FILL_FORE_SCHEMECOLOR_INDEX" val="2"/>
-  <p:tag name="KSO_WM_UNIT_TEXT_FILL_TYPE" val="1"/>
-  <p:tag name="KSO_WM_UNIT_USESOURCEFORMAT_APPLY" val="1"/>
-</p:tagLst>
-</file>
-
-<file path=ppt/tags/tag53.xml><?xml version="1.0" encoding="utf-8"?>
-<p:tagLst xmlns:p="http://schemas.openxmlformats.org/presentationml/2006/main">
-  <p:tag name="KSO_WM_UNIT_HIGHLIGHT" val="0"/>
-  <p:tag name="KSO_WM_UNIT_COMPATIBLE" val="0"/>
-  <p:tag name="KSO_WM_UNIT_DIAGRAM_ISNUMVISUAL" val="0"/>
-  <p:tag name="KSO_WM_UNIT_DIAGRAM_ISREFERUNIT" val="0"/>
-  <p:tag name="KSO_WM_DIAGRAM_GROUP_CODE" val="ζ1-1"/>
-  <p:tag name="KSO_WM_UNIT_TYPE" val="i"/>
-  <p:tag name="KSO_WM_UNIT_INDEX" val="8"/>
-  <p:tag name="KSO_WM_UNIT_ID" val="diagram20194877_1*i*8"/>
-  <p:tag name="KSO_WM_TEMPLATE_CATEGORY" val="diagram"/>
-  <p:tag name="KSO_WM_TEMPLATE_INDEX" val="20194877"/>
-  <p:tag name="KSO_WM_UNIT_LAYERLEVEL" val="1"/>
-  <p:tag name="KSO_WM_TAG_VERSION" val="1.0"/>
-  <p:tag name="KSO_WM_BEAUTIFY_FLAG" val="#wm#"/>
-  <p:tag name="KSO_WM_UNIT_FILL_FORE_SCHEMECOLOR_INDEX" val="14"/>
-  <p:tag name="KSO_WM_UNIT_FILL_TYPE" val="1"/>
-  <p:tag name="KSO_WM_UNIT_TEXT_FILL_FORE_SCHEMECOLOR_INDEX" val="2"/>
-  <p:tag name="KSO_WM_UNIT_TEXT_FILL_TYPE" val="1"/>
-  <p:tag name="KSO_WM_UNIT_USESOURCEFORMAT_APPLY" val="1"/>
-</p:tagLst>
-</file>
-
-<file path=ppt/tags/tag54.xml><?xml version="1.0" encoding="utf-8"?>
 <p:tagLst xmlns:p="http://schemas.openxmlformats.org/presentationml/2006/main">
   <p:tag name="KSO_WM_UNIT_TEXT_PART_ID" val="4-b"/>
   <p:tag name="KSO_WM_UNIT_TEXT_PART_SIZE" val="84.88*854.5"/>
@@ -25293,34 +23509,82 @@
 </p:tagLst>
 </file>
 
-<file path=ppt/tags/tag55.xml><?xml version="1.0" encoding="utf-8"?>
+<file path=ppt/tags/tag53.xml><?xml version="1.0" encoding="utf-8"?>
 <p:tagLst xmlns:p="http://schemas.openxmlformats.org/presentationml/2006/main">
-  <p:tag name="KSO_WM_UNIT_TEXT_PART_ID" val="4-b"/>
-  <p:tag name="KSO_WM_UNIT_TEXT_PART_SIZE" val="84.88*854.5"/>
-  <p:tag name="KSO_WM_UNIT_VALUE" val="156"/>
   <p:tag name="KSO_WM_UNIT_HIGHLIGHT" val="0"/>
   <p:tag name="KSO_WM_UNIT_COMPATIBLE" val="0"/>
   <p:tag name="KSO_WM_UNIT_DIAGRAM_ISNUMVISUAL" val="0"/>
   <p:tag name="KSO_WM_UNIT_DIAGRAM_ISREFERUNIT" val="0"/>
-  <p:tag name="KSO_WM_UNIT_ID" val="diagram20194877_1*h_f*1_1"/>
+  <p:tag name="KSO_WM_DIAGRAM_GROUP_CODE" val="ζ1-1"/>
+  <p:tag name="KSO_WM_UNIT_TYPE" val="i"/>
+  <p:tag name="KSO_WM_UNIT_INDEX" val="6"/>
+  <p:tag name="KSO_WM_UNIT_ID" val="diagram20194877_1*i*6"/>
   <p:tag name="KSO_WM_TEMPLATE_CATEGORY" val="diagram"/>
   <p:tag name="KSO_WM_TEMPLATE_INDEX" val="20194877"/>
-  <p:tag name="KSO_WM_UNIT_LAYERLEVEL" val="1_1"/>
+  <p:tag name="KSO_WM_UNIT_LAYERLEVEL" val="1"/>
   <p:tag name="KSO_WM_TAG_VERSION" val="1.0"/>
   <p:tag name="KSO_WM_BEAUTIFY_FLAG" val="#wm#"/>
-  <p:tag name="KSO_WM_UNIT_PRESET_TEXT" val="点击此处添加正文，文字是您思想的提炼，为了最终呈现发布的良好效果，请尽量言简意赅的阐述观点；根据需要可酌情增减文字，以便观者可以准确理解您所传达的信息。即便信息错综复杂，需要用更多的文字来表述，也请您尽可能提炼思想的精髓，恰如其分的表达观点，往往事半功倍。"/>
-  <p:tag name="KSO_WM_UNIT_TYPE" val="h_f"/>
-  <p:tag name="KSO_WM_UNIT_INDEX" val="1_1"/>
-  <p:tag name="KSO_WM_UNIT_NOCLEAR" val="0"/>
+  <p:tag name="KSO_WM_UNIT_FILL_FORE_SCHEMECOLOR_INDEX" val="14"/>
+  <p:tag name="KSO_WM_UNIT_FILL_TYPE" val="1"/>
+  <p:tag name="KSO_WM_UNIT_TEXT_FILL_FORE_SCHEMECOLOR_INDEX" val="2"/>
+  <p:tag name="KSO_WM_UNIT_TEXT_FILL_TYPE" val="1"/>
+  <p:tag name="KSO_WM_UNIT_USESOURCEFORMAT_APPLY" val="1"/>
+</p:tagLst>
+</file>
+
+<file path=ppt/tags/tag54.xml><?xml version="1.0" encoding="utf-8"?>
+<p:tagLst xmlns:p="http://schemas.openxmlformats.org/presentationml/2006/main">
+  <p:tag name="KSO_WM_UNIT_HIGHLIGHT" val="0"/>
+  <p:tag name="KSO_WM_UNIT_COMPATIBLE" val="0"/>
+  <p:tag name="KSO_WM_UNIT_DIAGRAM_ISNUMVISUAL" val="0"/>
+  <p:tag name="KSO_WM_UNIT_DIAGRAM_ISREFERUNIT" val="0"/>
   <p:tag name="KSO_WM_DIAGRAM_GROUP_CODE" val="ζ1-1"/>
-  <p:tag name="KSO_WM_UNIT_TEXT_PART_ID_V2" val="d-4-1"/>
-  <p:tag name="KSO_WM_UNIT_TEXT_FILL_FORE_SCHEMECOLOR_INDEX" val="13"/>
+  <p:tag name="KSO_WM_UNIT_TYPE" val="i"/>
+  <p:tag name="KSO_WM_UNIT_INDEX" val="7"/>
+  <p:tag name="KSO_WM_UNIT_ID" val="diagram20194877_1*i*7"/>
+  <p:tag name="KSO_WM_TEMPLATE_CATEGORY" val="diagram"/>
+  <p:tag name="KSO_WM_TEMPLATE_INDEX" val="20194877"/>
+  <p:tag name="KSO_WM_UNIT_LAYERLEVEL" val="1"/>
+  <p:tag name="KSO_WM_TAG_VERSION" val="1.0"/>
+  <p:tag name="KSO_WM_BEAUTIFY_FLAG" val="#wm#"/>
+  <p:tag name="KSO_WM_UNIT_FILL_FORE_SCHEMECOLOR_INDEX" val="14"/>
+  <p:tag name="KSO_WM_UNIT_FILL_TYPE" val="1"/>
+  <p:tag name="KSO_WM_UNIT_TEXT_FILL_FORE_SCHEMECOLOR_INDEX" val="2"/>
+  <p:tag name="KSO_WM_UNIT_TEXT_FILL_TYPE" val="1"/>
+  <p:tag name="KSO_WM_UNIT_USESOURCEFORMAT_APPLY" val="1"/>
+</p:tagLst>
+</file>
+
+<file path=ppt/tags/tag55.xml><?xml version="1.0" encoding="utf-8"?>
+<p:tagLst xmlns:p="http://schemas.openxmlformats.org/presentationml/2006/main">
+  <p:tag name="KSO_WM_UNIT_HIGHLIGHT" val="0"/>
+  <p:tag name="KSO_WM_UNIT_COMPATIBLE" val="0"/>
+  <p:tag name="KSO_WM_UNIT_DIAGRAM_ISNUMVISUAL" val="0"/>
+  <p:tag name="KSO_WM_UNIT_DIAGRAM_ISREFERUNIT" val="0"/>
+  <p:tag name="KSO_WM_DIAGRAM_GROUP_CODE" val="ζ1-1"/>
+  <p:tag name="KSO_WM_UNIT_TYPE" val="i"/>
+  <p:tag name="KSO_WM_UNIT_INDEX" val="8"/>
+  <p:tag name="KSO_WM_UNIT_ID" val="diagram20194877_1*i*8"/>
+  <p:tag name="KSO_WM_TEMPLATE_CATEGORY" val="diagram"/>
+  <p:tag name="KSO_WM_TEMPLATE_INDEX" val="20194877"/>
+  <p:tag name="KSO_WM_UNIT_LAYERLEVEL" val="1"/>
+  <p:tag name="KSO_WM_TAG_VERSION" val="1.0"/>
+  <p:tag name="KSO_WM_BEAUTIFY_FLAG" val="#wm#"/>
+  <p:tag name="KSO_WM_UNIT_FILL_FORE_SCHEMECOLOR_INDEX" val="14"/>
+  <p:tag name="KSO_WM_UNIT_FILL_TYPE" val="1"/>
+  <p:tag name="KSO_WM_UNIT_TEXT_FILL_FORE_SCHEMECOLOR_INDEX" val="2"/>
   <p:tag name="KSO_WM_UNIT_TEXT_FILL_TYPE" val="1"/>
   <p:tag name="KSO_WM_UNIT_USESOURCEFORMAT_APPLY" val="1"/>
 </p:tagLst>
 </file>
 
 <file path=ppt/tags/tag56.xml><?xml version="1.0" encoding="utf-8"?>
+<p:tagLst xmlns:p="http://schemas.openxmlformats.org/presentationml/2006/main">
+  <p:tag name="KSO_WM_UNIT_PLACING_PICTURE_USER_VIEWPORT" val="{&quot;height&quot;:7085,&quot;width&quot;:6373}"/>
+</p:tagLst>
+</file>
+
+<file path=ppt/tags/tag57.xml><?xml version="1.0" encoding="utf-8"?>
 <p:tagLst xmlns:p="http://schemas.openxmlformats.org/presentationml/2006/main">
   <p:tag name="KSO_WM_SLIDE_ID" val="diagram20194877_1"/>
   <p:tag name="KSO_WM_TEMPLATE_SUBCATEGORY" val="6"/>
@@ -25341,49 +23605,20 @@
 </p:tagLst>
 </file>
 
-<file path=ppt/tags/tag57.xml><?xml version="1.0" encoding="utf-8"?>
-<p:tagLst xmlns:p="http://schemas.openxmlformats.org/presentationml/2006/main">
-  <p:tag name="KSO_WM_UNIT_HIGHLIGHT" val="0"/>
-  <p:tag name="KSO_WM_UNIT_COMPATIBLE" val="0"/>
-  <p:tag name="KSO_WM_UNIT_DIAGRAM_ISNUMVISUAL" val="0"/>
-  <p:tag name="KSO_WM_UNIT_DIAGRAM_ISREFERUNIT" val="0"/>
-  <p:tag name="KSO_WM_DIAGRAM_GROUP_CODE" val="ζ1-1"/>
-  <p:tag name="KSO_WM_UNIT_TYPE" val="i"/>
-  <p:tag name="KSO_WM_UNIT_INDEX" val="1"/>
-  <p:tag name="KSO_WM_UNIT_ID" val="diagram20194877_1*i*1"/>
-  <p:tag name="KSO_WM_TEMPLATE_CATEGORY" val="diagram"/>
-  <p:tag name="KSO_WM_TEMPLATE_INDEX" val="20194877"/>
-  <p:tag name="KSO_WM_UNIT_LAYERLEVEL" val="1"/>
-  <p:tag name="KSO_WM_TAG_VERSION" val="1.0"/>
-  <p:tag name="KSO_WM_BEAUTIFY_FLAG" val="#wm#"/>
-  <p:tag name="KSO_WM_UNIT_FILL_FORE_SCHEMECOLOR_INDEX" val="14"/>
-  <p:tag name="KSO_WM_UNIT_FILL_TYPE" val="1"/>
-  <p:tag name="KSO_WM_UNIT_TEXT_FILL_FORE_SCHEMECOLOR_INDEX" val="14"/>
-  <p:tag name="KSO_WM_UNIT_TEXT_FILL_TYPE" val="1"/>
-  <p:tag name="KSO_WM_UNIT_USESOURCEFORMAT_APPLY" val="1"/>
-</p:tagLst>
-</file>
-
 <file path=ppt/tags/tag58.xml><?xml version="1.0" encoding="utf-8"?>
 <p:tagLst xmlns:p="http://schemas.openxmlformats.org/presentationml/2006/main">
   <p:tag name="KSO_WM_UNIT_HIGHLIGHT" val="0"/>
   <p:tag name="KSO_WM_UNIT_COMPATIBLE" val="0"/>
   <p:tag name="KSO_WM_UNIT_DIAGRAM_ISNUMVISUAL" val="0"/>
   <p:tag name="KSO_WM_UNIT_DIAGRAM_ISREFERUNIT" val="0"/>
-  <p:tag name="KSO_WM_DIAGRAM_GROUP_CODE" val="ζ1-1"/>
   <p:tag name="KSO_WM_UNIT_TYPE" val="i"/>
-  <p:tag name="KSO_WM_UNIT_INDEX" val="2"/>
-  <p:tag name="KSO_WM_UNIT_ID" val="diagram20194877_1*i*2"/>
+  <p:tag name="KSO_WM_UNIT_INDEX" val="3"/>
+  <p:tag name="KSO_WM_UNIT_ID" val="diagram20201551_1*i*3"/>
   <p:tag name="KSO_WM_TEMPLATE_CATEGORY" val="diagram"/>
-  <p:tag name="KSO_WM_TEMPLATE_INDEX" val="20194877"/>
+  <p:tag name="KSO_WM_TEMPLATE_INDEX" val="20201551"/>
   <p:tag name="KSO_WM_UNIT_LAYERLEVEL" val="1"/>
   <p:tag name="KSO_WM_TAG_VERSION" val="1.0"/>
   <p:tag name="KSO_WM_BEAUTIFY_FLAG" val="#wm#"/>
-  <p:tag name="KSO_WM_UNIT_FILL_FORE_SCHEMECOLOR_INDEX" val="14"/>
-  <p:tag name="KSO_WM_UNIT_FILL_TYPE" val="1"/>
-  <p:tag name="KSO_WM_UNIT_TEXT_FILL_FORE_SCHEMECOLOR_INDEX" val="14"/>
-  <p:tag name="KSO_WM_UNIT_TEXT_FILL_TYPE" val="1"/>
-  <p:tag name="KSO_WM_UNIT_USESOURCEFORMAT_APPLY" val="1"/>
 </p:tagLst>
 </file>
 
@@ -25393,20 +23628,14 @@
   <p:tag name="KSO_WM_UNIT_COMPATIBLE" val="0"/>
   <p:tag name="KSO_WM_UNIT_DIAGRAM_ISNUMVISUAL" val="0"/>
   <p:tag name="KSO_WM_UNIT_DIAGRAM_ISREFERUNIT" val="0"/>
-  <p:tag name="KSO_WM_DIAGRAM_GROUP_CODE" val="ζ1-1"/>
   <p:tag name="KSO_WM_UNIT_TYPE" val="i"/>
   <p:tag name="KSO_WM_UNIT_INDEX" val="4"/>
-  <p:tag name="KSO_WM_UNIT_ID" val="diagram20194877_1*i*4"/>
+  <p:tag name="KSO_WM_UNIT_ID" val="diagram20201551_1*i*4"/>
   <p:tag name="KSO_WM_TEMPLATE_CATEGORY" val="diagram"/>
-  <p:tag name="KSO_WM_TEMPLATE_INDEX" val="20194877"/>
+  <p:tag name="KSO_WM_TEMPLATE_INDEX" val="20201551"/>
   <p:tag name="KSO_WM_UNIT_LAYERLEVEL" val="1"/>
   <p:tag name="KSO_WM_TAG_VERSION" val="1.0"/>
   <p:tag name="KSO_WM_BEAUTIFY_FLAG" val="#wm#"/>
-  <p:tag name="KSO_WM_UNIT_FILL_FORE_SCHEMECOLOR_INDEX" val="14"/>
-  <p:tag name="KSO_WM_UNIT_FILL_TYPE" val="1"/>
-  <p:tag name="KSO_WM_UNIT_TEXT_FILL_FORE_SCHEMECOLOR_INDEX" val="14"/>
-  <p:tag name="KSO_WM_UNIT_TEXT_FILL_TYPE" val="1"/>
-  <p:tag name="KSO_WM_UNIT_USESOURCEFORMAT_APPLY" val="1"/>
 </p:tagLst>
 </file>
 
@@ -25435,163 +23664,6 @@
 
 <file path=ppt/tags/tag60.xml><?xml version="1.0" encoding="utf-8"?>
 <p:tagLst xmlns:p="http://schemas.openxmlformats.org/presentationml/2006/main">
-  <p:tag name="KSO_WM_UNIT_TEXT_PART_ID" val="4-b"/>
-  <p:tag name="KSO_WM_UNIT_TEXT_PART_SIZE" val="84.88*854.5"/>
-  <p:tag name="KSO_WM_UNIT_VALUE" val="156"/>
-  <p:tag name="KSO_WM_UNIT_HIGHLIGHT" val="0"/>
-  <p:tag name="KSO_WM_UNIT_COMPATIBLE" val="0"/>
-  <p:tag name="KSO_WM_UNIT_DIAGRAM_ISNUMVISUAL" val="0"/>
-  <p:tag name="KSO_WM_UNIT_DIAGRAM_ISREFERUNIT" val="0"/>
-  <p:tag name="KSO_WM_UNIT_ID" val="diagram20194877_1*h_f*1_1"/>
-  <p:tag name="KSO_WM_TEMPLATE_CATEGORY" val="diagram"/>
-  <p:tag name="KSO_WM_TEMPLATE_INDEX" val="20194877"/>
-  <p:tag name="KSO_WM_UNIT_LAYERLEVEL" val="1_1"/>
-  <p:tag name="KSO_WM_TAG_VERSION" val="1.0"/>
-  <p:tag name="KSO_WM_BEAUTIFY_FLAG" val="#wm#"/>
-  <p:tag name="KSO_WM_UNIT_PRESET_TEXT" val="点击此处添加正文，文字是您思想的提炼，为了最终呈现发布的良好效果，请尽量言简意赅的阐述观点；根据需要可酌情增减文字，以便观者可以准确理解您所传达的信息。即便信息错综复杂，需要用更多的文字来表述，也请您尽可能提炼思想的精髓，恰如其分的表达观点，往往事半功倍。"/>
-  <p:tag name="KSO_WM_UNIT_TYPE" val="h_f"/>
-  <p:tag name="KSO_WM_UNIT_INDEX" val="1_1"/>
-  <p:tag name="KSO_WM_UNIT_NOCLEAR" val="0"/>
-  <p:tag name="KSO_WM_DIAGRAM_GROUP_CODE" val="ζ1-1"/>
-  <p:tag name="KSO_WM_UNIT_TEXT_PART_ID_V2" val="d-4-1"/>
-  <p:tag name="KSO_WM_UNIT_TEXT_FILL_FORE_SCHEMECOLOR_INDEX" val="13"/>
-  <p:tag name="KSO_WM_UNIT_TEXT_FILL_TYPE" val="1"/>
-  <p:tag name="KSO_WM_UNIT_USESOURCEFORMAT_APPLY" val="1"/>
-</p:tagLst>
-</file>
-
-<file path=ppt/tags/tag61.xml><?xml version="1.0" encoding="utf-8"?>
-<p:tagLst xmlns:p="http://schemas.openxmlformats.org/presentationml/2006/main">
-  <p:tag name="KSO_WM_UNIT_HIGHLIGHT" val="0"/>
-  <p:tag name="KSO_WM_UNIT_COMPATIBLE" val="0"/>
-  <p:tag name="KSO_WM_UNIT_DIAGRAM_ISNUMVISUAL" val="0"/>
-  <p:tag name="KSO_WM_UNIT_DIAGRAM_ISREFERUNIT" val="0"/>
-  <p:tag name="KSO_WM_DIAGRAM_GROUP_CODE" val="ζ1-1"/>
-  <p:tag name="KSO_WM_UNIT_TYPE" val="i"/>
-  <p:tag name="KSO_WM_UNIT_INDEX" val="6"/>
-  <p:tag name="KSO_WM_UNIT_ID" val="diagram20194877_1*i*6"/>
-  <p:tag name="KSO_WM_TEMPLATE_CATEGORY" val="diagram"/>
-  <p:tag name="KSO_WM_TEMPLATE_INDEX" val="20194877"/>
-  <p:tag name="KSO_WM_UNIT_LAYERLEVEL" val="1"/>
-  <p:tag name="KSO_WM_TAG_VERSION" val="1.0"/>
-  <p:tag name="KSO_WM_BEAUTIFY_FLAG" val="#wm#"/>
-  <p:tag name="KSO_WM_UNIT_FILL_FORE_SCHEMECOLOR_INDEX" val="14"/>
-  <p:tag name="KSO_WM_UNIT_FILL_TYPE" val="1"/>
-  <p:tag name="KSO_WM_UNIT_TEXT_FILL_FORE_SCHEMECOLOR_INDEX" val="2"/>
-  <p:tag name="KSO_WM_UNIT_TEXT_FILL_TYPE" val="1"/>
-  <p:tag name="KSO_WM_UNIT_USESOURCEFORMAT_APPLY" val="1"/>
-</p:tagLst>
-</file>
-
-<file path=ppt/tags/tag62.xml><?xml version="1.0" encoding="utf-8"?>
-<p:tagLst xmlns:p="http://schemas.openxmlformats.org/presentationml/2006/main">
-  <p:tag name="KSO_WM_UNIT_HIGHLIGHT" val="0"/>
-  <p:tag name="KSO_WM_UNIT_COMPATIBLE" val="0"/>
-  <p:tag name="KSO_WM_UNIT_DIAGRAM_ISNUMVISUAL" val="0"/>
-  <p:tag name="KSO_WM_UNIT_DIAGRAM_ISREFERUNIT" val="0"/>
-  <p:tag name="KSO_WM_DIAGRAM_GROUP_CODE" val="ζ1-1"/>
-  <p:tag name="KSO_WM_UNIT_TYPE" val="i"/>
-  <p:tag name="KSO_WM_UNIT_INDEX" val="7"/>
-  <p:tag name="KSO_WM_UNIT_ID" val="diagram20194877_1*i*7"/>
-  <p:tag name="KSO_WM_TEMPLATE_CATEGORY" val="diagram"/>
-  <p:tag name="KSO_WM_TEMPLATE_INDEX" val="20194877"/>
-  <p:tag name="KSO_WM_UNIT_LAYERLEVEL" val="1"/>
-  <p:tag name="KSO_WM_TAG_VERSION" val="1.0"/>
-  <p:tag name="KSO_WM_BEAUTIFY_FLAG" val="#wm#"/>
-  <p:tag name="KSO_WM_UNIT_FILL_FORE_SCHEMECOLOR_INDEX" val="14"/>
-  <p:tag name="KSO_WM_UNIT_FILL_TYPE" val="1"/>
-  <p:tag name="KSO_WM_UNIT_TEXT_FILL_FORE_SCHEMECOLOR_INDEX" val="2"/>
-  <p:tag name="KSO_WM_UNIT_TEXT_FILL_TYPE" val="1"/>
-  <p:tag name="KSO_WM_UNIT_USESOURCEFORMAT_APPLY" val="1"/>
-</p:tagLst>
-</file>
-
-<file path=ppt/tags/tag63.xml><?xml version="1.0" encoding="utf-8"?>
-<p:tagLst xmlns:p="http://schemas.openxmlformats.org/presentationml/2006/main">
-  <p:tag name="KSO_WM_UNIT_HIGHLIGHT" val="0"/>
-  <p:tag name="KSO_WM_UNIT_COMPATIBLE" val="0"/>
-  <p:tag name="KSO_WM_UNIT_DIAGRAM_ISNUMVISUAL" val="0"/>
-  <p:tag name="KSO_WM_UNIT_DIAGRAM_ISREFERUNIT" val="0"/>
-  <p:tag name="KSO_WM_DIAGRAM_GROUP_CODE" val="ζ1-1"/>
-  <p:tag name="KSO_WM_UNIT_TYPE" val="i"/>
-  <p:tag name="KSO_WM_UNIT_INDEX" val="8"/>
-  <p:tag name="KSO_WM_UNIT_ID" val="diagram20194877_1*i*8"/>
-  <p:tag name="KSO_WM_TEMPLATE_CATEGORY" val="diagram"/>
-  <p:tag name="KSO_WM_TEMPLATE_INDEX" val="20194877"/>
-  <p:tag name="KSO_WM_UNIT_LAYERLEVEL" val="1"/>
-  <p:tag name="KSO_WM_TAG_VERSION" val="1.0"/>
-  <p:tag name="KSO_WM_BEAUTIFY_FLAG" val="#wm#"/>
-  <p:tag name="KSO_WM_UNIT_FILL_FORE_SCHEMECOLOR_INDEX" val="14"/>
-  <p:tag name="KSO_WM_UNIT_FILL_TYPE" val="1"/>
-  <p:tag name="KSO_WM_UNIT_TEXT_FILL_FORE_SCHEMECOLOR_INDEX" val="2"/>
-  <p:tag name="KSO_WM_UNIT_TEXT_FILL_TYPE" val="1"/>
-  <p:tag name="KSO_WM_UNIT_USESOURCEFORMAT_APPLY" val="1"/>
-</p:tagLst>
-</file>
-
-<file path=ppt/tags/tag64.xml><?xml version="1.0" encoding="utf-8"?>
-<p:tagLst xmlns:p="http://schemas.openxmlformats.org/presentationml/2006/main">
-  <p:tag name="KSO_WM_UNIT_PLACING_PICTURE_USER_VIEWPORT" val="{&quot;height&quot;:7085,&quot;width&quot;:6373}"/>
-</p:tagLst>
-</file>
-
-<file path=ppt/tags/tag65.xml><?xml version="1.0" encoding="utf-8"?>
-<p:tagLst xmlns:p="http://schemas.openxmlformats.org/presentationml/2006/main">
-  <p:tag name="KSO_WM_SLIDE_ID" val="diagram20194877_1"/>
-  <p:tag name="KSO_WM_TEMPLATE_SUBCATEGORY" val="6"/>
-  <p:tag name="KSO_WM_SLIDE_ITEM_CNT" val="1"/>
-  <p:tag name="KSO_WM_SLIDE_INDEX" val="1"/>
-  <p:tag name="KSO_WM_SLIDE_DIAGTYPE" val="ζ"/>
-  <p:tag name="KSO_WM_TAG_VERSION" val="1.0"/>
-  <p:tag name="KSO_WM_BEAUTIFY_FLAG" val="#wm#"/>
-  <p:tag name="KSO_WM_TEMPLATE_CATEGORY" val="diagram"/>
-  <p:tag name="KSO_WM_TEMPLATE_INDEX" val="20194877"/>
-  <p:tag name="KSO_WM_SLIDE_LAYOUT" val="a_d_h_ζ"/>
-  <p:tag name="KSO_WM_SLIDE_LAYOUT_CNT" val="1_1_1_1"/>
-  <p:tag name="KSO_WM_SLIDE_TYPE" val="text"/>
-  <p:tag name="KSO_WM_SLIDE_SUBTYPE" val="picTxt"/>
-  <p:tag name="KSO_WM_SLIDE_SIZE" val="854.5*443.119"/>
-  <p:tag name="KSO_WM_SLIDE_POSITION" val="52.75*56.126"/>
-  <p:tag name="KSO_WM_DIAGRAM_GROUP_CODE" val="ζ1-1"/>
-</p:tagLst>
-</file>
-
-<file path=ppt/tags/tag66.xml><?xml version="1.0" encoding="utf-8"?>
-<p:tagLst xmlns:p="http://schemas.openxmlformats.org/presentationml/2006/main">
-  <p:tag name="KSO_WM_UNIT_HIGHLIGHT" val="0"/>
-  <p:tag name="KSO_WM_UNIT_COMPATIBLE" val="0"/>
-  <p:tag name="KSO_WM_UNIT_DIAGRAM_ISNUMVISUAL" val="0"/>
-  <p:tag name="KSO_WM_UNIT_DIAGRAM_ISREFERUNIT" val="0"/>
-  <p:tag name="KSO_WM_UNIT_TYPE" val="i"/>
-  <p:tag name="KSO_WM_UNIT_INDEX" val="3"/>
-  <p:tag name="KSO_WM_UNIT_ID" val="diagram20201551_1*i*3"/>
-  <p:tag name="KSO_WM_TEMPLATE_CATEGORY" val="diagram"/>
-  <p:tag name="KSO_WM_TEMPLATE_INDEX" val="20201551"/>
-  <p:tag name="KSO_WM_UNIT_LAYERLEVEL" val="1"/>
-  <p:tag name="KSO_WM_TAG_VERSION" val="1.0"/>
-  <p:tag name="KSO_WM_BEAUTIFY_FLAG" val="#wm#"/>
-</p:tagLst>
-</file>
-
-<file path=ppt/tags/tag67.xml><?xml version="1.0" encoding="utf-8"?>
-<p:tagLst xmlns:p="http://schemas.openxmlformats.org/presentationml/2006/main">
-  <p:tag name="KSO_WM_UNIT_HIGHLIGHT" val="0"/>
-  <p:tag name="KSO_WM_UNIT_COMPATIBLE" val="0"/>
-  <p:tag name="KSO_WM_UNIT_DIAGRAM_ISNUMVISUAL" val="0"/>
-  <p:tag name="KSO_WM_UNIT_DIAGRAM_ISREFERUNIT" val="0"/>
-  <p:tag name="KSO_WM_UNIT_TYPE" val="i"/>
-  <p:tag name="KSO_WM_UNIT_INDEX" val="4"/>
-  <p:tag name="KSO_WM_UNIT_ID" val="diagram20201551_1*i*4"/>
-  <p:tag name="KSO_WM_TEMPLATE_CATEGORY" val="diagram"/>
-  <p:tag name="KSO_WM_TEMPLATE_INDEX" val="20201551"/>
-  <p:tag name="KSO_WM_UNIT_LAYERLEVEL" val="1"/>
-  <p:tag name="KSO_WM_TAG_VERSION" val="1.0"/>
-  <p:tag name="KSO_WM_BEAUTIFY_FLAG" val="#wm#"/>
-</p:tagLst>
-</file>
-
-<file path=ppt/tags/tag68.xml><?xml version="1.0" encoding="utf-8"?>
-<p:tagLst xmlns:p="http://schemas.openxmlformats.org/presentationml/2006/main">
   <p:tag name="KSO_WM_UNIT_ISCONTENTSTITLE" val="0"/>
   <p:tag name="KSO_WM_UNIT_PRESET_TEXT" val="点击&#13;输入大标题"/>
   <p:tag name="KSO_WM_UNIT_NOCLEAR" val="0"/>
@@ -25612,7 +23684,7 @@
 </p:tagLst>
 </file>
 
-<file path=ppt/tags/tag69.xml><?xml version="1.0" encoding="utf-8"?>
+<file path=ppt/tags/tag61.xml><?xml version="1.0" encoding="utf-8"?>
 <p:tagLst xmlns:p="http://schemas.openxmlformats.org/presentationml/2006/main">
   <p:tag name="KSO_WM_UNIT_HIGHLIGHT" val="0"/>
   <p:tag name="KSO_WM_UNIT_COMPATIBLE" val="0"/>
@@ -25626,6 +23698,137 @@
   <p:tag name="KSO_WM_UNIT_LAYERLEVEL" val="1"/>
   <p:tag name="KSO_WM_TAG_VERSION" val="1.0"/>
   <p:tag name="KSO_WM_BEAUTIFY_FLAG" val="#wm#"/>
+</p:tagLst>
+</file>
+
+<file path=ppt/tags/tag62.xml><?xml version="1.0" encoding="utf-8"?>
+<p:tagLst xmlns:p="http://schemas.openxmlformats.org/presentationml/2006/main">
+  <p:tag name="KSO_WM_UNIT_HIGHLIGHT" val="0"/>
+  <p:tag name="KSO_WM_UNIT_COMPATIBLE" val="0"/>
+  <p:tag name="KSO_WM_UNIT_DIAGRAM_ISNUMVISUAL" val="0"/>
+  <p:tag name="KSO_WM_UNIT_DIAGRAM_ISREFERUNIT" val="0"/>
+  <p:tag name="KSO_WM_UNIT_TYPE" val="i"/>
+  <p:tag name="KSO_WM_UNIT_INDEX" val="9"/>
+  <p:tag name="KSO_WM_UNIT_ID" val="diagram20201551_1*i*9"/>
+  <p:tag name="KSO_WM_TEMPLATE_CATEGORY" val="diagram"/>
+  <p:tag name="KSO_WM_TEMPLATE_INDEX" val="20201551"/>
+  <p:tag name="KSO_WM_UNIT_LAYERLEVEL" val="1"/>
+  <p:tag name="KSO_WM_TAG_VERSION" val="1.0"/>
+  <p:tag name="KSO_WM_BEAUTIFY_FLAG" val="#wm#"/>
+</p:tagLst>
+</file>
+
+<file path=ppt/tags/tag63.xml><?xml version="1.0" encoding="utf-8"?>
+<p:tagLst xmlns:p="http://schemas.openxmlformats.org/presentationml/2006/main">
+  <p:tag name="KSO_WM_UNIT_HIGHLIGHT" val="0"/>
+  <p:tag name="KSO_WM_UNIT_COMPATIBLE" val="0"/>
+  <p:tag name="KSO_WM_UNIT_DIAGRAM_ISNUMVISUAL" val="0"/>
+  <p:tag name="KSO_WM_UNIT_DIAGRAM_ISREFERUNIT" val="0"/>
+  <p:tag name="KSO_WM_UNIT_TYPE" val="i"/>
+  <p:tag name="KSO_WM_UNIT_INDEX" val="2"/>
+  <p:tag name="KSO_WM_UNIT_ID" val="diagram20201551_1*i*2"/>
+  <p:tag name="KSO_WM_TEMPLATE_CATEGORY" val="diagram"/>
+  <p:tag name="KSO_WM_TEMPLATE_INDEX" val="20201551"/>
+  <p:tag name="KSO_WM_UNIT_LAYERLEVEL" val="1"/>
+  <p:tag name="KSO_WM_TAG_VERSION" val="1.0"/>
+  <p:tag name="KSO_WM_BEAUTIFY_FLAG" val="#wm#"/>
+</p:tagLst>
+</file>
+
+<file path=ppt/tags/tag64.xml><?xml version="1.0" encoding="utf-8"?>
+<p:tagLst xmlns:p="http://schemas.openxmlformats.org/presentationml/2006/main">
+  <p:tag name="KSO_WM_SLIDE_ID" val="diagram20201551_1"/>
+  <p:tag name="KSO_WM_TEMPLATE_SUBCATEGORY" val="0"/>
+  <p:tag name="KSO_WM_SLIDE_ITEM_CNT" val="0"/>
+  <p:tag name="KSO_WM_SLIDE_INDEX" val="1"/>
+  <p:tag name="KSO_WM_UNIT_SHOW_EDIT_AREA_INDICATION" val="1"/>
+  <p:tag name="KSO_WM_TAG_VERSION" val="1.0"/>
+  <p:tag name="KSO_WM_BEAUTIFY_FLAG" val="#wm#"/>
+  <p:tag name="KSO_WM_TEMPLATE_CATEGORY" val="diagram"/>
+  <p:tag name="KSO_WM_TEMPLATE_INDEX" val="20201551"/>
+  <p:tag name="KSO_WM_SLIDE_LAYOUT" val="a_d_h"/>
+  <p:tag name="KSO_WM_SLIDE_LAYOUT_CNT" val="1_1_1"/>
+  <p:tag name="KSO_WM_SLIDE_TYPE" val="text"/>
+  <p:tag name="KSO_WM_SLIDE_SUBTYPE" val="picTxt"/>
+  <p:tag name="KSO_WM_SLIDE_SIZE" val="143.7*26.55"/>
+  <p:tag name="KSO_WM_SLIDE_POSITION" val="260.4*271.2"/>
+</p:tagLst>
+</file>
+
+<file path=ppt/tags/tag65.xml><?xml version="1.0" encoding="utf-8"?>
+<p:tagLst xmlns:p="http://schemas.openxmlformats.org/presentationml/2006/main">
+  <p:tag name="KSO_WM_UNIT_HIGHLIGHT" val="0"/>
+  <p:tag name="KSO_WM_UNIT_COMPATIBLE" val="0"/>
+  <p:tag name="KSO_WM_UNIT_DIAGRAM_ISNUMVISUAL" val="0"/>
+  <p:tag name="KSO_WM_UNIT_DIAGRAM_ISREFERUNIT" val="0"/>
+  <p:tag name="KSO_WM_UNIT_ID" val="diagram20201613_1*i*3"/>
+  <p:tag name="KSO_WM_TEMPLATE_CATEGORY" val="diagram"/>
+  <p:tag name="KSO_WM_TEMPLATE_INDEX" val="20201613"/>
+  <p:tag name="KSO_WM_UNIT_LAYERLEVEL" val="1"/>
+  <p:tag name="KSO_WM_TAG_VERSION" val="1.0"/>
+  <p:tag name="KSO_WM_BEAUTIFY_FLAG" val="#wm#"/>
+  <p:tag name="KSO_WM_UNIT_TYPE" val="i"/>
+  <p:tag name="KSO_WM_UNIT_INDEX" val="3"/>
+</p:tagLst>
+</file>
+
+<file path=ppt/tags/tag66.xml><?xml version="1.0" encoding="utf-8"?>
+<p:tagLst xmlns:p="http://schemas.openxmlformats.org/presentationml/2006/main">
+  <p:tag name="KSO_WM_UNIT_HIGHLIGHT" val="0"/>
+  <p:tag name="KSO_WM_UNIT_COMPATIBLE" val="0"/>
+  <p:tag name="KSO_WM_UNIT_DIAGRAM_ISNUMVISUAL" val="0"/>
+  <p:tag name="KSO_WM_UNIT_DIAGRAM_ISREFERUNIT" val="0"/>
+  <p:tag name="KSO_WM_UNIT_ID" val="diagram20201613_1*i*4"/>
+  <p:tag name="KSO_WM_TEMPLATE_CATEGORY" val="diagram"/>
+  <p:tag name="KSO_WM_TEMPLATE_INDEX" val="20201613"/>
+  <p:tag name="KSO_WM_UNIT_LAYERLEVEL" val="1"/>
+  <p:tag name="KSO_WM_TAG_VERSION" val="1.0"/>
+  <p:tag name="KSO_WM_BEAUTIFY_FLAG" val="#wm#"/>
+  <p:tag name="KSO_WM_UNIT_TYPE" val="i"/>
+  <p:tag name="KSO_WM_UNIT_INDEX" val="4"/>
+</p:tagLst>
+</file>
+
+<file path=ppt/tags/tag67.xml><?xml version="1.0" encoding="utf-8"?>
+<p:tagLst xmlns:p="http://schemas.openxmlformats.org/presentationml/2006/main">
+  <p:tag name="KSO_WM_UNIT_HIGHLIGHT" val="0"/>
+  <p:tag name="KSO_WM_UNIT_COMPATIBLE" val="0"/>
+  <p:tag name="KSO_WM_UNIT_DIAGRAM_ISNUMVISUAL" val="0"/>
+  <p:tag name="KSO_WM_UNIT_DIAGRAM_ISREFERUNIT" val="0"/>
+  <p:tag name="KSO_WM_UNIT_ID" val="diagram20201613_1*i*5"/>
+  <p:tag name="KSO_WM_TEMPLATE_CATEGORY" val="diagram"/>
+  <p:tag name="KSO_WM_TEMPLATE_INDEX" val="20201613"/>
+  <p:tag name="KSO_WM_UNIT_LAYERLEVEL" val="1"/>
+  <p:tag name="KSO_WM_TAG_VERSION" val="1.0"/>
+  <p:tag name="KSO_WM_BEAUTIFY_FLAG" val="#wm#"/>
+  <p:tag name="KSO_WM_UNIT_TYPE" val="i"/>
+  <p:tag name="KSO_WM_UNIT_INDEX" val="5"/>
+</p:tagLst>
+</file>
+
+<file path=ppt/tags/tag68.xml><?xml version="1.0" encoding="utf-8"?>
+<p:tagLst xmlns:p="http://schemas.openxmlformats.org/presentationml/2006/main">
+  <p:tag name="KSO_WM_SLIDE_ID" val="diagram20201613_1"/>
+  <p:tag name="KSO_WM_TEMPLATE_SUBCATEGORY" val="0"/>
+  <p:tag name="KSO_WM_SLIDE_TYPE" val="text"/>
+  <p:tag name="KSO_WM_SLIDE_SUBTYPE" val="diag"/>
+  <p:tag name="KSO_WM_SLIDE_ITEM_CNT" val="0"/>
+  <p:tag name="KSO_WM_SLIDE_INDEX" val="1"/>
+  <p:tag name="KSO_WM_SLIDE_SIZE" val="854*546"/>
+  <p:tag name="KSO_WM_SLIDE_POSITION" val="71*-3"/>
+  <p:tag name="KSO_WM_TAG_VERSION" val="1.0"/>
+  <p:tag name="KSO_WM_BEAUTIFY_FLAG" val="#wm#"/>
+  <p:tag name="KSO_WM_TEMPLATE_CATEGORY" val="diagram"/>
+  <p:tag name="KSO_WM_TEMPLATE_INDEX" val="20201613"/>
+  <p:tag name="KSO_WM_SLIDE_LAYOUT" val="a_d_f"/>
+  <p:tag name="KSO_WM_SLIDE_LAYOUT_CNT" val="1_1_2"/>
+</p:tagLst>
+</file>
+
+<file path=ppt/tags/tag69.xml><?xml version="1.0" encoding="utf-8"?>
+<p:tagLst xmlns:p="http://schemas.openxmlformats.org/presentationml/2006/main">
+  <p:tag name="COMMONDATA" val="eyJoZGlkIjoiM2I0YzY4NjUwZGU1YzMwM2VhZjcxMmNjYTBmYTc2YmEifQ=="/>
+  <p:tag name="KSO_WPP_MARK_KEY" val="c2a9c131-d783-4698-8b70-4756e70de055"/>
 </p:tagLst>
 </file>
 
@@ -25647,137 +23850,6 @@
   <p:tag name="KSO_WM_SLIDE_SIZE" val="854.5*443.119"/>
   <p:tag name="KSO_WM_SLIDE_POSITION" val="52.75*56.126"/>
   <p:tag name="KSO_WM_DIAGRAM_GROUP_CODE" val="ζ1-1"/>
-</p:tagLst>
-</file>
-
-<file path=ppt/tags/tag70.xml><?xml version="1.0" encoding="utf-8"?>
-<p:tagLst xmlns:p="http://schemas.openxmlformats.org/presentationml/2006/main">
-  <p:tag name="KSO_WM_UNIT_HIGHLIGHT" val="0"/>
-  <p:tag name="KSO_WM_UNIT_COMPATIBLE" val="0"/>
-  <p:tag name="KSO_WM_UNIT_DIAGRAM_ISNUMVISUAL" val="0"/>
-  <p:tag name="KSO_WM_UNIT_DIAGRAM_ISREFERUNIT" val="0"/>
-  <p:tag name="KSO_WM_UNIT_TYPE" val="i"/>
-  <p:tag name="KSO_WM_UNIT_INDEX" val="9"/>
-  <p:tag name="KSO_WM_UNIT_ID" val="diagram20201551_1*i*9"/>
-  <p:tag name="KSO_WM_TEMPLATE_CATEGORY" val="diagram"/>
-  <p:tag name="KSO_WM_TEMPLATE_INDEX" val="20201551"/>
-  <p:tag name="KSO_WM_UNIT_LAYERLEVEL" val="1"/>
-  <p:tag name="KSO_WM_TAG_VERSION" val="1.0"/>
-  <p:tag name="KSO_WM_BEAUTIFY_FLAG" val="#wm#"/>
-</p:tagLst>
-</file>
-
-<file path=ppt/tags/tag71.xml><?xml version="1.0" encoding="utf-8"?>
-<p:tagLst xmlns:p="http://schemas.openxmlformats.org/presentationml/2006/main">
-  <p:tag name="KSO_WM_UNIT_HIGHLIGHT" val="0"/>
-  <p:tag name="KSO_WM_UNIT_COMPATIBLE" val="0"/>
-  <p:tag name="KSO_WM_UNIT_DIAGRAM_ISNUMVISUAL" val="0"/>
-  <p:tag name="KSO_WM_UNIT_DIAGRAM_ISREFERUNIT" val="0"/>
-  <p:tag name="KSO_WM_UNIT_TYPE" val="i"/>
-  <p:tag name="KSO_WM_UNIT_INDEX" val="2"/>
-  <p:tag name="KSO_WM_UNIT_ID" val="diagram20201551_1*i*2"/>
-  <p:tag name="KSO_WM_TEMPLATE_CATEGORY" val="diagram"/>
-  <p:tag name="KSO_WM_TEMPLATE_INDEX" val="20201551"/>
-  <p:tag name="KSO_WM_UNIT_LAYERLEVEL" val="1"/>
-  <p:tag name="KSO_WM_TAG_VERSION" val="1.0"/>
-  <p:tag name="KSO_WM_BEAUTIFY_FLAG" val="#wm#"/>
-</p:tagLst>
-</file>
-
-<file path=ppt/tags/tag72.xml><?xml version="1.0" encoding="utf-8"?>
-<p:tagLst xmlns:p="http://schemas.openxmlformats.org/presentationml/2006/main">
-  <p:tag name="KSO_WM_SLIDE_ID" val="diagram20201551_1"/>
-  <p:tag name="KSO_WM_TEMPLATE_SUBCATEGORY" val="0"/>
-  <p:tag name="KSO_WM_SLIDE_ITEM_CNT" val="0"/>
-  <p:tag name="KSO_WM_SLIDE_INDEX" val="1"/>
-  <p:tag name="KSO_WM_UNIT_SHOW_EDIT_AREA_INDICATION" val="1"/>
-  <p:tag name="KSO_WM_TAG_VERSION" val="1.0"/>
-  <p:tag name="KSO_WM_BEAUTIFY_FLAG" val="#wm#"/>
-  <p:tag name="KSO_WM_TEMPLATE_CATEGORY" val="diagram"/>
-  <p:tag name="KSO_WM_TEMPLATE_INDEX" val="20201551"/>
-  <p:tag name="KSO_WM_SLIDE_LAYOUT" val="a_d_h"/>
-  <p:tag name="KSO_WM_SLIDE_LAYOUT_CNT" val="1_1_1"/>
-  <p:tag name="KSO_WM_SLIDE_TYPE" val="text"/>
-  <p:tag name="KSO_WM_SLIDE_SUBTYPE" val="picTxt"/>
-  <p:tag name="KSO_WM_SLIDE_SIZE" val="143.7*26.55"/>
-  <p:tag name="KSO_WM_SLIDE_POSITION" val="260.4*271.2"/>
-</p:tagLst>
-</file>
-
-<file path=ppt/tags/tag73.xml><?xml version="1.0" encoding="utf-8"?>
-<p:tagLst xmlns:p="http://schemas.openxmlformats.org/presentationml/2006/main">
-  <p:tag name="KSO_WM_UNIT_HIGHLIGHT" val="0"/>
-  <p:tag name="KSO_WM_UNIT_COMPATIBLE" val="0"/>
-  <p:tag name="KSO_WM_UNIT_DIAGRAM_ISNUMVISUAL" val="0"/>
-  <p:tag name="KSO_WM_UNIT_DIAGRAM_ISREFERUNIT" val="0"/>
-  <p:tag name="KSO_WM_UNIT_ID" val="diagram20201613_1*i*3"/>
-  <p:tag name="KSO_WM_TEMPLATE_CATEGORY" val="diagram"/>
-  <p:tag name="KSO_WM_TEMPLATE_INDEX" val="20201613"/>
-  <p:tag name="KSO_WM_UNIT_LAYERLEVEL" val="1"/>
-  <p:tag name="KSO_WM_TAG_VERSION" val="1.0"/>
-  <p:tag name="KSO_WM_BEAUTIFY_FLAG" val="#wm#"/>
-  <p:tag name="KSO_WM_UNIT_TYPE" val="i"/>
-  <p:tag name="KSO_WM_UNIT_INDEX" val="3"/>
-</p:tagLst>
-</file>
-
-<file path=ppt/tags/tag74.xml><?xml version="1.0" encoding="utf-8"?>
-<p:tagLst xmlns:p="http://schemas.openxmlformats.org/presentationml/2006/main">
-  <p:tag name="KSO_WM_UNIT_HIGHLIGHT" val="0"/>
-  <p:tag name="KSO_WM_UNIT_COMPATIBLE" val="0"/>
-  <p:tag name="KSO_WM_UNIT_DIAGRAM_ISNUMVISUAL" val="0"/>
-  <p:tag name="KSO_WM_UNIT_DIAGRAM_ISREFERUNIT" val="0"/>
-  <p:tag name="KSO_WM_UNIT_ID" val="diagram20201613_1*i*4"/>
-  <p:tag name="KSO_WM_TEMPLATE_CATEGORY" val="diagram"/>
-  <p:tag name="KSO_WM_TEMPLATE_INDEX" val="20201613"/>
-  <p:tag name="KSO_WM_UNIT_LAYERLEVEL" val="1"/>
-  <p:tag name="KSO_WM_TAG_VERSION" val="1.0"/>
-  <p:tag name="KSO_WM_BEAUTIFY_FLAG" val="#wm#"/>
-  <p:tag name="KSO_WM_UNIT_TYPE" val="i"/>
-  <p:tag name="KSO_WM_UNIT_INDEX" val="4"/>
-</p:tagLst>
-</file>
-
-<file path=ppt/tags/tag75.xml><?xml version="1.0" encoding="utf-8"?>
-<p:tagLst xmlns:p="http://schemas.openxmlformats.org/presentationml/2006/main">
-  <p:tag name="KSO_WM_UNIT_HIGHLIGHT" val="0"/>
-  <p:tag name="KSO_WM_UNIT_COMPATIBLE" val="0"/>
-  <p:tag name="KSO_WM_UNIT_DIAGRAM_ISNUMVISUAL" val="0"/>
-  <p:tag name="KSO_WM_UNIT_DIAGRAM_ISREFERUNIT" val="0"/>
-  <p:tag name="KSO_WM_UNIT_ID" val="diagram20201613_1*i*5"/>
-  <p:tag name="KSO_WM_TEMPLATE_CATEGORY" val="diagram"/>
-  <p:tag name="KSO_WM_TEMPLATE_INDEX" val="20201613"/>
-  <p:tag name="KSO_WM_UNIT_LAYERLEVEL" val="1"/>
-  <p:tag name="KSO_WM_TAG_VERSION" val="1.0"/>
-  <p:tag name="KSO_WM_BEAUTIFY_FLAG" val="#wm#"/>
-  <p:tag name="KSO_WM_UNIT_TYPE" val="i"/>
-  <p:tag name="KSO_WM_UNIT_INDEX" val="5"/>
-</p:tagLst>
-</file>
-
-<file path=ppt/tags/tag76.xml><?xml version="1.0" encoding="utf-8"?>
-<p:tagLst xmlns:p="http://schemas.openxmlformats.org/presentationml/2006/main">
-  <p:tag name="KSO_WM_SLIDE_ID" val="diagram20201613_1"/>
-  <p:tag name="KSO_WM_TEMPLATE_SUBCATEGORY" val="0"/>
-  <p:tag name="KSO_WM_SLIDE_TYPE" val="text"/>
-  <p:tag name="KSO_WM_SLIDE_SUBTYPE" val="diag"/>
-  <p:tag name="KSO_WM_SLIDE_ITEM_CNT" val="0"/>
-  <p:tag name="KSO_WM_SLIDE_INDEX" val="1"/>
-  <p:tag name="KSO_WM_SLIDE_SIZE" val="854*546"/>
-  <p:tag name="KSO_WM_SLIDE_POSITION" val="71*-3"/>
-  <p:tag name="KSO_WM_TAG_VERSION" val="1.0"/>
-  <p:tag name="KSO_WM_BEAUTIFY_FLAG" val="#wm#"/>
-  <p:tag name="KSO_WM_TEMPLATE_CATEGORY" val="diagram"/>
-  <p:tag name="KSO_WM_TEMPLATE_INDEX" val="20201613"/>
-  <p:tag name="KSO_WM_SLIDE_LAYOUT" val="a_d_f"/>
-  <p:tag name="KSO_WM_SLIDE_LAYOUT_CNT" val="1_1_2"/>
-</p:tagLst>
-</file>
-
-<file path=ppt/tags/tag77.xml><?xml version="1.0" encoding="utf-8"?>
-<p:tagLst xmlns:p="http://schemas.openxmlformats.org/presentationml/2006/main">
-  <p:tag name="COMMONDATA" val="eyJoZGlkIjoiNWJhMDIwNjlkNzQ3MzljNzcwMGNhYTgyZjNkMzJhZjEifQ=="/>
-  <p:tag name="KSO_WPP_MARK_KEY" val="c2a9c131-d783-4698-8b70-4756e70de055"/>
 </p:tagLst>
 </file>
 
